--- a/Assets/Sources/Sources.pptx
+++ b/Assets/Sources/Sources.pptx
@@ -209,7 +209,7 @@
           <a:p>
             <a:fld id="{A04CE5A0-376F-BD45-BAAF-7B1E1788F1BD}" type="datetimeFigureOut">
               <a:rPr kumimoji="1" lang="zh-CN" altLang="en-US" smtClean="0"/>
-              <a:t>2018/1/15</a:t>
+              <a:t>2018/2/1</a:t>
             </a:fld>
             <a:endParaRPr kumimoji="1" lang="zh-CN" altLang="en-US"/>
           </a:p>
@@ -608,7 +608,7 @@
           <a:p>
             <a:fld id="{ACDA77A0-8EC2-5A40-995E-7F5114E9C308}" type="datetimeFigureOut">
               <a:rPr kumimoji="1" lang="zh-CN" altLang="en-US" smtClean="0"/>
-              <a:t>2018/1/15</a:t>
+              <a:t>2018/2/1</a:t>
             </a:fld>
             <a:endParaRPr kumimoji="1" lang="zh-CN" altLang="en-US"/>
           </a:p>
@@ -778,7 +778,7 @@
           <a:p>
             <a:fld id="{ACDA77A0-8EC2-5A40-995E-7F5114E9C308}" type="datetimeFigureOut">
               <a:rPr kumimoji="1" lang="zh-CN" altLang="en-US" smtClean="0"/>
-              <a:t>2018/1/15</a:t>
+              <a:t>2018/2/1</a:t>
             </a:fld>
             <a:endParaRPr kumimoji="1" lang="zh-CN" altLang="en-US"/>
           </a:p>
@@ -958,7 +958,7 @@
           <a:p>
             <a:fld id="{ACDA77A0-8EC2-5A40-995E-7F5114E9C308}" type="datetimeFigureOut">
               <a:rPr kumimoji="1" lang="zh-CN" altLang="en-US" smtClean="0"/>
-              <a:t>2018/1/15</a:t>
+              <a:t>2018/2/1</a:t>
             </a:fld>
             <a:endParaRPr kumimoji="1" lang="zh-CN" altLang="en-US"/>
           </a:p>
@@ -1128,7 +1128,7 @@
           <a:p>
             <a:fld id="{ACDA77A0-8EC2-5A40-995E-7F5114E9C308}" type="datetimeFigureOut">
               <a:rPr kumimoji="1" lang="zh-CN" altLang="en-US" smtClean="0"/>
-              <a:t>2018/1/15</a:t>
+              <a:t>2018/2/1</a:t>
             </a:fld>
             <a:endParaRPr kumimoji="1" lang="zh-CN" altLang="en-US"/>
           </a:p>
@@ -1374,7 +1374,7 @@
           <a:p>
             <a:fld id="{ACDA77A0-8EC2-5A40-995E-7F5114E9C308}" type="datetimeFigureOut">
               <a:rPr kumimoji="1" lang="zh-CN" altLang="en-US" smtClean="0"/>
-              <a:t>2018/1/15</a:t>
+              <a:t>2018/2/1</a:t>
             </a:fld>
             <a:endParaRPr kumimoji="1" lang="zh-CN" altLang="en-US"/>
           </a:p>
@@ -1606,7 +1606,7 @@
           <a:p>
             <a:fld id="{ACDA77A0-8EC2-5A40-995E-7F5114E9C308}" type="datetimeFigureOut">
               <a:rPr kumimoji="1" lang="zh-CN" altLang="en-US" smtClean="0"/>
-              <a:t>2018/1/15</a:t>
+              <a:t>2018/2/1</a:t>
             </a:fld>
             <a:endParaRPr kumimoji="1" lang="zh-CN" altLang="en-US"/>
           </a:p>
@@ -1973,7 +1973,7 @@
           <a:p>
             <a:fld id="{ACDA77A0-8EC2-5A40-995E-7F5114E9C308}" type="datetimeFigureOut">
               <a:rPr kumimoji="1" lang="zh-CN" altLang="en-US" smtClean="0"/>
-              <a:t>2018/1/15</a:t>
+              <a:t>2018/2/1</a:t>
             </a:fld>
             <a:endParaRPr kumimoji="1" lang="zh-CN" altLang="en-US"/>
           </a:p>
@@ -2091,7 +2091,7 @@
           <a:p>
             <a:fld id="{ACDA77A0-8EC2-5A40-995E-7F5114E9C308}" type="datetimeFigureOut">
               <a:rPr kumimoji="1" lang="zh-CN" altLang="en-US" smtClean="0"/>
-              <a:t>2018/1/15</a:t>
+              <a:t>2018/2/1</a:t>
             </a:fld>
             <a:endParaRPr kumimoji="1" lang="zh-CN" altLang="en-US"/>
           </a:p>
@@ -2186,7 +2186,7 @@
           <a:p>
             <a:fld id="{ACDA77A0-8EC2-5A40-995E-7F5114E9C308}" type="datetimeFigureOut">
               <a:rPr kumimoji="1" lang="zh-CN" altLang="en-US" smtClean="0"/>
-              <a:t>2018/1/15</a:t>
+              <a:t>2018/2/1</a:t>
             </a:fld>
             <a:endParaRPr kumimoji="1" lang="zh-CN" altLang="en-US"/>
           </a:p>
@@ -2463,7 +2463,7 @@
           <a:p>
             <a:fld id="{ACDA77A0-8EC2-5A40-995E-7F5114E9C308}" type="datetimeFigureOut">
               <a:rPr kumimoji="1" lang="zh-CN" altLang="en-US" smtClean="0"/>
-              <a:t>2018/1/15</a:t>
+              <a:t>2018/2/1</a:t>
             </a:fld>
             <a:endParaRPr kumimoji="1" lang="zh-CN" altLang="en-US"/>
           </a:p>
@@ -2716,7 +2716,7 @@
           <a:p>
             <a:fld id="{ACDA77A0-8EC2-5A40-995E-7F5114E9C308}" type="datetimeFigureOut">
               <a:rPr kumimoji="1" lang="zh-CN" altLang="en-US" smtClean="0"/>
-              <a:t>2018/1/15</a:t>
+              <a:t>2018/2/1</a:t>
             </a:fld>
             <a:endParaRPr kumimoji="1" lang="zh-CN" altLang="en-US"/>
           </a:p>
@@ -2929,7 +2929,7 @@
           <a:p>
             <a:fld id="{ACDA77A0-8EC2-5A40-995E-7F5114E9C308}" type="datetimeFigureOut">
               <a:rPr kumimoji="1" lang="zh-CN" altLang="en-US" smtClean="0"/>
-              <a:t>2018/1/15</a:t>
+              <a:t>2018/2/1</a:t>
             </a:fld>
             <a:endParaRPr kumimoji="1" lang="zh-CN" altLang="en-US"/>
           </a:p>
@@ -3601,7 +3601,7 @@
         </p:nvSpPr>
         <p:spPr>
           <a:xfrm rot="-5400000">
-            <a:off x="8606288" y="3915000"/>
+            <a:off x="7766008" y="481049"/>
             <a:ext cx="1800000" cy="1800000"/>
           </a:xfrm>
           <a:prstGeom prst="stripedRightArrow">
@@ -4028,6 +4028,733 @@
           </a:p>
         </p:txBody>
       </p:sp>
+      <p:sp>
+        <p:nvSpPr>
+          <p:cNvPr id="3" name="禁止符 2"/>
+          <p:cNvSpPr/>
+          <p:nvPr/>
+        </p:nvSpPr>
+        <p:spPr>
+          <a:xfrm>
+            <a:off x="3223144" y="4232473"/>
+            <a:ext cx="1980000" cy="1980000"/>
+          </a:xfrm>
+          <a:prstGeom prst="noSmoking">
+            <a:avLst/>
+          </a:prstGeom>
+          <a:solidFill>
+            <a:schemeClr val="accent2"/>
+          </a:solidFill>
+          <a:ln w="127000">
+            <a:solidFill>
+              <a:schemeClr val="tx1">
+                <a:lumMod val="75000"/>
+                <a:lumOff val="25000"/>
+              </a:schemeClr>
+            </a:solidFill>
+          </a:ln>
+        </p:spPr>
+        <p:style>
+          <a:lnRef idx="2">
+            <a:schemeClr val="accent1">
+              <a:shade val="50000"/>
+            </a:schemeClr>
+          </a:lnRef>
+          <a:fillRef idx="1">
+            <a:schemeClr val="accent1"/>
+          </a:fillRef>
+          <a:effectRef idx="0">
+            <a:schemeClr val="accent1"/>
+          </a:effectRef>
+          <a:fontRef idx="minor">
+            <a:schemeClr val="lt1"/>
+          </a:fontRef>
+        </p:style>
+        <p:txBody>
+          <a:bodyPr rtlCol="0" anchor="ctr"/>
+          <a:lstStyle/>
+          <a:p>
+            <a:pPr algn="ctr"/>
+            <a:endParaRPr kumimoji="1" lang="zh-CN" altLang="en-US">
+              <a:solidFill>
+                <a:schemeClr val="tx1"/>
+              </a:solidFill>
+            </a:endParaRPr>
+          </a:p>
+        </p:txBody>
+      </p:sp>
+      <p:grpSp>
+        <p:nvGrpSpPr>
+          <p:cNvPr id="7" name="组 6"/>
+          <p:cNvGrpSpPr/>
+          <p:nvPr/>
+        </p:nvGrpSpPr>
+        <p:grpSpPr>
+          <a:xfrm>
+            <a:off x="5786008" y="3843337"/>
+            <a:ext cx="1980000" cy="1980000"/>
+            <a:chOff x="7543799" y="3843337"/>
+            <a:chExt cx="1980000" cy="1980000"/>
+          </a:xfrm>
+        </p:grpSpPr>
+        <p:sp>
+          <p:nvSpPr>
+            <p:cNvPr id="4" name="缺角矩形 3"/>
+            <p:cNvSpPr/>
+            <p:nvPr/>
+          </p:nvSpPr>
+          <p:spPr>
+            <a:xfrm>
+              <a:off x="7543799" y="3843337"/>
+              <a:ext cx="1980000" cy="1980000"/>
+            </a:xfrm>
+            <a:prstGeom prst="plaque">
+              <a:avLst/>
+            </a:prstGeom>
+            <a:solidFill>
+              <a:schemeClr val="accent2"/>
+            </a:solidFill>
+            <a:ln w="127000">
+              <a:solidFill>
+                <a:schemeClr val="tx1">
+                  <a:lumMod val="75000"/>
+                  <a:lumOff val="25000"/>
+                </a:schemeClr>
+              </a:solidFill>
+            </a:ln>
+          </p:spPr>
+          <p:style>
+            <a:lnRef idx="2">
+              <a:schemeClr val="accent1">
+                <a:shade val="50000"/>
+              </a:schemeClr>
+            </a:lnRef>
+            <a:fillRef idx="1">
+              <a:schemeClr val="accent1"/>
+            </a:fillRef>
+            <a:effectRef idx="0">
+              <a:schemeClr val="accent1"/>
+            </a:effectRef>
+            <a:fontRef idx="minor">
+              <a:schemeClr val="lt1"/>
+            </a:fontRef>
+          </p:style>
+          <p:txBody>
+            <a:bodyPr rtlCol="0" anchor="ctr"/>
+            <a:lstStyle/>
+            <a:p>
+              <a:pPr algn="ctr"/>
+              <a:endParaRPr kumimoji="1" lang="zh-CN" altLang="en-US"/>
+            </a:p>
+          </p:txBody>
+        </p:sp>
+        <p:sp>
+          <p:nvSpPr>
+            <p:cNvPr id="6" name="十字形 5"/>
+            <p:cNvSpPr/>
+            <p:nvPr/>
+          </p:nvSpPr>
+          <p:spPr>
+            <a:xfrm>
+              <a:off x="7543799" y="3843337"/>
+              <a:ext cx="1980000" cy="1980000"/>
+            </a:xfrm>
+            <a:prstGeom prst="plus">
+              <a:avLst>
+                <a:gd name="adj" fmla="val 37989"/>
+              </a:avLst>
+            </a:prstGeom>
+            <a:solidFill>
+              <a:schemeClr val="tx1">
+                <a:lumMod val="75000"/>
+                <a:lumOff val="25000"/>
+              </a:schemeClr>
+            </a:solidFill>
+            <a:ln w="127000" cap="flat" cmpd="tri">
+              <a:solidFill>
+                <a:schemeClr val="accent2"/>
+              </a:solidFill>
+              <a:prstDash val="solid"/>
+            </a:ln>
+          </p:spPr>
+          <p:style>
+            <a:lnRef idx="2">
+              <a:schemeClr val="accent1">
+                <a:shade val="50000"/>
+              </a:schemeClr>
+            </a:lnRef>
+            <a:fillRef idx="1">
+              <a:schemeClr val="accent1"/>
+            </a:fillRef>
+            <a:effectRef idx="0">
+              <a:schemeClr val="accent1"/>
+            </a:effectRef>
+            <a:fontRef idx="minor">
+              <a:schemeClr val="lt1"/>
+            </a:fontRef>
+          </p:style>
+          <p:txBody>
+            <a:bodyPr rtlCol="0" anchor="ctr"/>
+            <a:lstStyle/>
+            <a:p>
+              <a:pPr algn="ctr"/>
+              <a:endParaRPr kumimoji="1" lang="zh-CN" altLang="en-US"/>
+            </a:p>
+          </p:txBody>
+        </p:sp>
+      </p:grpSp>
+      <p:grpSp>
+        <p:nvGrpSpPr>
+          <p:cNvPr id="26" name="组 25"/>
+          <p:cNvGrpSpPr/>
+          <p:nvPr/>
+        </p:nvGrpSpPr>
+        <p:grpSpPr>
+          <a:xfrm>
+            <a:off x="9819319" y="452473"/>
+            <a:ext cx="1976626" cy="2124074"/>
+            <a:chOff x="9347831" y="4494708"/>
+            <a:chExt cx="1976626" cy="2124074"/>
+          </a:xfrm>
+        </p:grpSpPr>
+        <p:grpSp>
+          <p:nvGrpSpPr>
+            <p:cNvPr id="14" name="组 13"/>
+            <p:cNvGrpSpPr/>
+            <p:nvPr/>
+          </p:nvGrpSpPr>
+          <p:grpSpPr>
+            <a:xfrm>
+              <a:off x="9527831" y="4566149"/>
+              <a:ext cx="1796626" cy="1980000"/>
+              <a:chOff x="9484968" y="4580436"/>
+              <a:chExt cx="1796626" cy="1980000"/>
+            </a:xfrm>
+          </p:grpSpPr>
+          <p:sp>
+            <p:nvSpPr>
+              <p:cNvPr id="8" name="页外连接符 7"/>
+              <p:cNvSpPr/>
+              <p:nvPr/>
+            </p:nvSpPr>
+            <p:spPr>
+              <a:xfrm>
+                <a:off x="9484968" y="4580436"/>
+                <a:ext cx="1080000" cy="990000"/>
+              </a:xfrm>
+              <a:prstGeom prst="flowChartOffpageConnector">
+                <a:avLst/>
+              </a:prstGeom>
+              <a:solidFill>
+                <a:schemeClr val="accent2"/>
+              </a:solidFill>
+              <a:ln w="101600">
+                <a:solidFill>
+                  <a:schemeClr val="tx1">
+                    <a:lumMod val="75000"/>
+                    <a:lumOff val="25000"/>
+                  </a:schemeClr>
+                </a:solidFill>
+                <a:round/>
+              </a:ln>
+            </p:spPr>
+            <p:style>
+              <a:lnRef idx="2">
+                <a:schemeClr val="accent1">
+                  <a:shade val="50000"/>
+                </a:schemeClr>
+              </a:lnRef>
+              <a:fillRef idx="1">
+                <a:schemeClr val="accent1"/>
+              </a:fillRef>
+              <a:effectRef idx="0">
+                <a:schemeClr val="accent1"/>
+              </a:effectRef>
+              <a:fontRef idx="minor">
+                <a:schemeClr val="lt1"/>
+              </a:fontRef>
+            </p:style>
+            <p:txBody>
+              <a:bodyPr rtlCol="0" anchor="ctr"/>
+              <a:lstStyle/>
+              <a:p>
+                <a:pPr algn="ctr"/>
+                <a:endParaRPr kumimoji="1" lang="zh-CN" altLang="en-US"/>
+              </a:p>
+            </p:txBody>
+          </p:sp>
+          <p:sp>
+            <p:nvSpPr>
+              <p:cNvPr id="19" name="页外连接符 18"/>
+              <p:cNvSpPr/>
+              <p:nvPr/>
+            </p:nvSpPr>
+            <p:spPr>
+              <a:xfrm rot="10800000">
+                <a:off x="9484968" y="5570436"/>
+                <a:ext cx="1080000" cy="990000"/>
+              </a:xfrm>
+              <a:prstGeom prst="flowChartOffpageConnector">
+                <a:avLst/>
+              </a:prstGeom>
+              <a:solidFill>
+                <a:schemeClr val="accent2"/>
+              </a:solidFill>
+              <a:ln w="101600">
+                <a:solidFill>
+                  <a:schemeClr val="tx1">
+                    <a:lumMod val="75000"/>
+                    <a:lumOff val="25000"/>
+                  </a:schemeClr>
+                </a:solidFill>
+                <a:round/>
+              </a:ln>
+            </p:spPr>
+            <p:style>
+              <a:lnRef idx="2">
+                <a:schemeClr val="accent1">
+                  <a:shade val="50000"/>
+                </a:schemeClr>
+              </a:lnRef>
+              <a:fillRef idx="1">
+                <a:schemeClr val="accent1"/>
+              </a:fillRef>
+              <a:effectRef idx="0">
+                <a:schemeClr val="accent1"/>
+              </a:effectRef>
+              <a:fontRef idx="minor">
+                <a:schemeClr val="lt1"/>
+              </a:fontRef>
+            </p:style>
+            <p:txBody>
+              <a:bodyPr rtlCol="0" anchor="ctr"/>
+              <a:lstStyle/>
+              <a:p>
+                <a:pPr algn="ctr"/>
+                <a:endParaRPr kumimoji="1" lang="zh-CN" altLang="en-US"/>
+              </a:p>
+            </p:txBody>
+          </p:sp>
+          <p:sp>
+            <p:nvSpPr>
+              <p:cNvPr id="12" name="菱形 11"/>
+              <p:cNvSpPr/>
+              <p:nvPr/>
+            </p:nvSpPr>
+            <p:spPr>
+              <a:xfrm>
+                <a:off x="9822449" y="5323386"/>
+                <a:ext cx="405038" cy="493200"/>
+              </a:xfrm>
+              <a:prstGeom prst="diamond">
+                <a:avLst/>
+              </a:prstGeom>
+              <a:solidFill>
+                <a:schemeClr val="accent2"/>
+              </a:solidFill>
+              <a:ln w="101600" cap="sq" cmpd="thickThin">
+                <a:solidFill>
+                  <a:schemeClr val="tx1">
+                    <a:lumMod val="75000"/>
+                    <a:lumOff val="25000"/>
+                  </a:schemeClr>
+                </a:solidFill>
+              </a:ln>
+            </p:spPr>
+            <p:style>
+              <a:lnRef idx="2">
+                <a:schemeClr val="accent1">
+                  <a:shade val="50000"/>
+                </a:schemeClr>
+              </a:lnRef>
+              <a:fillRef idx="1">
+                <a:schemeClr val="accent1"/>
+              </a:fillRef>
+              <a:effectRef idx="0">
+                <a:schemeClr val="accent1"/>
+              </a:effectRef>
+              <a:fontRef idx="minor">
+                <a:schemeClr val="lt1"/>
+              </a:fontRef>
+            </p:style>
+            <p:txBody>
+              <a:bodyPr rtlCol="0" anchor="ctr"/>
+              <a:lstStyle/>
+              <a:p>
+                <a:pPr algn="ctr"/>
+                <a:endParaRPr kumimoji="1" lang="zh-CN" altLang="en-US"/>
+              </a:p>
+            </p:txBody>
+          </p:sp>
+          <p:sp>
+            <p:nvSpPr>
+              <p:cNvPr id="20" name="虚尾箭头 19"/>
+              <p:cNvSpPr/>
+              <p:nvPr/>
+            </p:nvSpPr>
+            <p:spPr>
+              <a:xfrm rot="16200000">
+                <a:off x="10679268" y="4580436"/>
+                <a:ext cx="602326" cy="602326"/>
+              </a:xfrm>
+              <a:prstGeom prst="stripedRightArrow">
+                <a:avLst>
+                  <a:gd name="adj1" fmla="val 43649"/>
+                  <a:gd name="adj2" fmla="val 50000"/>
+                </a:avLst>
+              </a:prstGeom>
+              <a:solidFill>
+                <a:schemeClr val="accent2"/>
+              </a:solidFill>
+              <a:ln w="38100">
+                <a:solidFill>
+                  <a:schemeClr val="tx1">
+                    <a:lumMod val="75000"/>
+                    <a:lumOff val="25000"/>
+                  </a:schemeClr>
+                </a:solidFill>
+              </a:ln>
+            </p:spPr>
+            <p:style>
+              <a:lnRef idx="2">
+                <a:schemeClr val="accent1">
+                  <a:shade val="50000"/>
+                </a:schemeClr>
+              </a:lnRef>
+              <a:fillRef idx="1">
+                <a:schemeClr val="accent1"/>
+              </a:fillRef>
+              <a:effectRef idx="0">
+                <a:schemeClr val="accent1"/>
+              </a:effectRef>
+              <a:fontRef idx="minor">
+                <a:schemeClr val="lt1"/>
+              </a:fontRef>
+            </p:style>
+            <p:txBody>
+              <a:bodyPr rtlCol="0" anchor="ctr"/>
+              <a:lstStyle/>
+              <a:p>
+                <a:pPr algn="ctr"/>
+                <a:endParaRPr kumimoji="1" lang="zh-CN" altLang="en-US"/>
+              </a:p>
+            </p:txBody>
+          </p:sp>
+        </p:grpSp>
+        <p:cxnSp>
+          <p:nvCxnSpPr>
+            <p:cNvPr id="22" name="直线连接符 21"/>
+            <p:cNvCxnSpPr/>
+            <p:nvPr/>
+          </p:nvCxnSpPr>
+          <p:spPr>
+            <a:xfrm>
+              <a:off x="9347831" y="4494708"/>
+              <a:ext cx="1440000" cy="0"/>
+            </a:xfrm>
+            <a:prstGeom prst="line">
+              <a:avLst/>
+            </a:prstGeom>
+            <a:ln w="127000" cmpd="thickThin">
+              <a:solidFill>
+                <a:schemeClr val="tx1">
+                  <a:lumMod val="75000"/>
+                  <a:lumOff val="25000"/>
+                </a:schemeClr>
+              </a:solidFill>
+            </a:ln>
+          </p:spPr>
+          <p:style>
+            <a:lnRef idx="1">
+              <a:schemeClr val="accent1"/>
+            </a:lnRef>
+            <a:fillRef idx="0">
+              <a:schemeClr val="accent1"/>
+            </a:fillRef>
+            <a:effectRef idx="0">
+              <a:schemeClr val="accent1"/>
+            </a:effectRef>
+            <a:fontRef idx="minor">
+              <a:schemeClr val="tx1"/>
+            </a:fontRef>
+          </p:style>
+        </p:cxnSp>
+        <p:cxnSp>
+          <p:nvCxnSpPr>
+            <p:cNvPr id="23" name="直线连接符 22"/>
+            <p:cNvCxnSpPr/>
+            <p:nvPr/>
+          </p:nvCxnSpPr>
+          <p:spPr>
+            <a:xfrm rot="10800000">
+              <a:off x="9347831" y="6618782"/>
+              <a:ext cx="1440000" cy="0"/>
+            </a:xfrm>
+            <a:prstGeom prst="line">
+              <a:avLst/>
+            </a:prstGeom>
+            <a:ln w="127000" cmpd="thickThin">
+              <a:solidFill>
+                <a:schemeClr val="tx1">
+                  <a:lumMod val="75000"/>
+                  <a:lumOff val="25000"/>
+                </a:schemeClr>
+              </a:solidFill>
+            </a:ln>
+          </p:spPr>
+          <p:style>
+            <a:lnRef idx="1">
+              <a:schemeClr val="accent1"/>
+            </a:lnRef>
+            <a:fillRef idx="0">
+              <a:schemeClr val="accent1"/>
+            </a:fillRef>
+            <a:effectRef idx="0">
+              <a:schemeClr val="accent1"/>
+            </a:effectRef>
+            <a:fontRef idx="minor">
+              <a:schemeClr val="tx1"/>
+            </a:fontRef>
+          </p:style>
+        </p:cxnSp>
+        <p:sp>
+          <p:nvSpPr>
+            <p:cNvPr id="24" name="页外连接符 23"/>
+            <p:cNvSpPr/>
+            <p:nvPr/>
+          </p:nvSpPr>
+          <p:spPr>
+            <a:xfrm rot="10800000">
+              <a:off x="9797831" y="5874931"/>
+              <a:ext cx="540000" cy="540000"/>
+            </a:xfrm>
+            <a:prstGeom prst="flowChartOffpageConnector">
+              <a:avLst/>
+            </a:prstGeom>
+            <a:solidFill>
+              <a:schemeClr val="accent2"/>
+            </a:solidFill>
+            <a:ln w="63500" cmpd="tri">
+              <a:solidFill>
+                <a:schemeClr val="tx1">
+                  <a:lumMod val="75000"/>
+                  <a:lumOff val="25000"/>
+                </a:schemeClr>
+              </a:solidFill>
+              <a:round/>
+            </a:ln>
+          </p:spPr>
+          <p:style>
+            <a:lnRef idx="2">
+              <a:schemeClr val="accent1">
+                <a:shade val="50000"/>
+              </a:schemeClr>
+            </a:lnRef>
+            <a:fillRef idx="1">
+              <a:schemeClr val="accent1"/>
+            </a:fillRef>
+            <a:effectRef idx="0">
+              <a:schemeClr val="accent1"/>
+            </a:effectRef>
+            <a:fontRef idx="minor">
+              <a:schemeClr val="lt1"/>
+            </a:fontRef>
+          </p:style>
+          <p:txBody>
+            <a:bodyPr rtlCol="0" anchor="ctr"/>
+            <a:lstStyle/>
+            <a:p>
+              <a:pPr algn="ctr"/>
+              <a:endParaRPr kumimoji="1" lang="zh-CN" altLang="en-US"/>
+            </a:p>
+          </p:txBody>
+        </p:sp>
+        <p:sp>
+          <p:nvSpPr>
+            <p:cNvPr id="25" name="页外连接符 24"/>
+            <p:cNvSpPr/>
+            <p:nvPr/>
+          </p:nvSpPr>
+          <p:spPr>
+            <a:xfrm>
+              <a:off x="9797831" y="4696605"/>
+              <a:ext cx="540000" cy="540000"/>
+            </a:xfrm>
+            <a:prstGeom prst="flowChartOffpageConnector">
+              <a:avLst/>
+            </a:prstGeom>
+            <a:solidFill>
+              <a:schemeClr val="accent2"/>
+            </a:solidFill>
+            <a:ln w="63500" cmpd="tri">
+              <a:solidFill>
+                <a:schemeClr val="tx1">
+                  <a:lumMod val="75000"/>
+                  <a:lumOff val="25000"/>
+                </a:schemeClr>
+              </a:solidFill>
+              <a:round/>
+            </a:ln>
+          </p:spPr>
+          <p:style>
+            <a:lnRef idx="2">
+              <a:schemeClr val="accent1">
+                <a:shade val="50000"/>
+              </a:schemeClr>
+            </a:lnRef>
+            <a:fillRef idx="1">
+              <a:schemeClr val="accent1"/>
+            </a:fillRef>
+            <a:effectRef idx="0">
+              <a:schemeClr val="accent1"/>
+            </a:effectRef>
+            <a:fontRef idx="minor">
+              <a:schemeClr val="lt1"/>
+            </a:fontRef>
+          </p:style>
+          <p:txBody>
+            <a:bodyPr rtlCol="0" anchor="ctr"/>
+            <a:lstStyle/>
+            <a:p>
+              <a:pPr algn="ctr"/>
+              <a:endParaRPr kumimoji="1" lang="zh-CN" altLang="en-US"/>
+            </a:p>
+          </p:txBody>
+        </p:sp>
+      </p:grpSp>
+      <p:grpSp>
+        <p:nvGrpSpPr>
+          <p:cNvPr id="29" name="组 28"/>
+          <p:cNvGrpSpPr/>
+          <p:nvPr/>
+        </p:nvGrpSpPr>
+        <p:grpSpPr>
+          <a:xfrm>
+            <a:off x="9949794" y="4098293"/>
+            <a:ext cx="1610688" cy="1901740"/>
+            <a:chOff x="9949794" y="4098293"/>
+            <a:chExt cx="1610688" cy="1901740"/>
+          </a:xfrm>
+        </p:grpSpPr>
+        <p:sp>
+          <p:nvSpPr>
+            <p:cNvPr id="27" name="矩形 26"/>
+            <p:cNvSpPr/>
+            <p:nvPr/>
+          </p:nvSpPr>
+          <p:spPr>
+            <a:xfrm>
+              <a:off x="9949794" y="4368817"/>
+              <a:ext cx="1584087" cy="1631216"/>
+            </a:xfrm>
+            <a:prstGeom prst="rect">
+              <a:avLst/>
+            </a:prstGeom>
+            <a:noFill/>
+          </p:spPr>
+          <p:txBody>
+            <a:bodyPr wrap="none" lIns="91440" tIns="45720" rIns="91440" bIns="45720">
+              <a:spAutoFit/>
+            </a:bodyPr>
+            <a:lstStyle/>
+            <a:p>
+              <a:pPr algn="ctr"/>
+              <a:r>
+                <a:rPr lang="en-US" altLang="zh-CN" sz="10000" b="1" dirty="0" err="1" smtClean="0">
+                  <a:ln w="63500" cmpd="thickThin">
+                    <a:solidFill>
+                      <a:schemeClr val="tx1">
+                        <a:lumMod val="75000"/>
+                        <a:lumOff val="25000"/>
+                      </a:schemeClr>
+                    </a:solidFill>
+                    <a:prstDash val="solid"/>
+                  </a:ln>
+                  <a:solidFill>
+                    <a:schemeClr val="accent2"/>
+                  </a:solidFill>
+                  <a:latin typeface="DIN Condensed" charset="0"/>
+                  <a:ea typeface="DIN Condensed" charset="0"/>
+                  <a:cs typeface="DIN Condensed" charset="0"/>
+                </a:rPr>
+                <a:t>Exp</a:t>
+              </a:r>
+              <a:endParaRPr lang="zh-CN" altLang="en-US" sz="10000" b="1" cap="none" spc="0" dirty="0">
+                <a:ln w="63500" cmpd="thickThin">
+                  <a:solidFill>
+                    <a:schemeClr val="tx1">
+                      <a:lumMod val="75000"/>
+                      <a:lumOff val="25000"/>
+                    </a:schemeClr>
+                  </a:solidFill>
+                  <a:prstDash val="solid"/>
+                </a:ln>
+                <a:solidFill>
+                  <a:schemeClr val="accent2"/>
+                </a:solidFill>
+                <a:effectLst/>
+                <a:latin typeface="DIN Condensed" charset="0"/>
+                <a:ea typeface="DIN Condensed" charset="0"/>
+                <a:cs typeface="DIN Condensed" charset="0"/>
+              </a:endParaRPr>
+            </a:p>
+          </p:txBody>
+        </p:sp>
+        <p:sp>
+          <p:nvSpPr>
+            <p:cNvPr id="28" name="虚尾箭头 27"/>
+            <p:cNvSpPr/>
+            <p:nvPr/>
+          </p:nvSpPr>
+          <p:spPr>
+            <a:xfrm rot="16200000">
+              <a:off x="10958156" y="4098293"/>
+              <a:ext cx="602326" cy="602326"/>
+            </a:xfrm>
+            <a:prstGeom prst="stripedRightArrow">
+              <a:avLst>
+                <a:gd name="adj1" fmla="val 43649"/>
+                <a:gd name="adj2" fmla="val 50000"/>
+              </a:avLst>
+            </a:prstGeom>
+            <a:solidFill>
+              <a:schemeClr val="accent2"/>
+            </a:solidFill>
+            <a:ln w="38100">
+              <a:solidFill>
+                <a:schemeClr val="tx1">
+                  <a:lumMod val="75000"/>
+                  <a:lumOff val="25000"/>
+                </a:schemeClr>
+              </a:solidFill>
+            </a:ln>
+          </p:spPr>
+          <p:style>
+            <a:lnRef idx="2">
+              <a:schemeClr val="accent1">
+                <a:shade val="50000"/>
+              </a:schemeClr>
+            </a:lnRef>
+            <a:fillRef idx="1">
+              <a:schemeClr val="accent1"/>
+            </a:fillRef>
+            <a:effectRef idx="0">
+              <a:schemeClr val="accent1"/>
+            </a:effectRef>
+            <a:fontRef idx="minor">
+              <a:schemeClr val="lt1"/>
+            </a:fontRef>
+          </p:style>
+          <p:txBody>
+            <a:bodyPr rtlCol="0" anchor="ctr"/>
+            <a:lstStyle/>
+            <a:p>
+              <a:pPr algn="ctr"/>
+              <a:endParaRPr kumimoji="1" lang="zh-CN" altLang="en-US"/>
+            </a:p>
+          </p:txBody>
+        </p:sp>
+      </p:grpSp>
     </p:spTree>
     <p:extLst>
       <p:ext uri="{BB962C8B-B14F-4D97-AF65-F5344CB8AC3E}">

--- a/Assets/Sources/Sources.pptx
+++ b/Assets/Sources/Sources.pptx
@@ -5,11 +5,20 @@
     <p:sldMasterId id="2147483648" r:id="rId1"/>
   </p:sldMasterIdLst>
   <p:notesMasterIdLst>
-    <p:notesMasterId r:id="rId4"/>
+    <p:notesMasterId r:id="rId13"/>
   </p:notesMasterIdLst>
   <p:sldIdLst>
     <p:sldId id="256" r:id="rId2"/>
     <p:sldId id="257" r:id="rId3"/>
+    <p:sldId id="258" r:id="rId4"/>
+    <p:sldId id="260" r:id="rId5"/>
+    <p:sldId id="259" r:id="rId6"/>
+    <p:sldId id="261" r:id="rId7"/>
+    <p:sldId id="262" r:id="rId8"/>
+    <p:sldId id="263" r:id="rId9"/>
+    <p:sldId id="264" r:id="rId10"/>
+    <p:sldId id="265" r:id="rId11"/>
+    <p:sldId id="266" r:id="rId12"/>
   </p:sldIdLst>
   <p:sldSz cx="12192000" cy="6858000"/>
   <p:notesSz cx="6858000" cy="9144000"/>
@@ -209,7 +218,7 @@
           <a:p>
             <a:fld id="{A04CE5A0-376F-BD45-BAAF-7B1E1788F1BD}" type="datetimeFigureOut">
               <a:rPr kumimoji="1" lang="zh-CN" altLang="en-US" smtClean="0"/>
-              <a:t>2018/2/1</a:t>
+              <a:t>2018/3/26</a:t>
             </a:fld>
             <a:endParaRPr kumimoji="1" lang="zh-CN" altLang="en-US"/>
           </a:p>
@@ -608,7 +617,7 @@
           <a:p>
             <a:fld id="{ACDA77A0-8EC2-5A40-995E-7F5114E9C308}" type="datetimeFigureOut">
               <a:rPr kumimoji="1" lang="zh-CN" altLang="en-US" smtClean="0"/>
-              <a:t>2018/2/1</a:t>
+              <a:t>2018/3/26</a:t>
             </a:fld>
             <a:endParaRPr kumimoji="1" lang="zh-CN" altLang="en-US"/>
           </a:p>
@@ -778,7 +787,7 @@
           <a:p>
             <a:fld id="{ACDA77A0-8EC2-5A40-995E-7F5114E9C308}" type="datetimeFigureOut">
               <a:rPr kumimoji="1" lang="zh-CN" altLang="en-US" smtClean="0"/>
-              <a:t>2018/2/1</a:t>
+              <a:t>2018/3/26</a:t>
             </a:fld>
             <a:endParaRPr kumimoji="1" lang="zh-CN" altLang="en-US"/>
           </a:p>
@@ -958,7 +967,7 @@
           <a:p>
             <a:fld id="{ACDA77A0-8EC2-5A40-995E-7F5114E9C308}" type="datetimeFigureOut">
               <a:rPr kumimoji="1" lang="zh-CN" altLang="en-US" smtClean="0"/>
-              <a:t>2018/2/1</a:t>
+              <a:t>2018/3/26</a:t>
             </a:fld>
             <a:endParaRPr kumimoji="1" lang="zh-CN" altLang="en-US"/>
           </a:p>
@@ -1128,7 +1137,7 @@
           <a:p>
             <a:fld id="{ACDA77A0-8EC2-5A40-995E-7F5114E9C308}" type="datetimeFigureOut">
               <a:rPr kumimoji="1" lang="zh-CN" altLang="en-US" smtClean="0"/>
-              <a:t>2018/2/1</a:t>
+              <a:t>2018/3/26</a:t>
             </a:fld>
             <a:endParaRPr kumimoji="1" lang="zh-CN" altLang="en-US"/>
           </a:p>
@@ -1374,7 +1383,7 @@
           <a:p>
             <a:fld id="{ACDA77A0-8EC2-5A40-995E-7F5114E9C308}" type="datetimeFigureOut">
               <a:rPr kumimoji="1" lang="zh-CN" altLang="en-US" smtClean="0"/>
-              <a:t>2018/2/1</a:t>
+              <a:t>2018/3/26</a:t>
             </a:fld>
             <a:endParaRPr kumimoji="1" lang="zh-CN" altLang="en-US"/>
           </a:p>
@@ -1606,7 +1615,7 @@
           <a:p>
             <a:fld id="{ACDA77A0-8EC2-5A40-995E-7F5114E9C308}" type="datetimeFigureOut">
               <a:rPr kumimoji="1" lang="zh-CN" altLang="en-US" smtClean="0"/>
-              <a:t>2018/2/1</a:t>
+              <a:t>2018/3/26</a:t>
             </a:fld>
             <a:endParaRPr kumimoji="1" lang="zh-CN" altLang="en-US"/>
           </a:p>
@@ -1973,7 +1982,7 @@
           <a:p>
             <a:fld id="{ACDA77A0-8EC2-5A40-995E-7F5114E9C308}" type="datetimeFigureOut">
               <a:rPr kumimoji="1" lang="zh-CN" altLang="en-US" smtClean="0"/>
-              <a:t>2018/2/1</a:t>
+              <a:t>2018/3/26</a:t>
             </a:fld>
             <a:endParaRPr kumimoji="1" lang="zh-CN" altLang="en-US"/>
           </a:p>
@@ -2091,7 +2100,7 @@
           <a:p>
             <a:fld id="{ACDA77A0-8EC2-5A40-995E-7F5114E9C308}" type="datetimeFigureOut">
               <a:rPr kumimoji="1" lang="zh-CN" altLang="en-US" smtClean="0"/>
-              <a:t>2018/2/1</a:t>
+              <a:t>2018/3/26</a:t>
             </a:fld>
             <a:endParaRPr kumimoji="1" lang="zh-CN" altLang="en-US"/>
           </a:p>
@@ -2186,7 +2195,7 @@
           <a:p>
             <a:fld id="{ACDA77A0-8EC2-5A40-995E-7F5114E9C308}" type="datetimeFigureOut">
               <a:rPr kumimoji="1" lang="zh-CN" altLang="en-US" smtClean="0"/>
-              <a:t>2018/2/1</a:t>
+              <a:t>2018/3/26</a:t>
             </a:fld>
             <a:endParaRPr kumimoji="1" lang="zh-CN" altLang="en-US"/>
           </a:p>
@@ -2463,7 +2472,7 @@
           <a:p>
             <a:fld id="{ACDA77A0-8EC2-5A40-995E-7F5114E9C308}" type="datetimeFigureOut">
               <a:rPr kumimoji="1" lang="zh-CN" altLang="en-US" smtClean="0"/>
-              <a:t>2018/2/1</a:t>
+              <a:t>2018/3/26</a:t>
             </a:fld>
             <a:endParaRPr kumimoji="1" lang="zh-CN" altLang="en-US"/>
           </a:p>
@@ -2716,7 +2725,7 @@
           <a:p>
             <a:fld id="{ACDA77A0-8EC2-5A40-995E-7F5114E9C308}" type="datetimeFigureOut">
               <a:rPr kumimoji="1" lang="zh-CN" altLang="en-US" smtClean="0"/>
-              <a:t>2018/2/1</a:t>
+              <a:t>2018/3/26</a:t>
             </a:fld>
             <a:endParaRPr kumimoji="1" lang="zh-CN" altLang="en-US"/>
           </a:p>
@@ -2929,7 +2938,7 @@
           <a:p>
             <a:fld id="{ACDA77A0-8EC2-5A40-995E-7F5114E9C308}" type="datetimeFigureOut">
               <a:rPr kumimoji="1" lang="zh-CN" altLang="en-US" smtClean="0"/>
-              <a:t>2018/2/1</a:t>
+              <a:t>2018/3/26</a:t>
             </a:fld>
             <a:endParaRPr kumimoji="1" lang="zh-CN" altLang="en-US"/>
           </a:p>
@@ -3519,6 +3528,906 @@
     <p:extLst>
       <p:ext uri="{BB962C8B-B14F-4D97-AF65-F5344CB8AC3E}">
         <p14:creationId xmlns:p14="http://schemas.microsoft.com/office/powerpoint/2010/main" val="1462053807"/>
+      </p:ext>
+    </p:extLst>
+  </p:cSld>
+  <p:clrMapOvr>
+    <a:masterClrMapping/>
+  </p:clrMapOvr>
+</p:sld>
+</file>
+
+<file path=ppt/slides/slide10.xml><?xml version="1.0" encoding="utf-8"?>
+<p:sld xmlns:a="http://schemas.openxmlformats.org/drawingml/2006/main" xmlns:r="http://schemas.openxmlformats.org/officeDocument/2006/relationships" xmlns:p="http://schemas.openxmlformats.org/presentationml/2006/main">
+  <p:cSld>
+    <p:spTree>
+      <p:nvGrpSpPr>
+        <p:cNvPr id="1" name=""/>
+        <p:cNvGrpSpPr/>
+        <p:nvPr/>
+      </p:nvGrpSpPr>
+      <p:grpSpPr>
+        <a:xfrm>
+          <a:off x="0" y="0"/>
+          <a:ext cx="0" cy="0"/>
+          <a:chOff x="0" y="0"/>
+          <a:chExt cx="0" cy="0"/>
+        </a:xfrm>
+      </p:grpSpPr>
+      <p:grpSp>
+        <p:nvGrpSpPr>
+          <p:cNvPr id="18" name="组 17"/>
+          <p:cNvGrpSpPr/>
+          <p:nvPr/>
+        </p:nvGrpSpPr>
+        <p:grpSpPr>
+          <a:xfrm>
+            <a:off x="6566764" y="245329"/>
+            <a:ext cx="720000" cy="6394473"/>
+            <a:chOff x="6566764" y="245329"/>
+            <a:chExt cx="720000" cy="6394473"/>
+          </a:xfrm>
+        </p:grpSpPr>
+        <p:grpSp>
+          <p:nvGrpSpPr>
+            <p:cNvPr id="2" name="组 1"/>
+            <p:cNvGrpSpPr/>
+            <p:nvPr/>
+          </p:nvGrpSpPr>
+          <p:grpSpPr>
+            <a:xfrm>
+              <a:off x="6566764" y="245329"/>
+              <a:ext cx="720000" cy="5765178"/>
+              <a:chOff x="6566764" y="245329"/>
+              <a:chExt cx="720000" cy="5765178"/>
+            </a:xfrm>
+          </p:grpSpPr>
+          <p:sp>
+            <p:nvSpPr>
+              <p:cNvPr id="4" name="燕尾形 3"/>
+              <p:cNvSpPr/>
+              <p:nvPr/>
+            </p:nvSpPr>
+            <p:spPr>
+              <a:xfrm rot="16200000">
+                <a:off x="6566764" y="245329"/>
+                <a:ext cx="720000" cy="720000"/>
+              </a:xfrm>
+              <a:prstGeom prst="chevron">
+                <a:avLst/>
+              </a:prstGeom>
+              <a:solidFill>
+                <a:schemeClr val="bg1">
+                  <a:lumMod val="65000"/>
+                </a:schemeClr>
+              </a:solidFill>
+              <a:ln>
+                <a:noFill/>
+              </a:ln>
+            </p:spPr>
+            <p:style>
+              <a:lnRef idx="2">
+                <a:schemeClr val="accent1">
+                  <a:shade val="50000"/>
+                </a:schemeClr>
+              </a:lnRef>
+              <a:fillRef idx="1">
+                <a:schemeClr val="accent1"/>
+              </a:fillRef>
+              <a:effectRef idx="0">
+                <a:schemeClr val="accent1"/>
+              </a:effectRef>
+              <a:fontRef idx="minor">
+                <a:schemeClr val="lt1"/>
+              </a:fontRef>
+            </p:style>
+            <p:txBody>
+              <a:bodyPr rtlCol="0" anchor="ctr"/>
+              <a:lstStyle/>
+              <a:p>
+                <a:pPr algn="ctr"/>
+                <a:endParaRPr kumimoji="1" lang="zh-CN" altLang="en-US">
+                  <a:solidFill>
+                    <a:schemeClr val="tx1"/>
+                  </a:solidFill>
+                </a:endParaRPr>
+              </a:p>
+            </p:txBody>
+          </p:sp>
+          <p:sp>
+            <p:nvSpPr>
+              <p:cNvPr id="5" name="燕尾形 4"/>
+              <p:cNvSpPr/>
+              <p:nvPr/>
+            </p:nvSpPr>
+            <p:spPr>
+              <a:xfrm rot="16200000">
+                <a:off x="6566764" y="874625"/>
+                <a:ext cx="720000" cy="720000"/>
+              </a:xfrm>
+              <a:prstGeom prst="chevron">
+                <a:avLst/>
+              </a:prstGeom>
+              <a:solidFill>
+                <a:schemeClr val="bg1">
+                  <a:lumMod val="65000"/>
+                </a:schemeClr>
+              </a:solidFill>
+              <a:ln>
+                <a:noFill/>
+              </a:ln>
+            </p:spPr>
+            <p:style>
+              <a:lnRef idx="2">
+                <a:schemeClr val="accent1">
+                  <a:shade val="50000"/>
+                </a:schemeClr>
+              </a:lnRef>
+              <a:fillRef idx="1">
+                <a:schemeClr val="accent1"/>
+              </a:fillRef>
+              <a:effectRef idx="0">
+                <a:schemeClr val="accent1"/>
+              </a:effectRef>
+              <a:fontRef idx="minor">
+                <a:schemeClr val="lt1"/>
+              </a:fontRef>
+            </p:style>
+            <p:txBody>
+              <a:bodyPr rtlCol="0" anchor="ctr"/>
+              <a:lstStyle/>
+              <a:p>
+                <a:pPr algn="ctr"/>
+                <a:endParaRPr kumimoji="1" lang="zh-CN" altLang="en-US">
+                  <a:solidFill>
+                    <a:schemeClr val="tx1"/>
+                  </a:solidFill>
+                </a:endParaRPr>
+              </a:p>
+            </p:txBody>
+          </p:sp>
+          <p:sp>
+            <p:nvSpPr>
+              <p:cNvPr id="7" name="燕尾形 6"/>
+              <p:cNvSpPr/>
+              <p:nvPr/>
+            </p:nvSpPr>
+            <p:spPr>
+              <a:xfrm rot="16200000">
+                <a:off x="6566764" y="1503921"/>
+                <a:ext cx="720000" cy="720000"/>
+              </a:xfrm>
+              <a:prstGeom prst="chevron">
+                <a:avLst/>
+              </a:prstGeom>
+              <a:solidFill>
+                <a:schemeClr val="bg1">
+                  <a:lumMod val="65000"/>
+                </a:schemeClr>
+              </a:solidFill>
+              <a:ln>
+                <a:noFill/>
+              </a:ln>
+            </p:spPr>
+            <p:style>
+              <a:lnRef idx="2">
+                <a:schemeClr val="accent1">
+                  <a:shade val="50000"/>
+                </a:schemeClr>
+              </a:lnRef>
+              <a:fillRef idx="1">
+                <a:schemeClr val="accent1"/>
+              </a:fillRef>
+              <a:effectRef idx="0">
+                <a:schemeClr val="accent1"/>
+              </a:effectRef>
+              <a:fontRef idx="minor">
+                <a:schemeClr val="lt1"/>
+              </a:fontRef>
+            </p:style>
+            <p:txBody>
+              <a:bodyPr rtlCol="0" anchor="ctr"/>
+              <a:lstStyle/>
+              <a:p>
+                <a:pPr algn="ctr"/>
+                <a:endParaRPr kumimoji="1" lang="zh-CN" altLang="en-US">
+                  <a:solidFill>
+                    <a:schemeClr val="tx1"/>
+                  </a:solidFill>
+                </a:endParaRPr>
+              </a:p>
+            </p:txBody>
+          </p:sp>
+          <p:sp>
+            <p:nvSpPr>
+              <p:cNvPr id="9" name="燕尾形 8"/>
+              <p:cNvSpPr/>
+              <p:nvPr/>
+            </p:nvSpPr>
+            <p:spPr>
+              <a:xfrm rot="16200000">
+                <a:off x="6566764" y="2133217"/>
+                <a:ext cx="720000" cy="720000"/>
+              </a:xfrm>
+              <a:prstGeom prst="chevron">
+                <a:avLst/>
+              </a:prstGeom>
+              <a:solidFill>
+                <a:schemeClr val="bg1">
+                  <a:lumMod val="65000"/>
+                </a:schemeClr>
+              </a:solidFill>
+              <a:ln>
+                <a:noFill/>
+              </a:ln>
+            </p:spPr>
+            <p:style>
+              <a:lnRef idx="2">
+                <a:schemeClr val="accent1">
+                  <a:shade val="50000"/>
+                </a:schemeClr>
+              </a:lnRef>
+              <a:fillRef idx="1">
+                <a:schemeClr val="accent1"/>
+              </a:fillRef>
+              <a:effectRef idx="0">
+                <a:schemeClr val="accent1"/>
+              </a:effectRef>
+              <a:fontRef idx="minor">
+                <a:schemeClr val="lt1"/>
+              </a:fontRef>
+            </p:style>
+            <p:txBody>
+              <a:bodyPr rtlCol="0" anchor="ctr"/>
+              <a:lstStyle/>
+              <a:p>
+                <a:pPr algn="ctr"/>
+                <a:endParaRPr kumimoji="1" lang="zh-CN" altLang="en-US">
+                  <a:solidFill>
+                    <a:schemeClr val="tx1"/>
+                  </a:solidFill>
+                </a:endParaRPr>
+              </a:p>
+            </p:txBody>
+          </p:sp>
+          <p:sp>
+            <p:nvSpPr>
+              <p:cNvPr id="10" name="燕尾形 9"/>
+              <p:cNvSpPr/>
+              <p:nvPr/>
+            </p:nvSpPr>
+            <p:spPr>
+              <a:xfrm rot="16200000">
+                <a:off x="6566764" y="2767918"/>
+                <a:ext cx="720000" cy="720000"/>
+              </a:xfrm>
+              <a:prstGeom prst="chevron">
+                <a:avLst/>
+              </a:prstGeom>
+              <a:solidFill>
+                <a:schemeClr val="bg1">
+                  <a:lumMod val="65000"/>
+                </a:schemeClr>
+              </a:solidFill>
+              <a:ln>
+                <a:noFill/>
+              </a:ln>
+            </p:spPr>
+            <p:style>
+              <a:lnRef idx="2">
+                <a:schemeClr val="accent1">
+                  <a:shade val="50000"/>
+                </a:schemeClr>
+              </a:lnRef>
+              <a:fillRef idx="1">
+                <a:schemeClr val="accent1"/>
+              </a:fillRef>
+              <a:effectRef idx="0">
+                <a:schemeClr val="accent1"/>
+              </a:effectRef>
+              <a:fontRef idx="minor">
+                <a:schemeClr val="lt1"/>
+              </a:fontRef>
+            </p:style>
+            <p:txBody>
+              <a:bodyPr rtlCol="0" anchor="ctr"/>
+              <a:lstStyle/>
+              <a:p>
+                <a:pPr algn="ctr"/>
+                <a:endParaRPr kumimoji="1" lang="zh-CN" altLang="en-US">
+                  <a:solidFill>
+                    <a:schemeClr val="tx1"/>
+                  </a:solidFill>
+                </a:endParaRPr>
+              </a:p>
+            </p:txBody>
+          </p:sp>
+          <p:sp>
+            <p:nvSpPr>
+              <p:cNvPr id="11" name="燕尾形 10"/>
+              <p:cNvSpPr/>
+              <p:nvPr/>
+            </p:nvSpPr>
+            <p:spPr>
+              <a:xfrm rot="16200000">
+                <a:off x="6566764" y="3391809"/>
+                <a:ext cx="720000" cy="720000"/>
+              </a:xfrm>
+              <a:prstGeom prst="chevron">
+                <a:avLst/>
+              </a:prstGeom>
+              <a:solidFill>
+                <a:schemeClr val="bg1">
+                  <a:lumMod val="65000"/>
+                </a:schemeClr>
+              </a:solidFill>
+              <a:ln>
+                <a:noFill/>
+              </a:ln>
+            </p:spPr>
+            <p:style>
+              <a:lnRef idx="2">
+                <a:schemeClr val="accent1">
+                  <a:shade val="50000"/>
+                </a:schemeClr>
+              </a:lnRef>
+              <a:fillRef idx="1">
+                <a:schemeClr val="accent1"/>
+              </a:fillRef>
+              <a:effectRef idx="0">
+                <a:schemeClr val="accent1"/>
+              </a:effectRef>
+              <a:fontRef idx="minor">
+                <a:schemeClr val="lt1"/>
+              </a:fontRef>
+            </p:style>
+            <p:txBody>
+              <a:bodyPr rtlCol="0" anchor="ctr"/>
+              <a:lstStyle/>
+              <a:p>
+                <a:pPr algn="ctr"/>
+                <a:endParaRPr kumimoji="1" lang="zh-CN" altLang="en-US">
+                  <a:solidFill>
+                    <a:schemeClr val="tx1"/>
+                  </a:solidFill>
+                </a:endParaRPr>
+              </a:p>
+            </p:txBody>
+          </p:sp>
+          <p:sp>
+            <p:nvSpPr>
+              <p:cNvPr id="12" name="燕尾形 11"/>
+              <p:cNvSpPr/>
+              <p:nvPr/>
+            </p:nvSpPr>
+            <p:spPr>
+              <a:xfrm rot="-5400000">
+                <a:off x="6566764" y="4026510"/>
+                <a:ext cx="720000" cy="720000"/>
+              </a:xfrm>
+              <a:prstGeom prst="chevron">
+                <a:avLst/>
+              </a:prstGeom>
+              <a:solidFill>
+                <a:schemeClr val="bg1">
+                  <a:lumMod val="65000"/>
+                </a:schemeClr>
+              </a:solidFill>
+              <a:ln>
+                <a:noFill/>
+              </a:ln>
+            </p:spPr>
+            <p:style>
+              <a:lnRef idx="2">
+                <a:schemeClr val="accent1">
+                  <a:shade val="50000"/>
+                </a:schemeClr>
+              </a:lnRef>
+              <a:fillRef idx="1">
+                <a:schemeClr val="accent1"/>
+              </a:fillRef>
+              <a:effectRef idx="0">
+                <a:schemeClr val="accent1"/>
+              </a:effectRef>
+              <a:fontRef idx="minor">
+                <a:schemeClr val="lt1"/>
+              </a:fontRef>
+            </p:style>
+            <p:txBody>
+              <a:bodyPr rtlCol="0" anchor="ctr"/>
+              <a:lstStyle/>
+              <a:p>
+                <a:pPr algn="ctr"/>
+                <a:endParaRPr kumimoji="1" lang="zh-CN" altLang="en-US">
+                  <a:solidFill>
+                    <a:schemeClr val="tx1"/>
+                  </a:solidFill>
+                </a:endParaRPr>
+              </a:p>
+            </p:txBody>
+          </p:sp>
+          <p:sp>
+            <p:nvSpPr>
+              <p:cNvPr id="13" name="燕尾形 12"/>
+              <p:cNvSpPr/>
+              <p:nvPr/>
+            </p:nvSpPr>
+            <p:spPr>
+              <a:xfrm rot="-5400000">
+                <a:off x="6566764" y="4655806"/>
+                <a:ext cx="720000" cy="720000"/>
+              </a:xfrm>
+              <a:prstGeom prst="chevron">
+                <a:avLst/>
+              </a:prstGeom>
+              <a:solidFill>
+                <a:schemeClr val="bg1">
+                  <a:lumMod val="65000"/>
+                </a:schemeClr>
+              </a:solidFill>
+              <a:ln>
+                <a:noFill/>
+              </a:ln>
+            </p:spPr>
+            <p:style>
+              <a:lnRef idx="2">
+                <a:schemeClr val="accent1">
+                  <a:shade val="50000"/>
+                </a:schemeClr>
+              </a:lnRef>
+              <a:fillRef idx="1">
+                <a:schemeClr val="accent1"/>
+              </a:fillRef>
+              <a:effectRef idx="0">
+                <a:schemeClr val="accent1"/>
+              </a:effectRef>
+              <a:fontRef idx="minor">
+                <a:schemeClr val="lt1"/>
+              </a:fontRef>
+            </p:style>
+            <p:txBody>
+              <a:bodyPr rtlCol="0" anchor="ctr"/>
+              <a:lstStyle/>
+              <a:p>
+                <a:pPr algn="ctr"/>
+                <a:endParaRPr kumimoji="1" lang="zh-CN" altLang="en-US">
+                  <a:solidFill>
+                    <a:schemeClr val="tx1"/>
+                  </a:solidFill>
+                </a:endParaRPr>
+              </a:p>
+            </p:txBody>
+          </p:sp>
+          <p:sp>
+            <p:nvSpPr>
+              <p:cNvPr id="14" name="燕尾形 13"/>
+              <p:cNvSpPr/>
+              <p:nvPr/>
+            </p:nvSpPr>
+            <p:spPr>
+              <a:xfrm rot="-5400000">
+                <a:off x="6566764" y="5290507"/>
+                <a:ext cx="720000" cy="720000"/>
+              </a:xfrm>
+              <a:prstGeom prst="chevron">
+                <a:avLst/>
+              </a:prstGeom>
+              <a:solidFill>
+                <a:schemeClr val="bg1">
+                  <a:lumMod val="65000"/>
+                </a:schemeClr>
+              </a:solidFill>
+              <a:ln>
+                <a:noFill/>
+              </a:ln>
+            </p:spPr>
+            <p:style>
+              <a:lnRef idx="2">
+                <a:schemeClr val="accent1">
+                  <a:shade val="50000"/>
+                </a:schemeClr>
+              </a:lnRef>
+              <a:fillRef idx="1">
+                <a:schemeClr val="accent1"/>
+              </a:fillRef>
+              <a:effectRef idx="0">
+                <a:schemeClr val="accent1"/>
+              </a:effectRef>
+              <a:fontRef idx="minor">
+                <a:schemeClr val="lt1"/>
+              </a:fontRef>
+            </p:style>
+            <p:txBody>
+              <a:bodyPr rtlCol="0" anchor="ctr"/>
+              <a:lstStyle/>
+              <a:p>
+                <a:pPr algn="ctr"/>
+                <a:endParaRPr kumimoji="1" lang="zh-CN" altLang="en-US">
+                  <a:solidFill>
+                    <a:schemeClr val="tx1"/>
+                  </a:solidFill>
+                </a:endParaRPr>
+              </a:p>
+            </p:txBody>
+          </p:sp>
+        </p:grpSp>
+        <p:sp>
+          <p:nvSpPr>
+            <p:cNvPr id="17" name="五边形 16"/>
+            <p:cNvSpPr/>
+            <p:nvPr/>
+          </p:nvSpPr>
+          <p:spPr>
+            <a:xfrm rot="-5400000">
+              <a:off x="6566764" y="5919802"/>
+              <a:ext cx="720000" cy="720000"/>
+            </a:xfrm>
+            <a:prstGeom prst="homePlate">
+              <a:avLst/>
+            </a:prstGeom>
+            <a:solidFill>
+              <a:schemeClr val="bg1">
+                <a:lumMod val="65000"/>
+              </a:schemeClr>
+            </a:solidFill>
+            <a:ln>
+              <a:noFill/>
+            </a:ln>
+          </p:spPr>
+          <p:style>
+            <a:lnRef idx="2">
+              <a:schemeClr val="accent1">
+                <a:shade val="50000"/>
+              </a:schemeClr>
+            </a:lnRef>
+            <a:fillRef idx="1">
+              <a:schemeClr val="accent1"/>
+            </a:fillRef>
+            <a:effectRef idx="0">
+              <a:schemeClr val="accent1"/>
+            </a:effectRef>
+            <a:fontRef idx="minor">
+              <a:schemeClr val="lt1"/>
+            </a:fontRef>
+          </p:style>
+          <p:txBody>
+            <a:bodyPr rtlCol="0" anchor="ctr"/>
+            <a:lstStyle/>
+            <a:p>
+              <a:pPr algn="ctr"/>
+              <a:endParaRPr kumimoji="1" lang="zh-CN" altLang="en-US"/>
+            </a:p>
+          </p:txBody>
+        </p:sp>
+      </p:grpSp>
+      <p:sp>
+        <p:nvSpPr>
+          <p:cNvPr id="19" name="五边形 18"/>
+          <p:cNvSpPr/>
+          <p:nvPr/>
+        </p:nvSpPr>
+        <p:spPr>
+          <a:xfrm rot="-5400000">
+            <a:off x="4355106" y="5919802"/>
+            <a:ext cx="720000" cy="720000"/>
+          </a:xfrm>
+          <a:prstGeom prst="homePlate">
+            <a:avLst/>
+          </a:prstGeom>
+          <a:solidFill>
+            <a:schemeClr val="bg1">
+              <a:lumMod val="50000"/>
+            </a:schemeClr>
+          </a:solidFill>
+          <a:ln>
+            <a:noFill/>
+          </a:ln>
+        </p:spPr>
+        <p:style>
+          <a:lnRef idx="2">
+            <a:schemeClr val="accent1">
+              <a:shade val="50000"/>
+            </a:schemeClr>
+          </a:lnRef>
+          <a:fillRef idx="1">
+            <a:schemeClr val="accent1"/>
+          </a:fillRef>
+          <a:effectRef idx="0">
+            <a:schemeClr val="accent1"/>
+          </a:effectRef>
+          <a:fontRef idx="minor">
+            <a:schemeClr val="lt1"/>
+          </a:fontRef>
+        </p:style>
+        <p:txBody>
+          <a:bodyPr rtlCol="0" anchor="ctr"/>
+          <a:lstStyle/>
+          <a:p>
+            <a:pPr algn="ctr"/>
+            <a:endParaRPr kumimoji="1" lang="zh-CN" altLang="en-US"/>
+          </a:p>
+        </p:txBody>
+      </p:sp>
+    </p:spTree>
+    <p:extLst>
+      <p:ext uri="{BB962C8B-B14F-4D97-AF65-F5344CB8AC3E}">
+        <p14:creationId xmlns:p14="http://schemas.microsoft.com/office/powerpoint/2010/main" val="374233713"/>
+      </p:ext>
+    </p:extLst>
+  </p:cSld>
+  <p:clrMapOvr>
+    <a:masterClrMapping/>
+  </p:clrMapOvr>
+</p:sld>
+</file>
+
+<file path=ppt/slides/slide11.xml><?xml version="1.0" encoding="utf-8"?>
+<p:sld xmlns:a="http://schemas.openxmlformats.org/drawingml/2006/main" xmlns:r="http://schemas.openxmlformats.org/officeDocument/2006/relationships" xmlns:p="http://schemas.openxmlformats.org/presentationml/2006/main">
+  <p:cSld>
+    <p:spTree>
+      <p:nvGrpSpPr>
+        <p:cNvPr id="1" name=""/>
+        <p:cNvGrpSpPr/>
+        <p:nvPr/>
+      </p:nvGrpSpPr>
+      <p:grpSpPr>
+        <a:xfrm>
+          <a:off x="0" y="0"/>
+          <a:ext cx="0" cy="0"/>
+          <a:chOff x="0" y="0"/>
+          <a:chExt cx="0" cy="0"/>
+        </a:xfrm>
+      </p:grpSpPr>
+      <p:sp>
+        <p:nvSpPr>
+          <p:cNvPr id="21" name="罐形 20"/>
+          <p:cNvSpPr/>
+          <p:nvPr/>
+        </p:nvSpPr>
+        <p:spPr>
+          <a:xfrm>
+            <a:off x="4691409" y="2656103"/>
+            <a:ext cx="1459881" cy="1213370"/>
+          </a:xfrm>
+          <a:prstGeom prst="can">
+            <a:avLst/>
+          </a:prstGeom>
+          <a:solidFill>
+            <a:schemeClr val="accent2"/>
+          </a:solidFill>
+          <a:ln w="63500">
+            <a:solidFill>
+              <a:srgbClr val="3F3F3F"/>
+            </a:solidFill>
+          </a:ln>
+        </p:spPr>
+        <p:style>
+          <a:lnRef idx="2">
+            <a:schemeClr val="accent1">
+              <a:shade val="50000"/>
+            </a:schemeClr>
+          </a:lnRef>
+          <a:fillRef idx="1">
+            <a:schemeClr val="accent1"/>
+          </a:fillRef>
+          <a:effectRef idx="0">
+            <a:schemeClr val="accent1"/>
+          </a:effectRef>
+          <a:fontRef idx="minor">
+            <a:schemeClr val="lt1"/>
+          </a:fontRef>
+        </p:style>
+        <p:txBody>
+          <a:bodyPr rtlCol="0" anchor="ctr"/>
+          <a:lstStyle/>
+          <a:p>
+            <a:pPr algn="ctr"/>
+            <a:endParaRPr kumimoji="1" lang="zh-CN" altLang="en-US"/>
+          </a:p>
+        </p:txBody>
+      </p:sp>
+      <p:sp>
+        <p:nvSpPr>
+          <p:cNvPr id="16" name="立方体 15"/>
+          <p:cNvSpPr/>
+          <p:nvPr/>
+        </p:nvSpPr>
+        <p:spPr>
+          <a:xfrm>
+            <a:off x="5219699" y="2428561"/>
+            <a:ext cx="447906" cy="410481"/>
+          </a:xfrm>
+          <a:prstGeom prst="cube">
+            <a:avLst/>
+          </a:prstGeom>
+          <a:solidFill>
+            <a:schemeClr val="accent2"/>
+          </a:solidFill>
+          <a:ln w="63500">
+            <a:solidFill>
+              <a:schemeClr val="tx1"/>
+            </a:solidFill>
+          </a:ln>
+        </p:spPr>
+        <p:style>
+          <a:lnRef idx="2">
+            <a:schemeClr val="accent1">
+              <a:shade val="50000"/>
+            </a:schemeClr>
+          </a:lnRef>
+          <a:fillRef idx="1">
+            <a:schemeClr val="accent1"/>
+          </a:fillRef>
+          <a:effectRef idx="0">
+            <a:schemeClr val="accent1"/>
+          </a:effectRef>
+          <a:fontRef idx="minor">
+            <a:schemeClr val="lt1"/>
+          </a:fontRef>
+        </p:style>
+        <p:txBody>
+          <a:bodyPr rtlCol="0" anchor="ctr"/>
+          <a:lstStyle/>
+          <a:p>
+            <a:pPr algn="ctr"/>
+            <a:endParaRPr kumimoji="1" lang="zh-CN" altLang="en-US"/>
+          </a:p>
+        </p:txBody>
+      </p:sp>
+      <p:sp>
+        <p:nvSpPr>
+          <p:cNvPr id="15" name="立方体 14"/>
+          <p:cNvSpPr/>
+          <p:nvPr/>
+        </p:nvSpPr>
+        <p:spPr>
+          <a:xfrm>
+            <a:off x="4577575" y="1797460"/>
+            <a:ext cx="1732155" cy="836342"/>
+          </a:xfrm>
+          <a:prstGeom prst="cube">
+            <a:avLst>
+              <a:gd name="adj" fmla="val 53000"/>
+            </a:avLst>
+          </a:prstGeom>
+          <a:solidFill>
+            <a:schemeClr val="accent2"/>
+          </a:solidFill>
+          <a:ln w="63500">
+            <a:solidFill>
+              <a:schemeClr val="tx1"/>
+            </a:solidFill>
+          </a:ln>
+        </p:spPr>
+        <p:style>
+          <a:lnRef idx="2">
+            <a:schemeClr val="accent1">
+              <a:shade val="50000"/>
+            </a:schemeClr>
+          </a:lnRef>
+          <a:fillRef idx="1">
+            <a:schemeClr val="accent1"/>
+          </a:fillRef>
+          <a:effectRef idx="0">
+            <a:schemeClr val="accent1"/>
+          </a:effectRef>
+          <a:fontRef idx="minor">
+            <a:schemeClr val="lt1"/>
+          </a:fontRef>
+        </p:style>
+        <p:txBody>
+          <a:bodyPr rtlCol="0" anchor="ctr"/>
+          <a:lstStyle/>
+          <a:p>
+            <a:pPr algn="ctr"/>
+            <a:endParaRPr kumimoji="1" lang="zh-CN" altLang="en-US"/>
+          </a:p>
+        </p:txBody>
+      </p:sp>
+      <p:sp>
+        <p:nvSpPr>
+          <p:cNvPr id="20" name="三角形 19"/>
+          <p:cNvSpPr/>
+          <p:nvPr/>
+        </p:nvSpPr>
+        <p:spPr>
+          <a:xfrm>
+            <a:off x="5081240" y="1182029"/>
+            <a:ext cx="858644" cy="740210"/>
+          </a:xfrm>
+          <a:prstGeom prst="triangle">
+            <a:avLst>
+              <a:gd name="adj" fmla="val 15894"/>
+            </a:avLst>
+          </a:prstGeom>
+          <a:solidFill>
+            <a:schemeClr val="accent2"/>
+          </a:solidFill>
+          <a:ln w="63500">
+            <a:solidFill>
+              <a:schemeClr val="tx1"/>
+            </a:solidFill>
+          </a:ln>
+        </p:spPr>
+        <p:style>
+          <a:lnRef idx="2">
+            <a:schemeClr val="accent1">
+              <a:shade val="50000"/>
+            </a:schemeClr>
+          </a:lnRef>
+          <a:fillRef idx="1">
+            <a:schemeClr val="accent1"/>
+          </a:fillRef>
+          <a:effectRef idx="0">
+            <a:schemeClr val="accent1"/>
+          </a:effectRef>
+          <a:fontRef idx="minor">
+            <a:schemeClr val="lt1"/>
+          </a:fontRef>
+        </p:style>
+        <p:txBody>
+          <a:bodyPr rtlCol="0" anchor="ctr"/>
+          <a:lstStyle/>
+          <a:p>
+            <a:pPr algn="ctr"/>
+            <a:endParaRPr kumimoji="1" lang="zh-CN" altLang="en-US"/>
+          </a:p>
+        </p:txBody>
+      </p:sp>
+      <p:sp>
+        <p:nvSpPr>
+          <p:cNvPr id="6" name="三角形 5"/>
+          <p:cNvSpPr/>
+          <p:nvPr/>
+        </p:nvSpPr>
+        <p:spPr>
+          <a:xfrm>
+            <a:off x="4850781" y="1371600"/>
+            <a:ext cx="858644" cy="740210"/>
+          </a:xfrm>
+          <a:prstGeom prst="triangle">
+            <a:avLst>
+              <a:gd name="adj" fmla="val 15894"/>
+            </a:avLst>
+          </a:prstGeom>
+          <a:solidFill>
+            <a:schemeClr val="accent2"/>
+          </a:solidFill>
+          <a:ln w="63500">
+            <a:solidFill>
+              <a:schemeClr val="tx1"/>
+            </a:solidFill>
+          </a:ln>
+        </p:spPr>
+        <p:style>
+          <a:lnRef idx="2">
+            <a:schemeClr val="accent1">
+              <a:shade val="50000"/>
+            </a:schemeClr>
+          </a:lnRef>
+          <a:fillRef idx="1">
+            <a:schemeClr val="accent1"/>
+          </a:fillRef>
+          <a:effectRef idx="0">
+            <a:schemeClr val="accent1"/>
+          </a:effectRef>
+          <a:fontRef idx="minor">
+            <a:schemeClr val="lt1"/>
+          </a:fontRef>
+        </p:style>
+        <p:txBody>
+          <a:bodyPr rtlCol="0" anchor="ctr"/>
+          <a:lstStyle/>
+          <a:p>
+            <a:pPr algn="ctr"/>
+            <a:endParaRPr kumimoji="1" lang="zh-CN" altLang="en-US"/>
+          </a:p>
+        </p:txBody>
+      </p:sp>
+    </p:spTree>
+    <p:extLst>
+      <p:ext uri="{BB962C8B-B14F-4D97-AF65-F5344CB8AC3E}">
+        <p14:creationId xmlns:p14="http://schemas.microsoft.com/office/powerpoint/2010/main" val="280914804"/>
       </p:ext>
     </p:extLst>
   </p:cSld>
@@ -4768,6 +5677,4041 @@
 </p:sld>
 </file>
 
+<file path=ppt/slides/slide3.xml><?xml version="1.0" encoding="utf-8"?>
+<p:sld xmlns:a="http://schemas.openxmlformats.org/drawingml/2006/main" xmlns:r="http://schemas.openxmlformats.org/officeDocument/2006/relationships" xmlns:p="http://schemas.openxmlformats.org/presentationml/2006/main">
+  <p:cSld>
+    <p:spTree>
+      <p:nvGrpSpPr>
+        <p:cNvPr id="1" name=""/>
+        <p:cNvGrpSpPr/>
+        <p:nvPr/>
+      </p:nvGrpSpPr>
+      <p:grpSpPr>
+        <a:xfrm>
+          <a:off x="0" y="0"/>
+          <a:ext cx="0" cy="0"/>
+          <a:chOff x="0" y="0"/>
+          <a:chExt cx="0" cy="0"/>
+        </a:xfrm>
+      </p:grpSpPr>
+      <p:grpSp>
+        <p:nvGrpSpPr>
+          <p:cNvPr id="10" name="组 9"/>
+          <p:cNvGrpSpPr/>
+          <p:nvPr/>
+        </p:nvGrpSpPr>
+        <p:grpSpPr>
+          <a:xfrm>
+            <a:off x="256029" y="364833"/>
+            <a:ext cx="1800000" cy="1800000"/>
+            <a:chOff x="3800475" y="1500188"/>
+            <a:chExt cx="1800000" cy="1800000"/>
+          </a:xfrm>
+        </p:grpSpPr>
+        <p:sp>
+          <p:nvSpPr>
+            <p:cNvPr id="4" name="三角形 3"/>
+            <p:cNvSpPr/>
+            <p:nvPr/>
+          </p:nvSpPr>
+          <p:spPr>
+            <a:xfrm>
+              <a:off x="3800475" y="1500188"/>
+              <a:ext cx="1800000" cy="1800000"/>
+            </a:xfrm>
+            <a:prstGeom prst="triangle">
+              <a:avLst/>
+            </a:prstGeom>
+            <a:solidFill>
+              <a:srgbClr val="3F3F3F"/>
+            </a:solidFill>
+            <a:ln>
+              <a:noFill/>
+            </a:ln>
+          </p:spPr>
+          <p:style>
+            <a:lnRef idx="2">
+              <a:schemeClr val="accent1">
+                <a:shade val="50000"/>
+              </a:schemeClr>
+            </a:lnRef>
+            <a:fillRef idx="1">
+              <a:schemeClr val="accent1"/>
+            </a:fillRef>
+            <a:effectRef idx="0">
+              <a:schemeClr val="accent1"/>
+            </a:effectRef>
+            <a:fontRef idx="minor">
+              <a:schemeClr val="lt1"/>
+            </a:fontRef>
+          </p:style>
+          <p:txBody>
+            <a:bodyPr rtlCol="0" anchor="ctr"/>
+            <a:lstStyle/>
+            <a:p>
+              <a:pPr algn="ctr"/>
+              <a:endParaRPr kumimoji="1" lang="zh-CN" altLang="en-US"/>
+            </a:p>
+          </p:txBody>
+        </p:sp>
+        <p:sp>
+          <p:nvSpPr>
+            <p:cNvPr id="8" name="矩形 7"/>
+            <p:cNvSpPr/>
+            <p:nvPr/>
+          </p:nvSpPr>
+          <p:spPr>
+            <a:xfrm>
+              <a:off x="4608273" y="2130188"/>
+              <a:ext cx="180000" cy="720000"/>
+            </a:xfrm>
+            <a:prstGeom prst="rect">
+              <a:avLst/>
+            </a:prstGeom>
+            <a:solidFill>
+              <a:schemeClr val="bg1"/>
+            </a:solidFill>
+            <a:ln>
+              <a:noFill/>
+            </a:ln>
+          </p:spPr>
+          <p:style>
+            <a:lnRef idx="2">
+              <a:schemeClr val="accent1">
+                <a:shade val="50000"/>
+              </a:schemeClr>
+            </a:lnRef>
+            <a:fillRef idx="1">
+              <a:schemeClr val="accent1"/>
+            </a:fillRef>
+            <a:effectRef idx="0">
+              <a:schemeClr val="accent1"/>
+            </a:effectRef>
+            <a:fontRef idx="minor">
+              <a:schemeClr val="lt1"/>
+            </a:fontRef>
+          </p:style>
+          <p:txBody>
+            <a:bodyPr rtlCol="0" anchor="ctr"/>
+            <a:lstStyle/>
+            <a:p>
+              <a:pPr algn="ctr"/>
+              <a:endParaRPr kumimoji="1" lang="zh-CN" altLang="en-US"/>
+            </a:p>
+          </p:txBody>
+        </p:sp>
+        <p:sp>
+          <p:nvSpPr>
+            <p:cNvPr id="9" name="矩形 8"/>
+            <p:cNvSpPr/>
+            <p:nvPr/>
+          </p:nvSpPr>
+          <p:spPr>
+            <a:xfrm>
+              <a:off x="4608273" y="2940188"/>
+              <a:ext cx="180000" cy="180000"/>
+            </a:xfrm>
+            <a:prstGeom prst="rect">
+              <a:avLst/>
+            </a:prstGeom>
+            <a:solidFill>
+              <a:schemeClr val="bg1"/>
+            </a:solidFill>
+            <a:ln>
+              <a:noFill/>
+            </a:ln>
+          </p:spPr>
+          <p:style>
+            <a:lnRef idx="2">
+              <a:schemeClr val="accent1">
+                <a:shade val="50000"/>
+              </a:schemeClr>
+            </a:lnRef>
+            <a:fillRef idx="1">
+              <a:schemeClr val="accent1"/>
+            </a:fillRef>
+            <a:effectRef idx="0">
+              <a:schemeClr val="accent1"/>
+            </a:effectRef>
+            <a:fontRef idx="minor">
+              <a:schemeClr val="lt1"/>
+            </a:fontRef>
+          </p:style>
+          <p:txBody>
+            <a:bodyPr rtlCol="0" anchor="ctr"/>
+            <a:lstStyle/>
+            <a:p>
+              <a:pPr algn="ctr"/>
+              <a:endParaRPr kumimoji="1" lang="zh-CN" altLang="en-US"/>
+            </a:p>
+          </p:txBody>
+        </p:sp>
+      </p:grpSp>
+      <p:grpSp>
+        <p:nvGrpSpPr>
+          <p:cNvPr id="17" name="组 16"/>
+          <p:cNvGrpSpPr/>
+          <p:nvPr/>
+        </p:nvGrpSpPr>
+        <p:grpSpPr>
+          <a:xfrm>
+            <a:off x="2325181" y="364833"/>
+            <a:ext cx="1800000" cy="1800000"/>
+            <a:chOff x="4259488" y="575849"/>
+            <a:chExt cx="1800000" cy="1800000"/>
+          </a:xfrm>
+        </p:grpSpPr>
+        <p:sp>
+          <p:nvSpPr>
+            <p:cNvPr id="15" name="椭圆 14"/>
+            <p:cNvSpPr/>
+            <p:nvPr/>
+          </p:nvSpPr>
+          <p:spPr>
+            <a:xfrm>
+              <a:off x="4259488" y="575849"/>
+              <a:ext cx="1800000" cy="1800000"/>
+            </a:xfrm>
+            <a:prstGeom prst="ellipse">
+              <a:avLst/>
+            </a:prstGeom>
+            <a:solidFill>
+              <a:srgbClr val="3F3F3F"/>
+            </a:solidFill>
+            <a:ln>
+              <a:noFill/>
+            </a:ln>
+          </p:spPr>
+          <p:style>
+            <a:lnRef idx="2">
+              <a:schemeClr val="accent1">
+                <a:shade val="50000"/>
+              </a:schemeClr>
+            </a:lnRef>
+            <a:fillRef idx="1">
+              <a:schemeClr val="accent1"/>
+            </a:fillRef>
+            <a:effectRef idx="0">
+              <a:schemeClr val="accent1"/>
+            </a:effectRef>
+            <a:fontRef idx="minor">
+              <a:schemeClr val="lt1"/>
+            </a:fontRef>
+          </p:style>
+          <p:txBody>
+            <a:bodyPr rtlCol="0" anchor="ctr"/>
+            <a:lstStyle/>
+            <a:p>
+              <a:pPr algn="ctr"/>
+              <a:endParaRPr kumimoji="1" lang="zh-CN" altLang="en-US"/>
+            </a:p>
+          </p:txBody>
+        </p:sp>
+        <p:grpSp>
+          <p:nvGrpSpPr>
+            <p:cNvPr id="14" name="组 13"/>
+            <p:cNvGrpSpPr/>
+            <p:nvPr/>
+          </p:nvGrpSpPr>
+          <p:grpSpPr>
+            <a:xfrm rot="10800000">
+              <a:off x="5069488" y="980849"/>
+              <a:ext cx="180000" cy="990000"/>
+              <a:chOff x="5257629" y="1025849"/>
+              <a:chExt cx="180000" cy="990000"/>
+            </a:xfrm>
+          </p:grpSpPr>
+          <p:sp>
+            <p:nvSpPr>
+              <p:cNvPr id="12" name="矩形 11"/>
+              <p:cNvSpPr/>
+              <p:nvPr/>
+            </p:nvSpPr>
+            <p:spPr>
+              <a:xfrm>
+                <a:off x="5257629" y="1025849"/>
+                <a:ext cx="180000" cy="720000"/>
+              </a:xfrm>
+              <a:prstGeom prst="rect">
+                <a:avLst/>
+              </a:prstGeom>
+              <a:solidFill>
+                <a:schemeClr val="bg1"/>
+              </a:solidFill>
+              <a:ln>
+                <a:noFill/>
+              </a:ln>
+            </p:spPr>
+            <p:style>
+              <a:lnRef idx="2">
+                <a:schemeClr val="accent1">
+                  <a:shade val="50000"/>
+                </a:schemeClr>
+              </a:lnRef>
+              <a:fillRef idx="1">
+                <a:schemeClr val="accent1"/>
+              </a:fillRef>
+              <a:effectRef idx="0">
+                <a:schemeClr val="accent1"/>
+              </a:effectRef>
+              <a:fontRef idx="minor">
+                <a:schemeClr val="lt1"/>
+              </a:fontRef>
+            </p:style>
+            <p:txBody>
+              <a:bodyPr rtlCol="0" anchor="ctr"/>
+              <a:lstStyle/>
+              <a:p>
+                <a:pPr algn="ctr"/>
+                <a:endParaRPr kumimoji="1" lang="zh-CN" altLang="en-US"/>
+              </a:p>
+            </p:txBody>
+          </p:sp>
+          <p:sp>
+            <p:nvSpPr>
+              <p:cNvPr id="13" name="矩形 12"/>
+              <p:cNvSpPr/>
+              <p:nvPr/>
+            </p:nvSpPr>
+            <p:spPr>
+              <a:xfrm>
+                <a:off x="5257629" y="1835849"/>
+                <a:ext cx="180000" cy="180000"/>
+              </a:xfrm>
+              <a:prstGeom prst="rect">
+                <a:avLst/>
+              </a:prstGeom>
+              <a:solidFill>
+                <a:schemeClr val="bg1"/>
+              </a:solidFill>
+              <a:ln>
+                <a:noFill/>
+              </a:ln>
+            </p:spPr>
+            <p:style>
+              <a:lnRef idx="2">
+                <a:schemeClr val="accent1">
+                  <a:shade val="50000"/>
+                </a:schemeClr>
+              </a:lnRef>
+              <a:fillRef idx="1">
+                <a:schemeClr val="accent1"/>
+              </a:fillRef>
+              <a:effectRef idx="0">
+                <a:schemeClr val="accent1"/>
+              </a:effectRef>
+              <a:fontRef idx="minor">
+                <a:schemeClr val="lt1"/>
+              </a:fontRef>
+            </p:style>
+            <p:txBody>
+              <a:bodyPr rtlCol="0" anchor="ctr"/>
+              <a:lstStyle/>
+              <a:p>
+                <a:pPr algn="ctr"/>
+                <a:endParaRPr kumimoji="1" lang="zh-CN" altLang="en-US"/>
+              </a:p>
+            </p:txBody>
+          </p:sp>
+        </p:grpSp>
+      </p:grpSp>
+      <p:grpSp>
+        <p:nvGrpSpPr>
+          <p:cNvPr id="24" name="组 23"/>
+          <p:cNvGrpSpPr/>
+          <p:nvPr/>
+        </p:nvGrpSpPr>
+        <p:grpSpPr>
+          <a:xfrm>
+            <a:off x="4394333" y="364833"/>
+            <a:ext cx="1800000" cy="1800000"/>
+            <a:chOff x="6906331" y="3756371"/>
+            <a:chExt cx="1800000" cy="1800000"/>
+          </a:xfrm>
+        </p:grpSpPr>
+        <p:sp>
+          <p:nvSpPr>
+            <p:cNvPr id="11" name="矩形 10"/>
+            <p:cNvSpPr/>
+            <p:nvPr/>
+          </p:nvSpPr>
+          <p:spPr>
+            <a:xfrm>
+              <a:off x="6906331" y="3756371"/>
+              <a:ext cx="1800000" cy="1800000"/>
+            </a:xfrm>
+            <a:prstGeom prst="rect">
+              <a:avLst/>
+            </a:prstGeom>
+            <a:solidFill>
+              <a:srgbClr val="3F3F3F"/>
+            </a:solidFill>
+            <a:ln>
+              <a:noFill/>
+            </a:ln>
+          </p:spPr>
+          <p:style>
+            <a:lnRef idx="2">
+              <a:schemeClr val="accent1">
+                <a:shade val="50000"/>
+              </a:schemeClr>
+            </a:lnRef>
+            <a:fillRef idx="1">
+              <a:schemeClr val="accent1"/>
+            </a:fillRef>
+            <a:effectRef idx="0">
+              <a:schemeClr val="accent1"/>
+            </a:effectRef>
+            <a:fontRef idx="minor">
+              <a:schemeClr val="lt1"/>
+            </a:fontRef>
+          </p:style>
+          <p:txBody>
+            <a:bodyPr rtlCol="0" anchor="ctr"/>
+            <a:lstStyle/>
+            <a:p>
+              <a:pPr algn="ctr"/>
+              <a:endParaRPr kumimoji="1" lang="zh-CN" altLang="en-US"/>
+            </a:p>
+          </p:txBody>
+        </p:sp>
+        <p:sp>
+          <p:nvSpPr>
+            <p:cNvPr id="21" name="多文档 20"/>
+            <p:cNvSpPr/>
+            <p:nvPr/>
+          </p:nvSpPr>
+          <p:spPr>
+            <a:xfrm>
+              <a:off x="7208860" y="4251370"/>
+              <a:ext cx="1194941" cy="855001"/>
+            </a:xfrm>
+            <a:prstGeom prst="flowChartMultidocument">
+              <a:avLst/>
+            </a:prstGeom>
+            <a:solidFill>
+              <a:srgbClr val="3F3F3F"/>
+            </a:solidFill>
+            <a:ln w="63500">
+              <a:solidFill>
+                <a:schemeClr val="bg1"/>
+              </a:solidFill>
+            </a:ln>
+          </p:spPr>
+          <p:style>
+            <a:lnRef idx="2">
+              <a:schemeClr val="accent1">
+                <a:shade val="50000"/>
+              </a:schemeClr>
+            </a:lnRef>
+            <a:fillRef idx="1">
+              <a:schemeClr val="accent1"/>
+            </a:fillRef>
+            <a:effectRef idx="0">
+              <a:schemeClr val="accent1"/>
+            </a:effectRef>
+            <a:fontRef idx="minor">
+              <a:schemeClr val="lt1"/>
+            </a:fontRef>
+          </p:style>
+          <p:txBody>
+            <a:bodyPr rtlCol="0" anchor="ctr"/>
+            <a:lstStyle/>
+            <a:p>
+              <a:pPr algn="ctr"/>
+              <a:endParaRPr kumimoji="1" lang="zh-CN" altLang="en-US"/>
+            </a:p>
+          </p:txBody>
+        </p:sp>
+        <p:sp>
+          <p:nvSpPr>
+            <p:cNvPr id="23" name="虚尾箭头 22"/>
+            <p:cNvSpPr/>
+            <p:nvPr/>
+          </p:nvSpPr>
+          <p:spPr>
+            <a:xfrm>
+              <a:off x="7454346" y="4528687"/>
+              <a:ext cx="540000" cy="360000"/>
+            </a:xfrm>
+            <a:prstGeom prst="stripedRightArrow">
+              <a:avLst/>
+            </a:prstGeom>
+            <a:solidFill>
+              <a:schemeClr val="bg1"/>
+            </a:solidFill>
+            <a:ln>
+              <a:noFill/>
+            </a:ln>
+          </p:spPr>
+          <p:style>
+            <a:lnRef idx="2">
+              <a:schemeClr val="accent1">
+                <a:shade val="50000"/>
+              </a:schemeClr>
+            </a:lnRef>
+            <a:fillRef idx="1">
+              <a:schemeClr val="accent1"/>
+            </a:fillRef>
+            <a:effectRef idx="0">
+              <a:schemeClr val="accent1"/>
+            </a:effectRef>
+            <a:fontRef idx="minor">
+              <a:schemeClr val="lt1"/>
+            </a:fontRef>
+          </p:style>
+          <p:txBody>
+            <a:bodyPr rtlCol="0" anchor="ctr"/>
+            <a:lstStyle/>
+            <a:p>
+              <a:pPr algn="ctr"/>
+              <a:endParaRPr kumimoji="1" lang="zh-CN" altLang="en-US"/>
+            </a:p>
+          </p:txBody>
+        </p:sp>
+      </p:grpSp>
+      <p:sp>
+        <p:nvSpPr>
+          <p:cNvPr id="25" name="矩形 24"/>
+          <p:cNvSpPr/>
+          <p:nvPr/>
+        </p:nvSpPr>
+        <p:spPr>
+          <a:xfrm>
+            <a:off x="6496862" y="364833"/>
+            <a:ext cx="1800000" cy="1800000"/>
+          </a:xfrm>
+          <a:prstGeom prst="rect">
+            <a:avLst/>
+          </a:prstGeom>
+          <a:solidFill>
+            <a:srgbClr val="3F3F3F"/>
+          </a:solidFill>
+          <a:ln>
+            <a:noFill/>
+          </a:ln>
+        </p:spPr>
+        <p:style>
+          <a:lnRef idx="2">
+            <a:schemeClr val="accent1">
+              <a:shade val="50000"/>
+            </a:schemeClr>
+          </a:lnRef>
+          <a:fillRef idx="1">
+            <a:schemeClr val="accent1"/>
+          </a:fillRef>
+          <a:effectRef idx="0">
+            <a:schemeClr val="accent1"/>
+          </a:effectRef>
+          <a:fontRef idx="minor">
+            <a:schemeClr val="lt1"/>
+          </a:fontRef>
+        </p:style>
+        <p:txBody>
+          <a:bodyPr rtlCol="0" anchor="ctr"/>
+          <a:lstStyle/>
+          <a:p>
+            <a:pPr algn="ctr"/>
+            <a:endParaRPr kumimoji="1" lang="zh-CN" altLang="en-US"/>
+          </a:p>
+        </p:txBody>
+      </p:sp>
+      <p:sp>
+        <p:nvSpPr>
+          <p:cNvPr id="26" name="八边形 25"/>
+          <p:cNvSpPr/>
+          <p:nvPr/>
+        </p:nvSpPr>
+        <p:spPr>
+          <a:xfrm>
+            <a:off x="6856862" y="747332"/>
+            <a:ext cx="1080000" cy="1080000"/>
+          </a:xfrm>
+          <a:prstGeom prst="octagon">
+            <a:avLst/>
+          </a:prstGeom>
+          <a:solidFill>
+            <a:srgbClr val="3F3F3F"/>
+          </a:solidFill>
+          <a:ln w="127000">
+            <a:solidFill>
+              <a:schemeClr val="bg1"/>
+            </a:solidFill>
+          </a:ln>
+        </p:spPr>
+        <p:style>
+          <a:lnRef idx="2">
+            <a:schemeClr val="accent1">
+              <a:shade val="50000"/>
+            </a:schemeClr>
+          </a:lnRef>
+          <a:fillRef idx="1">
+            <a:schemeClr val="accent1"/>
+          </a:fillRef>
+          <a:effectRef idx="0">
+            <a:schemeClr val="accent1"/>
+          </a:effectRef>
+          <a:fontRef idx="minor">
+            <a:schemeClr val="lt1"/>
+          </a:fontRef>
+        </p:style>
+        <p:txBody>
+          <a:bodyPr rtlCol="0" anchor="ctr"/>
+          <a:lstStyle/>
+          <a:p>
+            <a:pPr algn="ctr"/>
+            <a:endParaRPr kumimoji="1" lang="zh-CN" altLang="en-US"/>
+          </a:p>
+        </p:txBody>
+      </p:sp>
+      <p:sp>
+        <p:nvSpPr>
+          <p:cNvPr id="28" name="页外连接符 27"/>
+          <p:cNvSpPr/>
+          <p:nvPr/>
+        </p:nvSpPr>
+        <p:spPr>
+          <a:xfrm>
+            <a:off x="7216862" y="1084833"/>
+            <a:ext cx="360000" cy="540000"/>
+          </a:xfrm>
+          <a:prstGeom prst="flowChartOffpageConnector">
+            <a:avLst/>
+          </a:prstGeom>
+          <a:solidFill>
+            <a:schemeClr val="bg1"/>
+          </a:solidFill>
+          <a:ln>
+            <a:noFill/>
+          </a:ln>
+        </p:spPr>
+        <p:style>
+          <a:lnRef idx="2">
+            <a:schemeClr val="accent1">
+              <a:shade val="50000"/>
+            </a:schemeClr>
+          </a:lnRef>
+          <a:fillRef idx="1">
+            <a:schemeClr val="accent1"/>
+          </a:fillRef>
+          <a:effectRef idx="0">
+            <a:schemeClr val="accent1"/>
+          </a:effectRef>
+          <a:fontRef idx="minor">
+            <a:schemeClr val="lt1"/>
+          </a:fontRef>
+        </p:style>
+        <p:txBody>
+          <a:bodyPr rtlCol="0" anchor="ctr"/>
+          <a:lstStyle/>
+          <a:p>
+            <a:pPr algn="ctr"/>
+            <a:endParaRPr kumimoji="1" lang="zh-CN" altLang="en-US"/>
+          </a:p>
+        </p:txBody>
+      </p:sp>
+      <p:sp>
+        <p:nvSpPr>
+          <p:cNvPr id="31" name="矩形 30"/>
+          <p:cNvSpPr/>
+          <p:nvPr/>
+        </p:nvSpPr>
+        <p:spPr>
+          <a:xfrm>
+            <a:off x="658770" y="4163110"/>
+            <a:ext cx="1800000" cy="1800000"/>
+          </a:xfrm>
+          <a:prstGeom prst="rect">
+            <a:avLst/>
+          </a:prstGeom>
+          <a:solidFill>
+            <a:srgbClr val="3F3F3F"/>
+          </a:solidFill>
+          <a:ln>
+            <a:noFill/>
+          </a:ln>
+        </p:spPr>
+        <p:style>
+          <a:lnRef idx="2">
+            <a:schemeClr val="accent1">
+              <a:shade val="50000"/>
+            </a:schemeClr>
+          </a:lnRef>
+          <a:fillRef idx="1">
+            <a:schemeClr val="accent1"/>
+          </a:fillRef>
+          <a:effectRef idx="0">
+            <a:schemeClr val="accent1"/>
+          </a:effectRef>
+          <a:fontRef idx="minor">
+            <a:schemeClr val="lt1"/>
+          </a:fontRef>
+        </p:style>
+        <p:txBody>
+          <a:bodyPr rtlCol="0" anchor="ctr"/>
+          <a:lstStyle/>
+          <a:p>
+            <a:pPr algn="ctr"/>
+            <a:endParaRPr kumimoji="1" lang="zh-CN" altLang="en-US"/>
+          </a:p>
+        </p:txBody>
+      </p:sp>
+      <p:sp>
+        <p:nvSpPr>
+          <p:cNvPr id="32" name="八边形 31"/>
+          <p:cNvSpPr/>
+          <p:nvPr/>
+        </p:nvSpPr>
+        <p:spPr>
+          <a:xfrm>
+            <a:off x="1018770" y="4545609"/>
+            <a:ext cx="1080000" cy="1080000"/>
+          </a:xfrm>
+          <a:prstGeom prst="octagon">
+            <a:avLst/>
+          </a:prstGeom>
+          <a:solidFill>
+            <a:srgbClr val="3F3F3F"/>
+          </a:solidFill>
+          <a:ln w="127000">
+            <a:solidFill>
+              <a:schemeClr val="bg1"/>
+            </a:solidFill>
+          </a:ln>
+        </p:spPr>
+        <p:style>
+          <a:lnRef idx="2">
+            <a:schemeClr val="accent1">
+              <a:shade val="50000"/>
+            </a:schemeClr>
+          </a:lnRef>
+          <a:fillRef idx="1">
+            <a:schemeClr val="accent1"/>
+          </a:fillRef>
+          <a:effectRef idx="0">
+            <a:schemeClr val="accent1"/>
+          </a:effectRef>
+          <a:fontRef idx="minor">
+            <a:schemeClr val="lt1"/>
+          </a:fontRef>
+        </p:style>
+        <p:txBody>
+          <a:bodyPr rtlCol="0" anchor="ctr"/>
+          <a:lstStyle/>
+          <a:p>
+            <a:pPr algn="ctr"/>
+            <a:endParaRPr kumimoji="1" lang="zh-CN" altLang="en-US"/>
+          </a:p>
+        </p:txBody>
+      </p:sp>
+      <p:sp>
+        <p:nvSpPr>
+          <p:cNvPr id="34" name="燕尾形 33"/>
+          <p:cNvSpPr/>
+          <p:nvPr/>
+        </p:nvSpPr>
+        <p:spPr>
+          <a:xfrm rot="5400000">
+            <a:off x="1288770" y="4897671"/>
+            <a:ext cx="540000" cy="540000"/>
+          </a:xfrm>
+          <a:prstGeom prst="chevron">
+            <a:avLst/>
+          </a:prstGeom>
+          <a:solidFill>
+            <a:srgbClr val="FFFFFF"/>
+          </a:solidFill>
+          <a:ln>
+            <a:noFill/>
+          </a:ln>
+        </p:spPr>
+        <p:style>
+          <a:lnRef idx="2">
+            <a:schemeClr val="accent1">
+              <a:shade val="50000"/>
+            </a:schemeClr>
+          </a:lnRef>
+          <a:fillRef idx="1">
+            <a:schemeClr val="accent1"/>
+          </a:fillRef>
+          <a:effectRef idx="0">
+            <a:schemeClr val="accent1"/>
+          </a:effectRef>
+          <a:fontRef idx="minor">
+            <a:schemeClr val="lt1"/>
+          </a:fontRef>
+        </p:style>
+        <p:txBody>
+          <a:bodyPr rtlCol="0" anchor="ctr"/>
+          <a:lstStyle/>
+          <a:p>
+            <a:pPr algn="ctr"/>
+            <a:endParaRPr kumimoji="1" lang="zh-CN" altLang="en-US">
+              <a:solidFill>
+                <a:schemeClr val="tx1"/>
+              </a:solidFill>
+            </a:endParaRPr>
+          </a:p>
+        </p:txBody>
+      </p:sp>
+      <p:sp>
+        <p:nvSpPr>
+          <p:cNvPr id="35" name="矩形 34"/>
+          <p:cNvSpPr/>
+          <p:nvPr/>
+        </p:nvSpPr>
+        <p:spPr>
+          <a:xfrm>
+            <a:off x="2896862" y="4163110"/>
+            <a:ext cx="1800000" cy="1800000"/>
+          </a:xfrm>
+          <a:prstGeom prst="rect">
+            <a:avLst/>
+          </a:prstGeom>
+          <a:solidFill>
+            <a:srgbClr val="3F3F3F"/>
+          </a:solidFill>
+          <a:ln>
+            <a:noFill/>
+          </a:ln>
+        </p:spPr>
+        <p:style>
+          <a:lnRef idx="2">
+            <a:schemeClr val="accent1">
+              <a:shade val="50000"/>
+            </a:schemeClr>
+          </a:lnRef>
+          <a:fillRef idx="1">
+            <a:schemeClr val="accent1"/>
+          </a:fillRef>
+          <a:effectRef idx="0">
+            <a:schemeClr val="accent1"/>
+          </a:effectRef>
+          <a:fontRef idx="minor">
+            <a:schemeClr val="lt1"/>
+          </a:fontRef>
+        </p:style>
+        <p:txBody>
+          <a:bodyPr rtlCol="0" anchor="ctr"/>
+          <a:lstStyle/>
+          <a:p>
+            <a:pPr algn="ctr"/>
+            <a:endParaRPr kumimoji="1" lang="zh-CN" altLang="en-US"/>
+          </a:p>
+        </p:txBody>
+      </p:sp>
+      <p:grpSp>
+        <p:nvGrpSpPr>
+          <p:cNvPr id="36" name="组 35"/>
+          <p:cNvGrpSpPr/>
+          <p:nvPr/>
+        </p:nvGrpSpPr>
+        <p:grpSpPr>
+          <a:xfrm>
+            <a:off x="3166862" y="4433110"/>
+            <a:ext cx="1260000" cy="1260000"/>
+            <a:chOff x="3800475" y="1500188"/>
+            <a:chExt cx="1800000" cy="1800000"/>
+          </a:xfrm>
+        </p:grpSpPr>
+        <p:sp>
+          <p:nvSpPr>
+            <p:cNvPr id="37" name="三角形 36"/>
+            <p:cNvSpPr/>
+            <p:nvPr/>
+          </p:nvSpPr>
+          <p:spPr>
+            <a:xfrm>
+              <a:off x="3800475" y="1500188"/>
+              <a:ext cx="1800000" cy="1800000"/>
+            </a:xfrm>
+            <a:prstGeom prst="triangle">
+              <a:avLst/>
+            </a:prstGeom>
+            <a:solidFill>
+              <a:srgbClr val="3F3F3F"/>
+            </a:solidFill>
+            <a:ln w="101600">
+              <a:solidFill>
+                <a:schemeClr val="bg1"/>
+              </a:solidFill>
+              <a:round/>
+            </a:ln>
+          </p:spPr>
+          <p:style>
+            <a:lnRef idx="2">
+              <a:schemeClr val="accent1">
+                <a:shade val="50000"/>
+              </a:schemeClr>
+            </a:lnRef>
+            <a:fillRef idx="1">
+              <a:schemeClr val="accent1"/>
+            </a:fillRef>
+            <a:effectRef idx="0">
+              <a:schemeClr val="accent1"/>
+            </a:effectRef>
+            <a:fontRef idx="minor">
+              <a:schemeClr val="lt1"/>
+            </a:fontRef>
+          </p:style>
+          <p:txBody>
+            <a:bodyPr rtlCol="0" anchor="ctr"/>
+            <a:lstStyle/>
+            <a:p>
+              <a:pPr algn="ctr"/>
+              <a:endParaRPr kumimoji="1" lang="zh-CN" altLang="en-US"/>
+            </a:p>
+          </p:txBody>
+        </p:sp>
+        <p:sp>
+          <p:nvSpPr>
+            <p:cNvPr id="38" name="矩形 37"/>
+            <p:cNvSpPr/>
+            <p:nvPr/>
+          </p:nvSpPr>
+          <p:spPr>
+            <a:xfrm>
+              <a:off x="4608273" y="2130188"/>
+              <a:ext cx="180000" cy="720000"/>
+            </a:xfrm>
+            <a:prstGeom prst="rect">
+              <a:avLst/>
+            </a:prstGeom>
+            <a:solidFill>
+              <a:schemeClr val="bg1"/>
+            </a:solidFill>
+            <a:ln>
+              <a:noFill/>
+            </a:ln>
+          </p:spPr>
+          <p:style>
+            <a:lnRef idx="2">
+              <a:schemeClr val="accent1">
+                <a:shade val="50000"/>
+              </a:schemeClr>
+            </a:lnRef>
+            <a:fillRef idx="1">
+              <a:schemeClr val="accent1"/>
+            </a:fillRef>
+            <a:effectRef idx="0">
+              <a:schemeClr val="accent1"/>
+            </a:effectRef>
+            <a:fontRef idx="minor">
+              <a:schemeClr val="lt1"/>
+            </a:fontRef>
+          </p:style>
+          <p:txBody>
+            <a:bodyPr rtlCol="0" anchor="ctr"/>
+            <a:lstStyle/>
+            <a:p>
+              <a:pPr algn="ctr"/>
+              <a:endParaRPr kumimoji="1" lang="zh-CN" altLang="en-US"/>
+            </a:p>
+          </p:txBody>
+        </p:sp>
+        <p:sp>
+          <p:nvSpPr>
+            <p:cNvPr id="39" name="矩形 38"/>
+            <p:cNvSpPr/>
+            <p:nvPr/>
+          </p:nvSpPr>
+          <p:spPr>
+            <a:xfrm>
+              <a:off x="4608273" y="2940188"/>
+              <a:ext cx="180000" cy="180000"/>
+            </a:xfrm>
+            <a:prstGeom prst="rect">
+              <a:avLst/>
+            </a:prstGeom>
+            <a:solidFill>
+              <a:schemeClr val="bg1"/>
+            </a:solidFill>
+            <a:ln>
+              <a:noFill/>
+            </a:ln>
+          </p:spPr>
+          <p:style>
+            <a:lnRef idx="2">
+              <a:schemeClr val="accent1">
+                <a:shade val="50000"/>
+              </a:schemeClr>
+            </a:lnRef>
+            <a:fillRef idx="1">
+              <a:schemeClr val="accent1"/>
+            </a:fillRef>
+            <a:effectRef idx="0">
+              <a:schemeClr val="accent1"/>
+            </a:effectRef>
+            <a:fontRef idx="minor">
+              <a:schemeClr val="lt1"/>
+            </a:fontRef>
+          </p:style>
+          <p:txBody>
+            <a:bodyPr rtlCol="0" anchor="ctr"/>
+            <a:lstStyle/>
+            <a:p>
+              <a:pPr algn="ctr"/>
+              <a:endParaRPr kumimoji="1" lang="zh-CN" altLang="en-US"/>
+            </a:p>
+          </p:txBody>
+        </p:sp>
+      </p:grpSp>
+      <p:sp>
+        <p:nvSpPr>
+          <p:cNvPr id="40" name="矩形 39"/>
+          <p:cNvSpPr/>
+          <p:nvPr/>
+        </p:nvSpPr>
+        <p:spPr>
+          <a:xfrm>
+            <a:off x="5134954" y="4163110"/>
+            <a:ext cx="1800000" cy="1800000"/>
+          </a:xfrm>
+          <a:prstGeom prst="rect">
+            <a:avLst/>
+          </a:prstGeom>
+          <a:solidFill>
+            <a:srgbClr val="3F3F3F"/>
+          </a:solidFill>
+          <a:ln>
+            <a:noFill/>
+          </a:ln>
+        </p:spPr>
+        <p:style>
+          <a:lnRef idx="2">
+            <a:schemeClr val="accent1">
+              <a:shade val="50000"/>
+            </a:schemeClr>
+          </a:lnRef>
+          <a:fillRef idx="1">
+            <a:schemeClr val="accent1"/>
+          </a:fillRef>
+          <a:effectRef idx="0">
+            <a:schemeClr val="accent1"/>
+          </a:effectRef>
+          <a:fontRef idx="minor">
+            <a:schemeClr val="lt1"/>
+          </a:fontRef>
+        </p:style>
+        <p:txBody>
+          <a:bodyPr rtlCol="0" anchor="ctr"/>
+          <a:lstStyle/>
+          <a:p>
+            <a:pPr algn="ctr"/>
+            <a:endParaRPr kumimoji="1" lang="zh-CN" altLang="en-US"/>
+          </a:p>
+        </p:txBody>
+      </p:sp>
+      <p:grpSp>
+        <p:nvGrpSpPr>
+          <p:cNvPr id="41" name="组 40"/>
+          <p:cNvGrpSpPr/>
+          <p:nvPr/>
+        </p:nvGrpSpPr>
+        <p:grpSpPr>
+          <a:xfrm>
+            <a:off x="5494954" y="4545609"/>
+            <a:ext cx="1080000" cy="1080000"/>
+            <a:chOff x="4388058" y="672279"/>
+            <a:chExt cx="1542857" cy="1542857"/>
+          </a:xfrm>
+        </p:grpSpPr>
+        <p:sp>
+          <p:nvSpPr>
+            <p:cNvPr id="42" name="椭圆 41"/>
+            <p:cNvSpPr/>
+            <p:nvPr/>
+          </p:nvSpPr>
+          <p:spPr>
+            <a:xfrm>
+              <a:off x="4388058" y="672279"/>
+              <a:ext cx="1542857" cy="1542857"/>
+            </a:xfrm>
+            <a:prstGeom prst="ellipse">
+              <a:avLst/>
+            </a:prstGeom>
+            <a:solidFill>
+              <a:srgbClr val="3F3F3F"/>
+            </a:solidFill>
+            <a:ln w="101600">
+              <a:solidFill>
+                <a:schemeClr val="bg1"/>
+              </a:solidFill>
+            </a:ln>
+          </p:spPr>
+          <p:style>
+            <a:lnRef idx="2">
+              <a:schemeClr val="accent1">
+                <a:shade val="50000"/>
+              </a:schemeClr>
+            </a:lnRef>
+            <a:fillRef idx="1">
+              <a:schemeClr val="accent1"/>
+            </a:fillRef>
+            <a:effectRef idx="0">
+              <a:schemeClr val="accent1"/>
+            </a:effectRef>
+            <a:fontRef idx="minor">
+              <a:schemeClr val="lt1"/>
+            </a:fontRef>
+          </p:style>
+          <p:txBody>
+            <a:bodyPr rtlCol="0" anchor="ctr"/>
+            <a:lstStyle/>
+            <a:p>
+              <a:pPr algn="ctr"/>
+              <a:endParaRPr kumimoji="1" lang="zh-CN" altLang="en-US"/>
+            </a:p>
+          </p:txBody>
+        </p:sp>
+        <p:grpSp>
+          <p:nvGrpSpPr>
+            <p:cNvPr id="43" name="组 42"/>
+            <p:cNvGrpSpPr/>
+            <p:nvPr/>
+          </p:nvGrpSpPr>
+          <p:grpSpPr>
+            <a:xfrm rot="10800000">
+              <a:off x="5069488" y="980849"/>
+              <a:ext cx="180000" cy="990000"/>
+              <a:chOff x="5257629" y="1025849"/>
+              <a:chExt cx="180000" cy="990000"/>
+            </a:xfrm>
+          </p:grpSpPr>
+          <p:sp>
+            <p:nvSpPr>
+              <p:cNvPr id="44" name="矩形 43"/>
+              <p:cNvSpPr/>
+              <p:nvPr/>
+            </p:nvSpPr>
+            <p:spPr>
+              <a:xfrm>
+                <a:off x="5257629" y="1025849"/>
+                <a:ext cx="180000" cy="720000"/>
+              </a:xfrm>
+              <a:prstGeom prst="rect">
+                <a:avLst/>
+              </a:prstGeom>
+              <a:solidFill>
+                <a:schemeClr val="bg1"/>
+              </a:solidFill>
+              <a:ln>
+                <a:noFill/>
+              </a:ln>
+            </p:spPr>
+            <p:style>
+              <a:lnRef idx="2">
+                <a:schemeClr val="accent1">
+                  <a:shade val="50000"/>
+                </a:schemeClr>
+              </a:lnRef>
+              <a:fillRef idx="1">
+                <a:schemeClr val="accent1"/>
+              </a:fillRef>
+              <a:effectRef idx="0">
+                <a:schemeClr val="accent1"/>
+              </a:effectRef>
+              <a:fontRef idx="minor">
+                <a:schemeClr val="lt1"/>
+              </a:fontRef>
+            </p:style>
+            <p:txBody>
+              <a:bodyPr rtlCol="0" anchor="ctr"/>
+              <a:lstStyle/>
+              <a:p>
+                <a:pPr algn="ctr"/>
+                <a:endParaRPr kumimoji="1" lang="zh-CN" altLang="en-US"/>
+              </a:p>
+            </p:txBody>
+          </p:sp>
+          <p:sp>
+            <p:nvSpPr>
+              <p:cNvPr id="45" name="矩形 44"/>
+              <p:cNvSpPr/>
+              <p:nvPr/>
+            </p:nvSpPr>
+            <p:spPr>
+              <a:xfrm>
+                <a:off x="5257629" y="1835849"/>
+                <a:ext cx="180000" cy="180000"/>
+              </a:xfrm>
+              <a:prstGeom prst="rect">
+                <a:avLst/>
+              </a:prstGeom>
+              <a:solidFill>
+                <a:schemeClr val="bg1"/>
+              </a:solidFill>
+              <a:ln>
+                <a:noFill/>
+              </a:ln>
+            </p:spPr>
+            <p:style>
+              <a:lnRef idx="2">
+                <a:schemeClr val="accent1">
+                  <a:shade val="50000"/>
+                </a:schemeClr>
+              </a:lnRef>
+              <a:fillRef idx="1">
+                <a:schemeClr val="accent1"/>
+              </a:fillRef>
+              <a:effectRef idx="0">
+                <a:schemeClr val="accent1"/>
+              </a:effectRef>
+              <a:fontRef idx="minor">
+                <a:schemeClr val="lt1"/>
+              </a:fontRef>
+            </p:style>
+            <p:txBody>
+              <a:bodyPr rtlCol="0" anchor="ctr"/>
+              <a:lstStyle/>
+              <a:p>
+                <a:pPr algn="ctr"/>
+                <a:endParaRPr kumimoji="1" lang="zh-CN" altLang="en-US"/>
+              </a:p>
+            </p:txBody>
+          </p:sp>
+        </p:grpSp>
+      </p:grpSp>
+      <p:sp>
+        <p:nvSpPr>
+          <p:cNvPr id="46" name="矩形 45"/>
+          <p:cNvSpPr/>
+          <p:nvPr/>
+        </p:nvSpPr>
+        <p:spPr>
+          <a:xfrm>
+            <a:off x="7294954" y="4163110"/>
+            <a:ext cx="1800000" cy="1800000"/>
+          </a:xfrm>
+          <a:prstGeom prst="rect">
+            <a:avLst/>
+          </a:prstGeom>
+          <a:solidFill>
+            <a:srgbClr val="3F3F3F"/>
+          </a:solidFill>
+          <a:ln>
+            <a:noFill/>
+          </a:ln>
+        </p:spPr>
+        <p:style>
+          <a:lnRef idx="2">
+            <a:schemeClr val="accent1">
+              <a:shade val="50000"/>
+            </a:schemeClr>
+          </a:lnRef>
+          <a:fillRef idx="1">
+            <a:schemeClr val="accent1"/>
+          </a:fillRef>
+          <a:effectRef idx="0">
+            <a:schemeClr val="accent1"/>
+          </a:effectRef>
+          <a:fontRef idx="minor">
+            <a:schemeClr val="lt1"/>
+          </a:fontRef>
+        </p:style>
+        <p:txBody>
+          <a:bodyPr rtlCol="0" anchor="ctr"/>
+          <a:lstStyle/>
+          <a:p>
+            <a:pPr algn="ctr"/>
+            <a:endParaRPr kumimoji="1" lang="zh-CN" altLang="en-US"/>
+          </a:p>
+        </p:txBody>
+      </p:sp>
+      <p:sp>
+        <p:nvSpPr>
+          <p:cNvPr id="47" name="十字箭头标注 46"/>
+          <p:cNvSpPr/>
+          <p:nvPr/>
+        </p:nvSpPr>
+        <p:spPr>
+          <a:xfrm>
+            <a:off x="7654954" y="4548852"/>
+            <a:ext cx="1080000" cy="1080000"/>
+          </a:xfrm>
+          <a:prstGeom prst="quadArrowCallout">
+            <a:avLst>
+              <a:gd name="adj1" fmla="val 37030"/>
+              <a:gd name="adj2" fmla="val 18515"/>
+              <a:gd name="adj3" fmla="val 18515"/>
+              <a:gd name="adj4" fmla="val 48123"/>
+            </a:avLst>
+          </a:prstGeom>
+          <a:solidFill>
+            <a:srgbClr val="3F3F3F"/>
+          </a:solidFill>
+          <a:ln w="127000">
+            <a:solidFill>
+              <a:srgbClr val="FFFFFF"/>
+            </a:solidFill>
+          </a:ln>
+        </p:spPr>
+        <p:style>
+          <a:lnRef idx="2">
+            <a:schemeClr val="accent1">
+              <a:shade val="50000"/>
+            </a:schemeClr>
+          </a:lnRef>
+          <a:fillRef idx="1">
+            <a:schemeClr val="accent1"/>
+          </a:fillRef>
+          <a:effectRef idx="0">
+            <a:schemeClr val="accent1"/>
+          </a:effectRef>
+          <a:fontRef idx="minor">
+            <a:schemeClr val="lt1"/>
+          </a:fontRef>
+        </p:style>
+        <p:txBody>
+          <a:bodyPr rtlCol="0" anchor="ctr"/>
+          <a:lstStyle/>
+          <a:p>
+            <a:pPr algn="ctr"/>
+            <a:endParaRPr kumimoji="1" lang="zh-CN" altLang="en-US"/>
+          </a:p>
+        </p:txBody>
+      </p:sp>
+      <p:sp>
+        <p:nvSpPr>
+          <p:cNvPr id="48" name="缺角矩形 47"/>
+          <p:cNvSpPr/>
+          <p:nvPr/>
+        </p:nvSpPr>
+        <p:spPr>
+          <a:xfrm>
+            <a:off x="8060960" y="4949213"/>
+            <a:ext cx="267987" cy="267987"/>
+          </a:xfrm>
+          <a:prstGeom prst="plaque">
+            <a:avLst>
+              <a:gd name="adj" fmla="val 50000"/>
+            </a:avLst>
+          </a:prstGeom>
+          <a:solidFill>
+            <a:schemeClr val="bg1"/>
+          </a:solidFill>
+          <a:ln>
+            <a:noFill/>
+          </a:ln>
+        </p:spPr>
+        <p:style>
+          <a:lnRef idx="2">
+            <a:schemeClr val="accent1">
+              <a:shade val="50000"/>
+            </a:schemeClr>
+          </a:lnRef>
+          <a:fillRef idx="1">
+            <a:schemeClr val="accent1"/>
+          </a:fillRef>
+          <a:effectRef idx="0">
+            <a:schemeClr val="accent1"/>
+          </a:effectRef>
+          <a:fontRef idx="minor">
+            <a:schemeClr val="lt1"/>
+          </a:fontRef>
+        </p:style>
+        <p:txBody>
+          <a:bodyPr rtlCol="0" anchor="ctr"/>
+          <a:lstStyle/>
+          <a:p>
+            <a:pPr algn="ctr"/>
+            <a:endParaRPr kumimoji="1" lang="zh-CN" altLang="en-US"/>
+          </a:p>
+        </p:txBody>
+      </p:sp>
+    </p:spTree>
+    <p:extLst>
+      <p:ext uri="{BB962C8B-B14F-4D97-AF65-F5344CB8AC3E}">
+        <p14:creationId xmlns:p14="http://schemas.microsoft.com/office/powerpoint/2010/main" val="247852212"/>
+      </p:ext>
+    </p:extLst>
+  </p:cSld>
+  <p:clrMapOvr>
+    <a:masterClrMapping/>
+  </p:clrMapOvr>
+</p:sld>
+</file>
+
+<file path=ppt/slides/slide4.xml><?xml version="1.0" encoding="utf-8"?>
+<p:sld xmlns:a="http://schemas.openxmlformats.org/drawingml/2006/main" xmlns:r="http://schemas.openxmlformats.org/officeDocument/2006/relationships" xmlns:p="http://schemas.openxmlformats.org/presentationml/2006/main">
+  <p:cSld>
+    <p:spTree>
+      <p:nvGrpSpPr>
+        <p:cNvPr id="1" name=""/>
+        <p:cNvGrpSpPr/>
+        <p:nvPr/>
+      </p:nvGrpSpPr>
+      <p:grpSpPr>
+        <a:xfrm>
+          <a:off x="0" y="0"/>
+          <a:ext cx="0" cy="0"/>
+          <a:chOff x="0" y="0"/>
+          <a:chExt cx="0" cy="0"/>
+        </a:xfrm>
+      </p:grpSpPr>
+      <p:sp>
+        <p:nvSpPr>
+          <p:cNvPr id="32" name="八边形 31"/>
+          <p:cNvSpPr/>
+          <p:nvPr/>
+        </p:nvSpPr>
+        <p:spPr>
+          <a:xfrm>
+            <a:off x="4552364" y="816732"/>
+            <a:ext cx="1080000" cy="1080000"/>
+          </a:xfrm>
+          <a:prstGeom prst="octagon">
+            <a:avLst/>
+          </a:prstGeom>
+          <a:solidFill>
+            <a:srgbClr val="FFFFFF">
+              <a:alpha val="0"/>
+            </a:srgbClr>
+          </a:solidFill>
+          <a:ln w="127000" cmpd="sng">
+            <a:solidFill>
+              <a:srgbClr val="3F3F3F"/>
+            </a:solidFill>
+          </a:ln>
+        </p:spPr>
+        <p:style>
+          <a:lnRef idx="2">
+            <a:schemeClr val="accent1">
+              <a:shade val="50000"/>
+            </a:schemeClr>
+          </a:lnRef>
+          <a:fillRef idx="1">
+            <a:schemeClr val="accent1"/>
+          </a:fillRef>
+          <a:effectRef idx="0">
+            <a:schemeClr val="accent1"/>
+          </a:effectRef>
+          <a:fontRef idx="minor">
+            <a:schemeClr val="lt1"/>
+          </a:fontRef>
+        </p:style>
+        <p:txBody>
+          <a:bodyPr rtlCol="0" anchor="ctr"/>
+          <a:lstStyle/>
+          <a:p>
+            <a:pPr algn="ctr"/>
+            <a:endParaRPr kumimoji="1" lang="zh-CN" altLang="en-US"/>
+          </a:p>
+        </p:txBody>
+      </p:sp>
+      <p:grpSp>
+        <p:nvGrpSpPr>
+          <p:cNvPr id="18" name="组 17"/>
+          <p:cNvGrpSpPr/>
+          <p:nvPr/>
+        </p:nvGrpSpPr>
+        <p:grpSpPr>
+          <a:xfrm>
+            <a:off x="2656054" y="3184271"/>
+            <a:ext cx="1080000" cy="1080000"/>
+            <a:chOff x="7576862" y="2431848"/>
+            <a:chExt cx="1080000" cy="1080000"/>
+          </a:xfrm>
+        </p:grpSpPr>
+        <p:sp>
+          <p:nvSpPr>
+            <p:cNvPr id="50" name="十字箭头标注 49"/>
+            <p:cNvSpPr/>
+            <p:nvPr/>
+          </p:nvSpPr>
+          <p:spPr>
+            <a:xfrm>
+              <a:off x="7576862" y="2431848"/>
+              <a:ext cx="1080000" cy="1080000"/>
+            </a:xfrm>
+            <a:prstGeom prst="quadArrowCallout">
+              <a:avLst>
+                <a:gd name="adj1" fmla="val 37030"/>
+                <a:gd name="adj2" fmla="val 18515"/>
+                <a:gd name="adj3" fmla="val 18515"/>
+                <a:gd name="adj4" fmla="val 48123"/>
+              </a:avLst>
+            </a:prstGeom>
+            <a:solidFill>
+              <a:srgbClr val="FFFFFF"/>
+            </a:solidFill>
+            <a:ln w="127000" cmpd="sng">
+              <a:solidFill>
+                <a:srgbClr val="3F3F3F"/>
+              </a:solidFill>
+            </a:ln>
+          </p:spPr>
+          <p:style>
+            <a:lnRef idx="2">
+              <a:schemeClr val="accent1">
+                <a:shade val="50000"/>
+              </a:schemeClr>
+            </a:lnRef>
+            <a:fillRef idx="1">
+              <a:schemeClr val="accent1"/>
+            </a:fillRef>
+            <a:effectRef idx="0">
+              <a:schemeClr val="accent1"/>
+            </a:effectRef>
+            <a:fontRef idx="minor">
+              <a:schemeClr val="lt1"/>
+            </a:fontRef>
+          </p:style>
+          <p:txBody>
+            <a:bodyPr rtlCol="0" anchor="ctr"/>
+            <a:lstStyle/>
+            <a:p>
+              <a:pPr algn="ctr"/>
+              <a:endParaRPr kumimoji="1" lang="zh-CN" altLang="en-US"/>
+            </a:p>
+          </p:txBody>
+        </p:sp>
+        <p:sp>
+          <p:nvSpPr>
+            <p:cNvPr id="51" name="缺角矩形 50"/>
+            <p:cNvSpPr/>
+            <p:nvPr/>
+          </p:nvSpPr>
+          <p:spPr>
+            <a:xfrm>
+              <a:off x="7982868" y="2832209"/>
+              <a:ext cx="267987" cy="267987"/>
+            </a:xfrm>
+            <a:prstGeom prst="plaque">
+              <a:avLst>
+                <a:gd name="adj" fmla="val 50000"/>
+              </a:avLst>
+            </a:prstGeom>
+            <a:solidFill>
+              <a:srgbClr val="3F3F3F"/>
+            </a:solidFill>
+            <a:ln>
+              <a:noFill/>
+            </a:ln>
+          </p:spPr>
+          <p:style>
+            <a:lnRef idx="2">
+              <a:schemeClr val="accent1">
+                <a:shade val="50000"/>
+              </a:schemeClr>
+            </a:lnRef>
+            <a:fillRef idx="1">
+              <a:schemeClr val="accent1"/>
+            </a:fillRef>
+            <a:effectRef idx="0">
+              <a:schemeClr val="accent1"/>
+            </a:effectRef>
+            <a:fontRef idx="minor">
+              <a:schemeClr val="lt1"/>
+            </a:fontRef>
+          </p:style>
+          <p:txBody>
+            <a:bodyPr rtlCol="0" anchor="ctr"/>
+            <a:lstStyle/>
+            <a:p>
+              <a:pPr algn="ctr"/>
+              <a:endParaRPr kumimoji="1" lang="zh-CN" altLang="en-US"/>
+            </a:p>
+          </p:txBody>
+        </p:sp>
+      </p:grpSp>
+      <p:grpSp>
+        <p:nvGrpSpPr>
+          <p:cNvPr id="16" name="组 15"/>
+          <p:cNvGrpSpPr/>
+          <p:nvPr/>
+        </p:nvGrpSpPr>
+        <p:grpSpPr>
+          <a:xfrm>
+            <a:off x="2206054" y="1212732"/>
+            <a:ext cx="1980000" cy="180000"/>
+            <a:chOff x="2206054" y="1212732"/>
+            <a:chExt cx="1980000" cy="180000"/>
+          </a:xfrm>
+        </p:grpSpPr>
+        <p:sp>
+          <p:nvSpPr>
+            <p:cNvPr id="5" name="矩形 4"/>
+            <p:cNvSpPr/>
+            <p:nvPr/>
+          </p:nvSpPr>
+          <p:spPr>
+            <a:xfrm>
+              <a:off x="2206054" y="1251949"/>
+              <a:ext cx="720000" cy="108000"/>
+            </a:xfrm>
+            <a:prstGeom prst="rect">
+              <a:avLst/>
+            </a:prstGeom>
+            <a:solidFill>
+              <a:srgbClr val="3F3F3F"/>
+            </a:solidFill>
+            <a:ln>
+              <a:noFill/>
+            </a:ln>
+          </p:spPr>
+          <p:style>
+            <a:lnRef idx="2">
+              <a:schemeClr val="accent1">
+                <a:shade val="50000"/>
+              </a:schemeClr>
+            </a:lnRef>
+            <a:fillRef idx="1">
+              <a:schemeClr val="accent1"/>
+            </a:fillRef>
+            <a:effectRef idx="0">
+              <a:schemeClr val="accent1"/>
+            </a:effectRef>
+            <a:fontRef idx="minor">
+              <a:schemeClr val="lt1"/>
+            </a:fontRef>
+          </p:style>
+          <p:txBody>
+            <a:bodyPr rtlCol="0" anchor="ctr"/>
+            <a:lstStyle/>
+            <a:p>
+              <a:pPr algn="ctr"/>
+              <a:endParaRPr kumimoji="1" lang="zh-CN" altLang="en-US"/>
+            </a:p>
+          </p:txBody>
+        </p:sp>
+        <p:sp>
+          <p:nvSpPr>
+            <p:cNvPr id="6" name="椭圆 5"/>
+            <p:cNvSpPr/>
+            <p:nvPr/>
+          </p:nvSpPr>
+          <p:spPr>
+            <a:xfrm>
+              <a:off x="3106054" y="1212732"/>
+              <a:ext cx="180000" cy="180000"/>
+            </a:xfrm>
+            <a:prstGeom prst="ellipse">
+              <a:avLst/>
+            </a:prstGeom>
+            <a:solidFill>
+              <a:srgbClr val="3F3F3F"/>
+            </a:solidFill>
+            <a:ln>
+              <a:noFill/>
+            </a:ln>
+          </p:spPr>
+          <p:style>
+            <a:lnRef idx="2">
+              <a:schemeClr val="accent1">
+                <a:shade val="50000"/>
+              </a:schemeClr>
+            </a:lnRef>
+            <a:fillRef idx="1">
+              <a:schemeClr val="accent1"/>
+            </a:fillRef>
+            <a:effectRef idx="0">
+              <a:schemeClr val="accent1"/>
+            </a:effectRef>
+            <a:fontRef idx="minor">
+              <a:schemeClr val="lt1"/>
+            </a:fontRef>
+          </p:style>
+          <p:txBody>
+            <a:bodyPr rtlCol="0" anchor="ctr"/>
+            <a:lstStyle/>
+            <a:p>
+              <a:pPr algn="ctr"/>
+              <a:endParaRPr kumimoji="1" lang="zh-CN" altLang="en-US"/>
+            </a:p>
+          </p:txBody>
+        </p:sp>
+        <p:sp>
+          <p:nvSpPr>
+            <p:cNvPr id="52" name="矩形 51"/>
+            <p:cNvSpPr/>
+            <p:nvPr/>
+          </p:nvSpPr>
+          <p:spPr>
+            <a:xfrm>
+              <a:off x="3466054" y="1248732"/>
+              <a:ext cx="720000" cy="108000"/>
+            </a:xfrm>
+            <a:prstGeom prst="rect">
+              <a:avLst/>
+            </a:prstGeom>
+            <a:solidFill>
+              <a:srgbClr val="3F3F3F"/>
+            </a:solidFill>
+            <a:ln>
+              <a:noFill/>
+            </a:ln>
+          </p:spPr>
+          <p:style>
+            <a:lnRef idx="2">
+              <a:schemeClr val="accent1">
+                <a:shade val="50000"/>
+              </a:schemeClr>
+            </a:lnRef>
+            <a:fillRef idx="1">
+              <a:schemeClr val="accent1"/>
+            </a:fillRef>
+            <a:effectRef idx="0">
+              <a:schemeClr val="accent1"/>
+            </a:effectRef>
+            <a:fontRef idx="minor">
+              <a:schemeClr val="lt1"/>
+            </a:fontRef>
+          </p:style>
+          <p:txBody>
+            <a:bodyPr rtlCol="0" anchor="ctr"/>
+            <a:lstStyle/>
+            <a:p>
+              <a:pPr algn="ctr"/>
+              <a:endParaRPr kumimoji="1" lang="zh-CN" altLang="en-US"/>
+            </a:p>
+          </p:txBody>
+        </p:sp>
+      </p:grpSp>
+      <p:sp>
+        <p:nvSpPr>
+          <p:cNvPr id="70" name="矩形 69"/>
+          <p:cNvSpPr/>
+          <p:nvPr/>
+        </p:nvSpPr>
+        <p:spPr>
+          <a:xfrm rot="18900000">
+            <a:off x="4269141" y="2348157"/>
+            <a:ext cx="720000" cy="108000"/>
+          </a:xfrm>
+          <a:prstGeom prst="rect">
+            <a:avLst/>
+          </a:prstGeom>
+          <a:solidFill>
+            <a:srgbClr val="3F3F3F"/>
+          </a:solidFill>
+          <a:ln>
+            <a:noFill/>
+          </a:ln>
+        </p:spPr>
+        <p:style>
+          <a:lnRef idx="2">
+            <a:schemeClr val="accent1">
+              <a:shade val="50000"/>
+            </a:schemeClr>
+          </a:lnRef>
+          <a:fillRef idx="1">
+            <a:schemeClr val="accent1"/>
+          </a:fillRef>
+          <a:effectRef idx="0">
+            <a:schemeClr val="accent1"/>
+          </a:effectRef>
+          <a:fontRef idx="minor">
+            <a:schemeClr val="lt1"/>
+          </a:fontRef>
+        </p:style>
+        <p:txBody>
+          <a:bodyPr rtlCol="0" anchor="ctr"/>
+          <a:lstStyle/>
+          <a:p>
+            <a:pPr algn="ctr"/>
+            <a:endParaRPr kumimoji="1" lang="zh-CN" altLang="en-US"/>
+          </a:p>
+        </p:txBody>
+      </p:sp>
+      <p:sp>
+        <p:nvSpPr>
+          <p:cNvPr id="71" name="椭圆 70"/>
+          <p:cNvSpPr/>
+          <p:nvPr/>
+        </p:nvSpPr>
+        <p:spPr>
+          <a:xfrm>
+            <a:off x="4921883" y="2689756"/>
+            <a:ext cx="180000" cy="180000"/>
+          </a:xfrm>
+          <a:prstGeom prst="ellipse">
+            <a:avLst/>
+          </a:prstGeom>
+          <a:solidFill>
+            <a:srgbClr val="3F3F3F"/>
+          </a:solidFill>
+          <a:ln>
+            <a:noFill/>
+          </a:ln>
+        </p:spPr>
+        <p:style>
+          <a:lnRef idx="2">
+            <a:schemeClr val="accent1">
+              <a:shade val="50000"/>
+            </a:schemeClr>
+          </a:lnRef>
+          <a:fillRef idx="1">
+            <a:schemeClr val="accent1"/>
+          </a:fillRef>
+          <a:effectRef idx="0">
+            <a:schemeClr val="accent1"/>
+          </a:effectRef>
+          <a:fontRef idx="minor">
+            <a:schemeClr val="lt1"/>
+          </a:fontRef>
+        </p:style>
+        <p:txBody>
+          <a:bodyPr rtlCol="0" anchor="ctr"/>
+          <a:lstStyle/>
+          <a:p>
+            <a:pPr algn="ctr"/>
+            <a:endParaRPr kumimoji="1" lang="zh-CN" altLang="en-US"/>
+          </a:p>
+        </p:txBody>
+      </p:sp>
+      <p:sp>
+        <p:nvSpPr>
+          <p:cNvPr id="72" name="矩形 71"/>
+          <p:cNvSpPr/>
+          <p:nvPr/>
+        </p:nvSpPr>
+        <p:spPr>
+          <a:xfrm rot="2700000">
+            <a:off x="5034625" y="2343013"/>
+            <a:ext cx="720000" cy="108000"/>
+          </a:xfrm>
+          <a:prstGeom prst="rect">
+            <a:avLst/>
+          </a:prstGeom>
+          <a:solidFill>
+            <a:srgbClr val="3F3F3F"/>
+          </a:solidFill>
+          <a:ln>
+            <a:noFill/>
+          </a:ln>
+        </p:spPr>
+        <p:style>
+          <a:lnRef idx="2">
+            <a:schemeClr val="accent1">
+              <a:shade val="50000"/>
+            </a:schemeClr>
+          </a:lnRef>
+          <a:fillRef idx="1">
+            <a:schemeClr val="accent1"/>
+          </a:fillRef>
+          <a:effectRef idx="0">
+            <a:schemeClr val="accent1"/>
+          </a:effectRef>
+          <a:fontRef idx="minor">
+            <a:schemeClr val="lt1"/>
+          </a:fontRef>
+        </p:style>
+        <p:txBody>
+          <a:bodyPr rtlCol="0" anchor="ctr"/>
+          <a:lstStyle/>
+          <a:p>
+            <a:pPr algn="ctr"/>
+            <a:endParaRPr kumimoji="1" lang="zh-CN" altLang="en-US"/>
+          </a:p>
+        </p:txBody>
+      </p:sp>
+      <p:sp>
+        <p:nvSpPr>
+          <p:cNvPr id="75" name="矩形 74"/>
+          <p:cNvSpPr/>
+          <p:nvPr/>
+        </p:nvSpPr>
+        <p:spPr>
+          <a:xfrm rot="18900000">
+            <a:off x="5034625" y="3103356"/>
+            <a:ext cx="720000" cy="108000"/>
+          </a:xfrm>
+          <a:prstGeom prst="rect">
+            <a:avLst/>
+          </a:prstGeom>
+          <a:solidFill>
+            <a:srgbClr val="3F3F3F"/>
+          </a:solidFill>
+          <a:ln>
+            <a:noFill/>
+          </a:ln>
+        </p:spPr>
+        <p:style>
+          <a:lnRef idx="2">
+            <a:schemeClr val="accent1">
+              <a:shade val="50000"/>
+            </a:schemeClr>
+          </a:lnRef>
+          <a:fillRef idx="1">
+            <a:schemeClr val="accent1"/>
+          </a:fillRef>
+          <a:effectRef idx="0">
+            <a:schemeClr val="accent1"/>
+          </a:effectRef>
+          <a:fontRef idx="minor">
+            <a:schemeClr val="lt1"/>
+          </a:fontRef>
+        </p:style>
+        <p:txBody>
+          <a:bodyPr rtlCol="0" anchor="ctr"/>
+          <a:lstStyle/>
+          <a:p>
+            <a:pPr algn="ctr"/>
+            <a:endParaRPr kumimoji="1" lang="zh-CN" altLang="en-US"/>
+          </a:p>
+        </p:txBody>
+      </p:sp>
+      <p:sp>
+        <p:nvSpPr>
+          <p:cNvPr id="76" name="矩形 75"/>
+          <p:cNvSpPr/>
+          <p:nvPr/>
+        </p:nvSpPr>
+        <p:spPr>
+          <a:xfrm rot="2700000">
+            <a:off x="4269141" y="3103355"/>
+            <a:ext cx="720000" cy="108000"/>
+          </a:xfrm>
+          <a:prstGeom prst="rect">
+            <a:avLst/>
+          </a:prstGeom>
+          <a:solidFill>
+            <a:srgbClr val="3F3F3F"/>
+          </a:solidFill>
+          <a:ln>
+            <a:noFill/>
+          </a:ln>
+        </p:spPr>
+        <p:style>
+          <a:lnRef idx="2">
+            <a:schemeClr val="accent1">
+              <a:shade val="50000"/>
+            </a:schemeClr>
+          </a:lnRef>
+          <a:fillRef idx="1">
+            <a:schemeClr val="accent1"/>
+          </a:fillRef>
+          <a:effectRef idx="0">
+            <a:schemeClr val="accent1"/>
+          </a:effectRef>
+          <a:fontRef idx="minor">
+            <a:schemeClr val="lt1"/>
+          </a:fontRef>
+        </p:style>
+        <p:txBody>
+          <a:bodyPr rtlCol="0" anchor="ctr"/>
+          <a:lstStyle/>
+          <a:p>
+            <a:pPr algn="ctr"/>
+            <a:endParaRPr kumimoji="1" lang="zh-CN" altLang="en-US"/>
+          </a:p>
+        </p:txBody>
+      </p:sp>
+      <p:sp>
+        <p:nvSpPr>
+          <p:cNvPr id="30" name="双中括号 29"/>
+          <p:cNvSpPr/>
+          <p:nvPr/>
+        </p:nvSpPr>
+        <p:spPr>
+          <a:xfrm>
+            <a:off x="2296053" y="1928501"/>
+            <a:ext cx="1800000" cy="720000"/>
+          </a:xfrm>
+          <a:prstGeom prst="bracketPair">
+            <a:avLst/>
+          </a:prstGeom>
+          <a:ln w="63500" cmpd="sng">
+            <a:solidFill>
+              <a:srgbClr val="3F3F3F"/>
+            </a:solidFill>
+          </a:ln>
+        </p:spPr>
+        <p:style>
+          <a:lnRef idx="1">
+            <a:schemeClr val="accent1"/>
+          </a:lnRef>
+          <a:fillRef idx="0">
+            <a:schemeClr val="accent1"/>
+          </a:fillRef>
+          <a:effectRef idx="0">
+            <a:schemeClr val="accent1"/>
+          </a:effectRef>
+          <a:fontRef idx="minor">
+            <a:schemeClr val="tx1"/>
+          </a:fontRef>
+        </p:style>
+        <p:txBody>
+          <a:bodyPr rtlCol="0" anchor="ctr"/>
+          <a:lstStyle/>
+          <a:p>
+            <a:pPr algn="ctr"/>
+            <a:endParaRPr kumimoji="1" lang="zh-CN" altLang="en-US"/>
+          </a:p>
+        </p:txBody>
+      </p:sp>
+      <p:sp>
+        <p:nvSpPr>
+          <p:cNvPr id="77" name="椭圆 76"/>
+          <p:cNvSpPr/>
+          <p:nvPr/>
+        </p:nvSpPr>
+        <p:spPr>
+          <a:xfrm>
+            <a:off x="3145878" y="2234501"/>
+            <a:ext cx="108000" cy="108000"/>
+          </a:xfrm>
+          <a:prstGeom prst="ellipse">
+            <a:avLst/>
+          </a:prstGeom>
+          <a:solidFill>
+            <a:srgbClr val="3F3F3F"/>
+          </a:solidFill>
+          <a:ln w="12700" cmpd="sng">
+            <a:noFill/>
+          </a:ln>
+        </p:spPr>
+        <p:style>
+          <a:lnRef idx="2">
+            <a:schemeClr val="accent1">
+              <a:shade val="50000"/>
+            </a:schemeClr>
+          </a:lnRef>
+          <a:fillRef idx="1">
+            <a:schemeClr val="accent1"/>
+          </a:fillRef>
+          <a:effectRef idx="0">
+            <a:schemeClr val="accent1"/>
+          </a:effectRef>
+          <a:fontRef idx="minor">
+            <a:schemeClr val="lt1"/>
+          </a:fontRef>
+        </p:style>
+        <p:txBody>
+          <a:bodyPr rtlCol="0" anchor="ctr"/>
+          <a:lstStyle/>
+          <a:p>
+            <a:pPr algn="ctr"/>
+            <a:endParaRPr kumimoji="1" lang="zh-CN" altLang="en-US"/>
+          </a:p>
+        </p:txBody>
+      </p:sp>
+      <p:grpSp>
+        <p:nvGrpSpPr>
+          <p:cNvPr id="85" name="组 84"/>
+          <p:cNvGrpSpPr/>
+          <p:nvPr/>
+        </p:nvGrpSpPr>
+        <p:grpSpPr>
+          <a:xfrm>
+            <a:off x="2071638" y="4524303"/>
+            <a:ext cx="2328480" cy="431457"/>
+            <a:chOff x="2071638" y="4524303"/>
+            <a:chExt cx="2328480" cy="431457"/>
+          </a:xfrm>
+        </p:grpSpPr>
+        <p:grpSp>
+          <p:nvGrpSpPr>
+            <p:cNvPr id="33" name="组 32"/>
+            <p:cNvGrpSpPr>
+              <a:grpSpLocks noChangeAspect="1"/>
+            </p:cNvGrpSpPr>
+            <p:nvPr/>
+          </p:nvGrpSpPr>
+          <p:grpSpPr>
+            <a:xfrm rot="5400000">
+              <a:off x="2393030" y="4202911"/>
+              <a:ext cx="431455" cy="1074240"/>
+              <a:chOff x="8237057" y="4715178"/>
+              <a:chExt cx="540000" cy="1344496"/>
+            </a:xfrm>
+          </p:grpSpPr>
+          <p:sp>
+            <p:nvSpPr>
+              <p:cNvPr id="34" name="燕尾形 33"/>
+              <p:cNvSpPr/>
+              <p:nvPr/>
+            </p:nvSpPr>
+            <p:spPr>
+              <a:xfrm rot="5400000">
+                <a:off x="8237057" y="4715178"/>
+                <a:ext cx="540000" cy="540000"/>
+              </a:xfrm>
+              <a:prstGeom prst="chevron">
+                <a:avLst/>
+              </a:prstGeom>
+              <a:solidFill>
+                <a:srgbClr val="3F3F3F"/>
+              </a:solidFill>
+              <a:ln w="63500" cmpd="sng">
+                <a:noFill/>
+              </a:ln>
+            </p:spPr>
+            <p:style>
+              <a:lnRef idx="2">
+                <a:schemeClr val="accent1">
+                  <a:shade val="50000"/>
+                </a:schemeClr>
+              </a:lnRef>
+              <a:fillRef idx="1">
+                <a:schemeClr val="accent1"/>
+              </a:fillRef>
+              <a:effectRef idx="0">
+                <a:schemeClr val="accent1"/>
+              </a:effectRef>
+              <a:fontRef idx="minor">
+                <a:schemeClr val="lt1"/>
+              </a:fontRef>
+            </p:style>
+            <p:txBody>
+              <a:bodyPr rtlCol="0" anchor="ctr"/>
+              <a:lstStyle/>
+              <a:p>
+                <a:pPr algn="ctr"/>
+                <a:endParaRPr kumimoji="1" lang="zh-CN" altLang="en-US">
+                  <a:solidFill>
+                    <a:schemeClr val="tx1"/>
+                  </a:solidFill>
+                </a:endParaRPr>
+              </a:p>
+            </p:txBody>
+          </p:sp>
+          <p:sp>
+            <p:nvSpPr>
+              <p:cNvPr id="78" name="燕尾形 77"/>
+              <p:cNvSpPr/>
+              <p:nvPr/>
+            </p:nvSpPr>
+            <p:spPr>
+              <a:xfrm rot="5400000">
+                <a:off x="8237057" y="5117426"/>
+                <a:ext cx="540000" cy="540000"/>
+              </a:xfrm>
+              <a:prstGeom prst="chevron">
+                <a:avLst/>
+              </a:prstGeom>
+              <a:solidFill>
+                <a:srgbClr val="3F3F3F"/>
+              </a:solidFill>
+              <a:ln w="63500" cmpd="sng">
+                <a:noFill/>
+              </a:ln>
+            </p:spPr>
+            <p:style>
+              <a:lnRef idx="2">
+                <a:schemeClr val="accent1">
+                  <a:shade val="50000"/>
+                </a:schemeClr>
+              </a:lnRef>
+              <a:fillRef idx="1">
+                <a:schemeClr val="accent1"/>
+              </a:fillRef>
+              <a:effectRef idx="0">
+                <a:schemeClr val="accent1"/>
+              </a:effectRef>
+              <a:fontRef idx="minor">
+                <a:schemeClr val="lt1"/>
+              </a:fontRef>
+            </p:style>
+            <p:txBody>
+              <a:bodyPr rtlCol="0" anchor="ctr"/>
+              <a:lstStyle/>
+              <a:p>
+                <a:pPr algn="ctr"/>
+                <a:endParaRPr kumimoji="1" lang="zh-CN" altLang="en-US">
+                  <a:solidFill>
+                    <a:schemeClr val="tx1"/>
+                  </a:solidFill>
+                </a:endParaRPr>
+              </a:p>
+            </p:txBody>
+          </p:sp>
+          <p:sp>
+            <p:nvSpPr>
+              <p:cNvPr id="79" name="燕尾形 78"/>
+              <p:cNvSpPr/>
+              <p:nvPr/>
+            </p:nvSpPr>
+            <p:spPr>
+              <a:xfrm rot="5400000">
+                <a:off x="8237057" y="5519674"/>
+                <a:ext cx="540000" cy="540000"/>
+              </a:xfrm>
+              <a:prstGeom prst="chevron">
+                <a:avLst/>
+              </a:prstGeom>
+              <a:solidFill>
+                <a:srgbClr val="3F3F3F"/>
+              </a:solidFill>
+              <a:ln w="63500" cmpd="sng">
+                <a:noFill/>
+              </a:ln>
+            </p:spPr>
+            <p:style>
+              <a:lnRef idx="2">
+                <a:schemeClr val="accent1">
+                  <a:shade val="50000"/>
+                </a:schemeClr>
+              </a:lnRef>
+              <a:fillRef idx="1">
+                <a:schemeClr val="accent1"/>
+              </a:fillRef>
+              <a:effectRef idx="0">
+                <a:schemeClr val="accent1"/>
+              </a:effectRef>
+              <a:fontRef idx="minor">
+                <a:schemeClr val="lt1"/>
+              </a:fontRef>
+            </p:style>
+            <p:txBody>
+              <a:bodyPr rtlCol="0" anchor="ctr"/>
+              <a:lstStyle/>
+              <a:p>
+                <a:pPr algn="ctr"/>
+                <a:endParaRPr kumimoji="1" lang="zh-CN" altLang="en-US">
+                  <a:solidFill>
+                    <a:schemeClr val="tx1"/>
+                  </a:solidFill>
+                </a:endParaRPr>
+              </a:p>
+            </p:txBody>
+          </p:sp>
+        </p:grpSp>
+        <p:sp>
+          <p:nvSpPr>
+            <p:cNvPr id="80" name="椭圆 79"/>
+            <p:cNvSpPr/>
+            <p:nvPr/>
+          </p:nvSpPr>
+          <p:spPr>
+            <a:xfrm>
+              <a:off x="3145877" y="4650032"/>
+              <a:ext cx="180000" cy="180000"/>
+            </a:xfrm>
+            <a:prstGeom prst="ellipse">
+              <a:avLst/>
+            </a:prstGeom>
+            <a:solidFill>
+              <a:srgbClr val="3F3F3F"/>
+            </a:solidFill>
+            <a:ln>
+              <a:noFill/>
+            </a:ln>
+          </p:spPr>
+          <p:style>
+            <a:lnRef idx="2">
+              <a:schemeClr val="accent1">
+                <a:shade val="50000"/>
+              </a:schemeClr>
+            </a:lnRef>
+            <a:fillRef idx="1">
+              <a:schemeClr val="accent1"/>
+            </a:fillRef>
+            <a:effectRef idx="0">
+              <a:schemeClr val="accent1"/>
+            </a:effectRef>
+            <a:fontRef idx="minor">
+              <a:schemeClr val="lt1"/>
+            </a:fontRef>
+          </p:style>
+          <p:txBody>
+            <a:bodyPr rtlCol="0" anchor="ctr"/>
+            <a:lstStyle/>
+            <a:p>
+              <a:pPr algn="ctr"/>
+              <a:endParaRPr kumimoji="1" lang="zh-CN" altLang="en-US"/>
+            </a:p>
+          </p:txBody>
+        </p:sp>
+        <p:grpSp>
+          <p:nvGrpSpPr>
+            <p:cNvPr id="81" name="组 80"/>
+            <p:cNvGrpSpPr>
+              <a:grpSpLocks noChangeAspect="1"/>
+            </p:cNvGrpSpPr>
+            <p:nvPr/>
+          </p:nvGrpSpPr>
+          <p:grpSpPr>
+            <a:xfrm rot="16200000" flipH="1">
+              <a:off x="3647270" y="4202913"/>
+              <a:ext cx="431455" cy="1074240"/>
+              <a:chOff x="8237057" y="4715178"/>
+              <a:chExt cx="540000" cy="1344496"/>
+            </a:xfrm>
+          </p:grpSpPr>
+          <p:sp>
+            <p:nvSpPr>
+              <p:cNvPr id="82" name="燕尾形 81"/>
+              <p:cNvSpPr/>
+              <p:nvPr/>
+            </p:nvSpPr>
+            <p:spPr>
+              <a:xfrm rot="5400000">
+                <a:off x="8237057" y="4715178"/>
+                <a:ext cx="540000" cy="540000"/>
+              </a:xfrm>
+              <a:prstGeom prst="chevron">
+                <a:avLst/>
+              </a:prstGeom>
+              <a:solidFill>
+                <a:srgbClr val="3F3F3F"/>
+              </a:solidFill>
+              <a:ln w="63500" cmpd="sng">
+                <a:noFill/>
+              </a:ln>
+            </p:spPr>
+            <p:style>
+              <a:lnRef idx="2">
+                <a:schemeClr val="accent1">
+                  <a:shade val="50000"/>
+                </a:schemeClr>
+              </a:lnRef>
+              <a:fillRef idx="1">
+                <a:schemeClr val="accent1"/>
+              </a:fillRef>
+              <a:effectRef idx="0">
+                <a:schemeClr val="accent1"/>
+              </a:effectRef>
+              <a:fontRef idx="minor">
+                <a:schemeClr val="lt1"/>
+              </a:fontRef>
+            </p:style>
+            <p:txBody>
+              <a:bodyPr rtlCol="0" anchor="ctr"/>
+              <a:lstStyle/>
+              <a:p>
+                <a:pPr algn="ctr"/>
+                <a:endParaRPr kumimoji="1" lang="zh-CN" altLang="en-US">
+                  <a:solidFill>
+                    <a:schemeClr val="tx1"/>
+                  </a:solidFill>
+                </a:endParaRPr>
+              </a:p>
+            </p:txBody>
+          </p:sp>
+          <p:sp>
+            <p:nvSpPr>
+              <p:cNvPr id="83" name="燕尾形 82"/>
+              <p:cNvSpPr/>
+              <p:nvPr/>
+            </p:nvSpPr>
+            <p:spPr>
+              <a:xfrm rot="5400000">
+                <a:off x="8237057" y="5117426"/>
+                <a:ext cx="540000" cy="540000"/>
+              </a:xfrm>
+              <a:prstGeom prst="chevron">
+                <a:avLst/>
+              </a:prstGeom>
+              <a:solidFill>
+                <a:srgbClr val="3F3F3F"/>
+              </a:solidFill>
+              <a:ln w="63500" cmpd="sng">
+                <a:noFill/>
+              </a:ln>
+            </p:spPr>
+            <p:style>
+              <a:lnRef idx="2">
+                <a:schemeClr val="accent1">
+                  <a:shade val="50000"/>
+                </a:schemeClr>
+              </a:lnRef>
+              <a:fillRef idx="1">
+                <a:schemeClr val="accent1"/>
+              </a:fillRef>
+              <a:effectRef idx="0">
+                <a:schemeClr val="accent1"/>
+              </a:effectRef>
+              <a:fontRef idx="minor">
+                <a:schemeClr val="lt1"/>
+              </a:fontRef>
+            </p:style>
+            <p:txBody>
+              <a:bodyPr rtlCol="0" anchor="ctr"/>
+              <a:lstStyle/>
+              <a:p>
+                <a:pPr algn="ctr"/>
+                <a:endParaRPr kumimoji="1" lang="zh-CN" altLang="en-US">
+                  <a:solidFill>
+                    <a:schemeClr val="tx1"/>
+                  </a:solidFill>
+                </a:endParaRPr>
+              </a:p>
+            </p:txBody>
+          </p:sp>
+          <p:sp>
+            <p:nvSpPr>
+              <p:cNvPr id="84" name="燕尾形 83"/>
+              <p:cNvSpPr/>
+              <p:nvPr/>
+            </p:nvSpPr>
+            <p:spPr>
+              <a:xfrm rot="5400000">
+                <a:off x="8237057" y="5519674"/>
+                <a:ext cx="540000" cy="540000"/>
+              </a:xfrm>
+              <a:prstGeom prst="chevron">
+                <a:avLst/>
+              </a:prstGeom>
+              <a:solidFill>
+                <a:srgbClr val="3F3F3F"/>
+              </a:solidFill>
+              <a:ln w="63500" cmpd="sng">
+                <a:noFill/>
+              </a:ln>
+            </p:spPr>
+            <p:style>
+              <a:lnRef idx="2">
+                <a:schemeClr val="accent1">
+                  <a:shade val="50000"/>
+                </a:schemeClr>
+              </a:lnRef>
+              <a:fillRef idx="1">
+                <a:schemeClr val="accent1"/>
+              </a:fillRef>
+              <a:effectRef idx="0">
+                <a:schemeClr val="accent1"/>
+              </a:effectRef>
+              <a:fontRef idx="minor">
+                <a:schemeClr val="lt1"/>
+              </a:fontRef>
+            </p:style>
+            <p:txBody>
+              <a:bodyPr rtlCol="0" anchor="ctr"/>
+              <a:lstStyle/>
+              <a:p>
+                <a:pPr algn="ctr"/>
+                <a:endParaRPr kumimoji="1" lang="zh-CN" altLang="en-US">
+                  <a:solidFill>
+                    <a:schemeClr val="tx1"/>
+                  </a:solidFill>
+                </a:endParaRPr>
+              </a:p>
+            </p:txBody>
+          </p:sp>
+        </p:grpSp>
+      </p:grpSp>
+      <p:sp>
+        <p:nvSpPr>
+          <p:cNvPr id="86" name="椭圆 85"/>
+          <p:cNvSpPr/>
+          <p:nvPr/>
+        </p:nvSpPr>
+        <p:spPr>
+          <a:xfrm>
+            <a:off x="6713838" y="1392732"/>
+            <a:ext cx="1800000" cy="1800000"/>
+          </a:xfrm>
+          <a:prstGeom prst="ellipse">
+            <a:avLst/>
+          </a:prstGeom>
+          <a:solidFill>
+            <a:srgbClr val="3F3F3F"/>
+          </a:solidFill>
+          <a:ln>
+            <a:noFill/>
+          </a:ln>
+        </p:spPr>
+        <p:style>
+          <a:lnRef idx="2">
+            <a:schemeClr val="accent1">
+              <a:shade val="50000"/>
+            </a:schemeClr>
+          </a:lnRef>
+          <a:fillRef idx="1">
+            <a:schemeClr val="accent1"/>
+          </a:fillRef>
+          <a:effectRef idx="0">
+            <a:schemeClr val="accent1"/>
+          </a:effectRef>
+          <a:fontRef idx="minor">
+            <a:schemeClr val="lt1"/>
+          </a:fontRef>
+        </p:style>
+        <p:txBody>
+          <a:bodyPr rtlCol="0" anchor="ctr"/>
+          <a:lstStyle/>
+          <a:p>
+            <a:pPr algn="ctr"/>
+            <a:endParaRPr kumimoji="1" lang="zh-CN" altLang="en-US"/>
+          </a:p>
+        </p:txBody>
+      </p:sp>
+    </p:spTree>
+    <p:extLst>
+      <p:ext uri="{BB962C8B-B14F-4D97-AF65-F5344CB8AC3E}">
+        <p14:creationId xmlns:p14="http://schemas.microsoft.com/office/powerpoint/2010/main" val="846160118"/>
+      </p:ext>
+    </p:extLst>
+  </p:cSld>
+  <p:clrMapOvr>
+    <a:masterClrMapping/>
+  </p:clrMapOvr>
+</p:sld>
+</file>
+
+<file path=ppt/slides/slide5.xml><?xml version="1.0" encoding="utf-8"?>
+<p:sld xmlns:a="http://schemas.openxmlformats.org/drawingml/2006/main" xmlns:r="http://schemas.openxmlformats.org/officeDocument/2006/relationships" xmlns:p="http://schemas.openxmlformats.org/presentationml/2006/main">
+  <p:cSld>
+    <p:spTree>
+      <p:nvGrpSpPr>
+        <p:cNvPr id="1" name=""/>
+        <p:cNvGrpSpPr/>
+        <p:nvPr/>
+      </p:nvGrpSpPr>
+      <p:grpSpPr>
+        <a:xfrm>
+          <a:off x="0" y="0"/>
+          <a:ext cx="0" cy="0"/>
+          <a:chOff x="0" y="0"/>
+          <a:chExt cx="0" cy="0"/>
+        </a:xfrm>
+      </p:grpSpPr>
+      <p:sp>
+        <p:nvSpPr>
+          <p:cNvPr id="9" name="梯形 8"/>
+          <p:cNvSpPr/>
+          <p:nvPr/>
+        </p:nvSpPr>
+        <p:spPr>
+          <a:xfrm>
+            <a:off x="1417065" y="2358001"/>
+            <a:ext cx="1800000" cy="3600000"/>
+          </a:xfrm>
+          <a:prstGeom prst="trapezoid">
+            <a:avLst/>
+          </a:prstGeom>
+          <a:solidFill>
+            <a:srgbClr val="3F3F3F"/>
+          </a:solidFill>
+          <a:ln w="101600" cmpd="dbl">
+            <a:solidFill>
+              <a:schemeClr val="bg1"/>
+            </a:solidFill>
+          </a:ln>
+        </p:spPr>
+        <p:style>
+          <a:lnRef idx="2">
+            <a:schemeClr val="accent1">
+              <a:shade val="50000"/>
+            </a:schemeClr>
+          </a:lnRef>
+          <a:fillRef idx="1">
+            <a:schemeClr val="accent1"/>
+          </a:fillRef>
+          <a:effectRef idx="0">
+            <a:schemeClr val="accent1"/>
+          </a:effectRef>
+          <a:fontRef idx="minor">
+            <a:schemeClr val="lt1"/>
+          </a:fontRef>
+        </p:style>
+        <p:txBody>
+          <a:bodyPr rtlCol="0" anchor="ctr"/>
+          <a:lstStyle/>
+          <a:p>
+            <a:pPr algn="ctr"/>
+            <a:endParaRPr kumimoji="1" lang="zh-CN" altLang="en-US"/>
+          </a:p>
+        </p:txBody>
+      </p:sp>
+      <p:sp>
+        <p:nvSpPr>
+          <p:cNvPr id="4" name="矩形 3"/>
+          <p:cNvSpPr/>
+          <p:nvPr/>
+        </p:nvSpPr>
+        <p:spPr>
+          <a:xfrm>
+            <a:off x="444421" y="3798000"/>
+            <a:ext cx="7200000" cy="180000"/>
+          </a:xfrm>
+          <a:prstGeom prst="rect">
+            <a:avLst/>
+          </a:prstGeom>
+          <a:solidFill>
+            <a:srgbClr val="3F3F3F"/>
+          </a:solidFill>
+          <a:ln>
+            <a:noFill/>
+          </a:ln>
+        </p:spPr>
+        <p:style>
+          <a:lnRef idx="2">
+            <a:schemeClr val="accent1">
+              <a:shade val="50000"/>
+            </a:schemeClr>
+          </a:lnRef>
+          <a:fillRef idx="1">
+            <a:schemeClr val="accent1"/>
+          </a:fillRef>
+          <a:effectRef idx="0">
+            <a:schemeClr val="accent1"/>
+          </a:effectRef>
+          <a:fontRef idx="minor">
+            <a:schemeClr val="lt1"/>
+          </a:fontRef>
+        </p:style>
+        <p:txBody>
+          <a:bodyPr rtlCol="0" anchor="ctr"/>
+          <a:lstStyle/>
+          <a:p>
+            <a:pPr algn="ctr"/>
+            <a:endParaRPr kumimoji="1" lang="zh-CN" altLang="en-US"/>
+          </a:p>
+        </p:txBody>
+      </p:sp>
+      <p:sp>
+        <p:nvSpPr>
+          <p:cNvPr id="5" name="矩形 4"/>
+          <p:cNvSpPr/>
+          <p:nvPr/>
+        </p:nvSpPr>
+        <p:spPr>
+          <a:xfrm>
+            <a:off x="1344421" y="3978000"/>
+            <a:ext cx="5400000" cy="2520000"/>
+          </a:xfrm>
+          <a:prstGeom prst="rect">
+            <a:avLst/>
+          </a:prstGeom>
+          <a:solidFill>
+            <a:srgbClr val="3F3F3F"/>
+          </a:solidFill>
+          <a:ln>
+            <a:noFill/>
+          </a:ln>
+        </p:spPr>
+        <p:style>
+          <a:lnRef idx="2">
+            <a:schemeClr val="accent1">
+              <a:shade val="50000"/>
+            </a:schemeClr>
+          </a:lnRef>
+          <a:fillRef idx="1">
+            <a:schemeClr val="accent1"/>
+          </a:fillRef>
+          <a:effectRef idx="0">
+            <a:schemeClr val="accent1"/>
+          </a:effectRef>
+          <a:fontRef idx="minor">
+            <a:schemeClr val="lt1"/>
+          </a:fontRef>
+        </p:style>
+        <p:txBody>
+          <a:bodyPr rtlCol="0" anchor="ctr"/>
+          <a:lstStyle/>
+          <a:p>
+            <a:pPr algn="ctr"/>
+            <a:endParaRPr kumimoji="1" lang="zh-CN" altLang="en-US"/>
+          </a:p>
+        </p:txBody>
+      </p:sp>
+      <p:sp>
+        <p:nvSpPr>
+          <p:cNvPr id="6" name="矩形 5"/>
+          <p:cNvSpPr/>
+          <p:nvPr/>
+        </p:nvSpPr>
+        <p:spPr>
+          <a:xfrm>
+            <a:off x="1164421" y="3978000"/>
+            <a:ext cx="180000" cy="2880000"/>
+          </a:xfrm>
+          <a:prstGeom prst="rect">
+            <a:avLst/>
+          </a:prstGeom>
+          <a:solidFill>
+            <a:srgbClr val="3F3F3F"/>
+          </a:solidFill>
+          <a:ln>
+            <a:noFill/>
+          </a:ln>
+        </p:spPr>
+        <p:style>
+          <a:lnRef idx="2">
+            <a:schemeClr val="accent1">
+              <a:shade val="50000"/>
+            </a:schemeClr>
+          </a:lnRef>
+          <a:fillRef idx="1">
+            <a:schemeClr val="accent1"/>
+          </a:fillRef>
+          <a:effectRef idx="0">
+            <a:schemeClr val="accent1"/>
+          </a:effectRef>
+          <a:fontRef idx="minor">
+            <a:schemeClr val="lt1"/>
+          </a:fontRef>
+        </p:style>
+        <p:txBody>
+          <a:bodyPr rtlCol="0" anchor="ctr"/>
+          <a:lstStyle/>
+          <a:p>
+            <a:pPr algn="ctr"/>
+            <a:endParaRPr kumimoji="1" lang="zh-CN" altLang="en-US"/>
+          </a:p>
+        </p:txBody>
+      </p:sp>
+      <p:sp>
+        <p:nvSpPr>
+          <p:cNvPr id="7" name="矩形 6"/>
+          <p:cNvSpPr/>
+          <p:nvPr/>
+        </p:nvSpPr>
+        <p:spPr>
+          <a:xfrm>
+            <a:off x="6744421" y="3978000"/>
+            <a:ext cx="180000" cy="2880000"/>
+          </a:xfrm>
+          <a:prstGeom prst="rect">
+            <a:avLst/>
+          </a:prstGeom>
+          <a:solidFill>
+            <a:srgbClr val="3F3F3F"/>
+          </a:solidFill>
+          <a:ln>
+            <a:noFill/>
+          </a:ln>
+        </p:spPr>
+        <p:style>
+          <a:lnRef idx="2">
+            <a:schemeClr val="accent1">
+              <a:shade val="50000"/>
+            </a:schemeClr>
+          </a:lnRef>
+          <a:fillRef idx="1">
+            <a:schemeClr val="accent1"/>
+          </a:fillRef>
+          <a:effectRef idx="0">
+            <a:schemeClr val="accent1"/>
+          </a:effectRef>
+          <a:fontRef idx="minor">
+            <a:schemeClr val="lt1"/>
+          </a:fontRef>
+        </p:style>
+        <p:txBody>
+          <a:bodyPr rtlCol="0" anchor="ctr"/>
+          <a:lstStyle/>
+          <a:p>
+            <a:pPr algn="ctr"/>
+            <a:endParaRPr kumimoji="1" lang="zh-CN" altLang="en-US"/>
+          </a:p>
+        </p:txBody>
+      </p:sp>
+      <p:sp>
+        <p:nvSpPr>
+          <p:cNvPr id="8" name="梯形 7"/>
+          <p:cNvSpPr/>
+          <p:nvPr/>
+        </p:nvSpPr>
+        <p:spPr>
+          <a:xfrm rot="10800000">
+            <a:off x="1507066" y="918000"/>
+            <a:ext cx="1620000" cy="1440000"/>
+          </a:xfrm>
+          <a:prstGeom prst="trapezoid">
+            <a:avLst/>
+          </a:prstGeom>
+          <a:solidFill>
+            <a:srgbClr val="3F3F3F"/>
+          </a:solidFill>
+          <a:ln w="101600" cmpd="dbl">
+            <a:solidFill>
+              <a:schemeClr val="bg1"/>
+            </a:solidFill>
+          </a:ln>
+        </p:spPr>
+        <p:style>
+          <a:lnRef idx="2">
+            <a:schemeClr val="accent1">
+              <a:shade val="50000"/>
+            </a:schemeClr>
+          </a:lnRef>
+          <a:fillRef idx="1">
+            <a:schemeClr val="accent1"/>
+          </a:fillRef>
+          <a:effectRef idx="0">
+            <a:schemeClr val="accent1"/>
+          </a:effectRef>
+          <a:fontRef idx="minor">
+            <a:schemeClr val="lt1"/>
+          </a:fontRef>
+        </p:style>
+        <p:txBody>
+          <a:bodyPr rtlCol="0" anchor="ctr"/>
+          <a:lstStyle/>
+          <a:p>
+            <a:pPr algn="ctr"/>
+            <a:endParaRPr kumimoji="1" lang="zh-CN" altLang="en-US"/>
+          </a:p>
+        </p:txBody>
+      </p:sp>
+      <p:sp>
+        <p:nvSpPr>
+          <p:cNvPr id="11" name="斜纹 10"/>
+          <p:cNvSpPr/>
+          <p:nvPr/>
+        </p:nvSpPr>
+        <p:spPr>
+          <a:xfrm>
+            <a:off x="1840720" y="1157267"/>
+            <a:ext cx="360000" cy="360000"/>
+          </a:xfrm>
+          <a:prstGeom prst="diagStripe">
+            <a:avLst/>
+          </a:prstGeom>
+          <a:solidFill>
+            <a:srgbClr val="3F3F3F"/>
+          </a:solidFill>
+          <a:ln w="38100" cmpd="thickThin">
+            <a:solidFill>
+              <a:srgbClr val="FFFFFF"/>
+            </a:solidFill>
+          </a:ln>
+        </p:spPr>
+        <p:style>
+          <a:lnRef idx="2">
+            <a:schemeClr val="accent1">
+              <a:shade val="50000"/>
+            </a:schemeClr>
+          </a:lnRef>
+          <a:fillRef idx="1">
+            <a:schemeClr val="accent1"/>
+          </a:fillRef>
+          <a:effectRef idx="0">
+            <a:schemeClr val="accent1"/>
+          </a:effectRef>
+          <a:fontRef idx="minor">
+            <a:schemeClr val="lt1"/>
+          </a:fontRef>
+        </p:style>
+        <p:txBody>
+          <a:bodyPr rtlCol="0" anchor="ctr"/>
+          <a:lstStyle/>
+          <a:p>
+            <a:pPr algn="ctr"/>
+            <a:endParaRPr kumimoji="1" lang="zh-CN" altLang="en-US">
+              <a:solidFill>
+                <a:schemeClr val="tx1"/>
+              </a:solidFill>
+            </a:endParaRPr>
+          </a:p>
+        </p:txBody>
+      </p:sp>
+      <p:sp>
+        <p:nvSpPr>
+          <p:cNvPr id="14" name="斜纹 13"/>
+          <p:cNvSpPr/>
+          <p:nvPr/>
+        </p:nvSpPr>
+        <p:spPr>
+          <a:xfrm flipH="1">
+            <a:off x="2433916" y="1157267"/>
+            <a:ext cx="358987" cy="360000"/>
+          </a:xfrm>
+          <a:prstGeom prst="diagStripe">
+            <a:avLst/>
+          </a:prstGeom>
+          <a:solidFill>
+            <a:srgbClr val="3F3F3F"/>
+          </a:solidFill>
+          <a:ln w="38100" cmpd="thickThin">
+            <a:solidFill>
+              <a:srgbClr val="FFFFFF"/>
+            </a:solidFill>
+          </a:ln>
+        </p:spPr>
+        <p:style>
+          <a:lnRef idx="2">
+            <a:schemeClr val="accent1">
+              <a:shade val="50000"/>
+            </a:schemeClr>
+          </a:lnRef>
+          <a:fillRef idx="1">
+            <a:schemeClr val="accent1"/>
+          </a:fillRef>
+          <a:effectRef idx="0">
+            <a:schemeClr val="accent1"/>
+          </a:effectRef>
+          <a:fontRef idx="minor">
+            <a:schemeClr val="lt1"/>
+          </a:fontRef>
+        </p:style>
+        <p:txBody>
+          <a:bodyPr rtlCol="0" anchor="ctr"/>
+          <a:lstStyle/>
+          <a:p>
+            <a:pPr algn="ctr"/>
+            <a:endParaRPr kumimoji="1" lang="zh-CN" altLang="en-US">
+              <a:solidFill>
+                <a:schemeClr val="tx1"/>
+              </a:solidFill>
+            </a:endParaRPr>
+          </a:p>
+        </p:txBody>
+      </p:sp>
+      <p:sp>
+        <p:nvSpPr>
+          <p:cNvPr id="15" name="乘 14"/>
+          <p:cNvSpPr/>
+          <p:nvPr/>
+        </p:nvSpPr>
+        <p:spPr>
+          <a:xfrm>
+            <a:off x="2047065" y="1363468"/>
+            <a:ext cx="540000" cy="540000"/>
+          </a:xfrm>
+          <a:prstGeom prst="mathMultiply">
+            <a:avLst/>
+          </a:prstGeom>
+          <a:solidFill>
+            <a:srgbClr val="3F3F3F"/>
+          </a:solidFill>
+          <a:ln w="12700" cmpd="dbl">
+            <a:solidFill>
+              <a:srgbClr val="FFFFFF"/>
+            </a:solidFill>
+          </a:ln>
+        </p:spPr>
+        <p:style>
+          <a:lnRef idx="2">
+            <a:schemeClr val="accent1">
+              <a:shade val="50000"/>
+            </a:schemeClr>
+          </a:lnRef>
+          <a:fillRef idx="1">
+            <a:schemeClr val="accent1"/>
+          </a:fillRef>
+          <a:effectRef idx="0">
+            <a:schemeClr val="accent1"/>
+          </a:effectRef>
+          <a:fontRef idx="minor">
+            <a:schemeClr val="lt1"/>
+          </a:fontRef>
+        </p:style>
+        <p:txBody>
+          <a:bodyPr rtlCol="0" anchor="ctr"/>
+          <a:lstStyle/>
+          <a:p>
+            <a:pPr algn="ctr"/>
+            <a:endParaRPr kumimoji="1" lang="zh-CN" altLang="en-US"/>
+          </a:p>
+        </p:txBody>
+      </p:sp>
+      <p:sp>
+        <p:nvSpPr>
+          <p:cNvPr id="16" name="同心圆 15"/>
+          <p:cNvSpPr/>
+          <p:nvPr/>
+        </p:nvSpPr>
+        <p:spPr>
+          <a:xfrm>
+            <a:off x="2137065" y="1903468"/>
+            <a:ext cx="360000" cy="360000"/>
+          </a:xfrm>
+          <a:prstGeom prst="donut">
+            <a:avLst>
+              <a:gd name="adj" fmla="val 8471"/>
+            </a:avLst>
+          </a:prstGeom>
+          <a:solidFill>
+            <a:srgbClr val="FFFFFF"/>
+          </a:solidFill>
+          <a:ln w="12700">
+            <a:noFill/>
+          </a:ln>
+        </p:spPr>
+        <p:style>
+          <a:lnRef idx="2">
+            <a:schemeClr val="accent1">
+              <a:shade val="50000"/>
+            </a:schemeClr>
+          </a:lnRef>
+          <a:fillRef idx="1">
+            <a:schemeClr val="accent1"/>
+          </a:fillRef>
+          <a:effectRef idx="0">
+            <a:schemeClr val="accent1"/>
+          </a:effectRef>
+          <a:fontRef idx="minor">
+            <a:schemeClr val="lt1"/>
+          </a:fontRef>
+        </p:style>
+        <p:txBody>
+          <a:bodyPr rtlCol="0" anchor="ctr"/>
+          <a:lstStyle/>
+          <a:p>
+            <a:pPr algn="ctr"/>
+            <a:endParaRPr kumimoji="1" lang="zh-CN" altLang="en-US">
+              <a:solidFill>
+                <a:schemeClr val="tx1"/>
+              </a:solidFill>
+            </a:endParaRPr>
+          </a:p>
+        </p:txBody>
+      </p:sp>
+      <p:sp>
+        <p:nvSpPr>
+          <p:cNvPr id="17" name="同心圆 16"/>
+          <p:cNvSpPr/>
+          <p:nvPr/>
+        </p:nvSpPr>
+        <p:spPr>
+          <a:xfrm>
+            <a:off x="2137065" y="1903468"/>
+            <a:ext cx="360000" cy="360000"/>
+          </a:xfrm>
+          <a:prstGeom prst="donut">
+            <a:avLst>
+              <a:gd name="adj" fmla="val 24824"/>
+            </a:avLst>
+          </a:prstGeom>
+          <a:solidFill>
+            <a:srgbClr val="FFFFFF"/>
+          </a:solidFill>
+          <a:ln w="12700">
+            <a:noFill/>
+          </a:ln>
+        </p:spPr>
+        <p:style>
+          <a:lnRef idx="2">
+            <a:schemeClr val="accent1">
+              <a:shade val="50000"/>
+            </a:schemeClr>
+          </a:lnRef>
+          <a:fillRef idx="1">
+            <a:schemeClr val="accent1"/>
+          </a:fillRef>
+          <a:effectRef idx="0">
+            <a:schemeClr val="accent1"/>
+          </a:effectRef>
+          <a:fontRef idx="minor">
+            <a:schemeClr val="lt1"/>
+          </a:fontRef>
+        </p:style>
+        <p:txBody>
+          <a:bodyPr rtlCol="0" anchor="ctr"/>
+          <a:lstStyle/>
+          <a:p>
+            <a:pPr algn="ctr"/>
+            <a:endParaRPr kumimoji="1" lang="zh-CN" altLang="en-US">
+              <a:solidFill>
+                <a:schemeClr val="tx1"/>
+              </a:solidFill>
+            </a:endParaRPr>
+          </a:p>
+        </p:txBody>
+      </p:sp>
+      <p:sp>
+        <p:nvSpPr>
+          <p:cNvPr id="18" name="矩形 17"/>
+          <p:cNvSpPr/>
+          <p:nvPr/>
+        </p:nvSpPr>
+        <p:spPr>
+          <a:xfrm>
+            <a:off x="2047065" y="2073669"/>
+            <a:ext cx="540000" cy="72000"/>
+          </a:xfrm>
+          <a:prstGeom prst="rect">
+            <a:avLst/>
+          </a:prstGeom>
+          <a:solidFill>
+            <a:schemeClr val="bg1"/>
+          </a:solidFill>
+          <a:ln>
+            <a:noFill/>
+          </a:ln>
+        </p:spPr>
+        <p:style>
+          <a:lnRef idx="2">
+            <a:schemeClr val="accent1">
+              <a:shade val="50000"/>
+            </a:schemeClr>
+          </a:lnRef>
+          <a:fillRef idx="1">
+            <a:schemeClr val="accent1"/>
+          </a:fillRef>
+          <a:effectRef idx="0">
+            <a:schemeClr val="accent1"/>
+          </a:effectRef>
+          <a:fontRef idx="minor">
+            <a:schemeClr val="lt1"/>
+          </a:fontRef>
+        </p:style>
+        <p:txBody>
+          <a:bodyPr rtlCol="0" anchor="ctr"/>
+          <a:lstStyle/>
+          <a:p>
+            <a:pPr algn="ctr"/>
+            <a:endParaRPr kumimoji="1" lang="zh-CN" altLang="en-US"/>
+          </a:p>
+        </p:txBody>
+      </p:sp>
+    </p:spTree>
+    <p:extLst>
+      <p:ext uri="{BB962C8B-B14F-4D97-AF65-F5344CB8AC3E}">
+        <p14:creationId xmlns:p14="http://schemas.microsoft.com/office/powerpoint/2010/main" val="123915928"/>
+      </p:ext>
+    </p:extLst>
+  </p:cSld>
+  <p:clrMapOvr>
+    <a:masterClrMapping/>
+  </p:clrMapOvr>
+</p:sld>
+</file>
+
+<file path=ppt/slides/slide6.xml><?xml version="1.0" encoding="utf-8"?>
+<p:sld xmlns:a="http://schemas.openxmlformats.org/drawingml/2006/main" xmlns:r="http://schemas.openxmlformats.org/officeDocument/2006/relationships" xmlns:p="http://schemas.openxmlformats.org/presentationml/2006/main">
+  <p:cSld>
+    <p:bg>
+      <p:bgPr>
+        <a:solidFill>
+          <a:schemeClr val="bg1">
+            <a:alpha val="0"/>
+          </a:schemeClr>
+        </a:solidFill>
+        <a:effectLst/>
+      </p:bgPr>
+    </p:bg>
+    <p:spTree>
+      <p:nvGrpSpPr>
+        <p:cNvPr id="1" name=""/>
+        <p:cNvGrpSpPr/>
+        <p:nvPr/>
+      </p:nvGrpSpPr>
+      <p:grpSpPr>
+        <a:xfrm>
+          <a:off x="0" y="0"/>
+          <a:ext cx="0" cy="0"/>
+          <a:chOff x="0" y="0"/>
+          <a:chExt cx="0" cy="0"/>
+        </a:xfrm>
+      </p:grpSpPr>
+      <p:grpSp>
+        <p:nvGrpSpPr>
+          <p:cNvPr id="15" name="组 14"/>
+          <p:cNvGrpSpPr/>
+          <p:nvPr/>
+        </p:nvGrpSpPr>
+        <p:grpSpPr>
+          <a:xfrm>
+            <a:off x="2547550" y="643466"/>
+            <a:ext cx="7096900" cy="5571067"/>
+            <a:chOff x="2547550" y="643466"/>
+            <a:chExt cx="7096900" cy="5571067"/>
+          </a:xfrm>
+        </p:grpSpPr>
+        <p:grpSp>
+          <p:nvGrpSpPr>
+            <p:cNvPr id="4" name="组 3"/>
+            <p:cNvGrpSpPr/>
+            <p:nvPr/>
+          </p:nvGrpSpPr>
+          <p:grpSpPr>
+            <a:xfrm>
+              <a:off x="2547550" y="643466"/>
+              <a:ext cx="7096900" cy="5571067"/>
+              <a:chOff x="2547550" y="643466"/>
+              <a:chExt cx="7096900" cy="5571067"/>
+            </a:xfrm>
+          </p:grpSpPr>
+          <p:pic>
+            <p:nvPicPr>
+              <p:cNvPr id="2" name="图片 1"/>
+              <p:cNvPicPr>
+                <a:picLocks noChangeAspect="1"/>
+              </p:cNvPicPr>
+              <p:nvPr/>
+            </p:nvPicPr>
+            <p:blipFill>
+              <a:blip r:embed="rId2"/>
+              <a:stretch>
+                <a:fillRect/>
+              </a:stretch>
+            </p:blipFill>
+            <p:spPr>
+              <a:xfrm>
+                <a:off x="2547550" y="643466"/>
+                <a:ext cx="7096900" cy="5571067"/>
+              </a:xfrm>
+              <a:prstGeom prst="rect">
+                <a:avLst/>
+              </a:prstGeom>
+            </p:spPr>
+          </p:pic>
+          <p:sp>
+            <p:nvSpPr>
+              <p:cNvPr id="3" name="矩形 2"/>
+              <p:cNvSpPr/>
+              <p:nvPr/>
+            </p:nvSpPr>
+            <p:spPr>
+              <a:xfrm>
+                <a:off x="3490333" y="1226634"/>
+                <a:ext cx="4917688" cy="4382429"/>
+              </a:xfrm>
+              <a:prstGeom prst="rect">
+                <a:avLst/>
+              </a:prstGeom>
+              <a:solidFill>
+                <a:srgbClr val="FDECCE"/>
+              </a:solidFill>
+              <a:ln>
+                <a:noFill/>
+              </a:ln>
+            </p:spPr>
+            <p:style>
+              <a:lnRef idx="2">
+                <a:schemeClr val="accent1">
+                  <a:shade val="50000"/>
+                </a:schemeClr>
+              </a:lnRef>
+              <a:fillRef idx="1">
+                <a:schemeClr val="accent1"/>
+              </a:fillRef>
+              <a:effectRef idx="0">
+                <a:schemeClr val="accent1"/>
+              </a:effectRef>
+              <a:fontRef idx="minor">
+                <a:schemeClr val="lt1"/>
+              </a:fontRef>
+            </p:style>
+            <p:txBody>
+              <a:bodyPr rtlCol="0" anchor="ctr"/>
+              <a:lstStyle/>
+              <a:p>
+                <a:pPr algn="ctr"/>
+                <a:endParaRPr kumimoji="1" lang="zh-CN" altLang="en-US"/>
+              </a:p>
+            </p:txBody>
+          </p:sp>
+        </p:grpSp>
+        <p:sp>
+          <p:nvSpPr>
+            <p:cNvPr id="5" name="矩形 4"/>
+            <p:cNvSpPr/>
+            <p:nvPr/>
+          </p:nvSpPr>
+          <p:spPr>
+            <a:xfrm>
+              <a:off x="3438862" y="1226634"/>
+              <a:ext cx="5314276" cy="861774"/>
+            </a:xfrm>
+            <a:prstGeom prst="rect">
+              <a:avLst/>
+            </a:prstGeom>
+            <a:noFill/>
+            <a:ln>
+              <a:noFill/>
+            </a:ln>
+            <a:effectLst/>
+          </p:spPr>
+          <p:txBody>
+            <a:bodyPr wrap="none" lIns="91440" tIns="45720" rIns="91440" bIns="45720">
+              <a:spAutoFit/>
+            </a:bodyPr>
+            <a:lstStyle/>
+            <a:p>
+              <a:pPr algn="ctr"/>
+              <a:r>
+                <a:rPr lang="zh-CN" altLang="en-US" sz="5000" dirty="0" smtClean="0">
+                  <a:ln w="13462">
+                    <a:noFill/>
+                    <a:prstDash val="solid"/>
+                  </a:ln>
+                  <a:solidFill>
+                    <a:schemeClr val="accent6">
+                      <a:lumMod val="75000"/>
+                    </a:schemeClr>
+                  </a:solidFill>
+                  <a:latin typeface="STXingkai" charset="-122"/>
+                  <a:ea typeface="STXingkai" charset="-122"/>
+                  <a:cs typeface="STXingkai" charset="-122"/>
+                </a:rPr>
+                <a:t>南京秋雨语言学校</a:t>
+              </a:r>
+              <a:endParaRPr lang="zh-CN" altLang="en-US" sz="5000" cap="none" spc="0" dirty="0">
+                <a:ln w="13462">
+                  <a:noFill/>
+                  <a:prstDash val="solid"/>
+                </a:ln>
+                <a:solidFill>
+                  <a:schemeClr val="accent6">
+                    <a:lumMod val="75000"/>
+                  </a:schemeClr>
+                </a:solidFill>
+                <a:latin typeface="STXingkai" charset="-122"/>
+                <a:ea typeface="STXingkai" charset="-122"/>
+                <a:cs typeface="STXingkai" charset="-122"/>
+              </a:endParaRPr>
+            </a:p>
+          </p:txBody>
+        </p:sp>
+        <p:sp>
+          <p:nvSpPr>
+            <p:cNvPr id="7" name="矩形 6"/>
+            <p:cNvSpPr/>
+            <p:nvPr/>
+          </p:nvSpPr>
+          <p:spPr>
+            <a:xfrm>
+              <a:off x="4080063" y="2088408"/>
+              <a:ext cx="4031873" cy="553998"/>
+            </a:xfrm>
+            <a:prstGeom prst="rect">
+              <a:avLst/>
+            </a:prstGeom>
+            <a:noFill/>
+            <a:ln>
+              <a:noFill/>
+            </a:ln>
+            <a:effectLst/>
+          </p:spPr>
+          <p:txBody>
+            <a:bodyPr wrap="none" lIns="91440" tIns="45720" rIns="91440" bIns="45720">
+              <a:spAutoFit/>
+            </a:bodyPr>
+            <a:lstStyle/>
+            <a:p>
+              <a:pPr algn="ctr"/>
+              <a:r>
+                <a:rPr lang="zh-CN" altLang="en-US" sz="3000" b="1" cap="none" spc="0" dirty="0" smtClean="0">
+                  <a:ln w="13462">
+                    <a:noFill/>
+                    <a:prstDash val="solid"/>
+                  </a:ln>
+                  <a:solidFill>
+                    <a:srgbClr val="3F3F3F"/>
+                  </a:solidFill>
+                  <a:latin typeface="STFangsong" charset="-122"/>
+                  <a:ea typeface="STFangsong" charset="-122"/>
+                  <a:cs typeface="STFangsong" charset="-122"/>
+                </a:rPr>
+                <a:t>国际高中部录取通知书</a:t>
+              </a:r>
+              <a:endParaRPr lang="zh-CN" altLang="en-US" sz="3000" b="1" cap="none" spc="0" dirty="0">
+                <a:ln w="13462">
+                  <a:noFill/>
+                  <a:prstDash val="solid"/>
+                </a:ln>
+                <a:solidFill>
+                  <a:srgbClr val="3F3F3F"/>
+                </a:solidFill>
+                <a:latin typeface="STFangsong" charset="-122"/>
+                <a:ea typeface="STFangsong" charset="-122"/>
+                <a:cs typeface="STFangsong" charset="-122"/>
+              </a:endParaRPr>
+            </a:p>
+          </p:txBody>
+        </p:sp>
+        <p:sp>
+          <p:nvSpPr>
+            <p:cNvPr id="8" name="矩形 7"/>
+            <p:cNvSpPr/>
+            <p:nvPr/>
+          </p:nvSpPr>
+          <p:spPr>
+            <a:xfrm>
+              <a:off x="3438862" y="2825464"/>
+              <a:ext cx="1723550" cy="400110"/>
+            </a:xfrm>
+            <a:prstGeom prst="rect">
+              <a:avLst/>
+            </a:prstGeom>
+            <a:noFill/>
+            <a:ln>
+              <a:noFill/>
+            </a:ln>
+            <a:effectLst/>
+          </p:spPr>
+          <p:txBody>
+            <a:bodyPr wrap="none" lIns="91440" tIns="45720" rIns="91440" bIns="45720">
+              <a:spAutoFit/>
+            </a:bodyPr>
+            <a:lstStyle/>
+            <a:p>
+              <a:pPr algn="ctr"/>
+              <a:r>
+                <a:rPr lang="zh-CN" altLang="en-US" sz="2000" dirty="0" smtClean="0">
+                  <a:ln w="13462">
+                    <a:noFill/>
+                    <a:prstDash val="solid"/>
+                  </a:ln>
+                  <a:solidFill>
+                    <a:srgbClr val="3F3F3F"/>
+                  </a:solidFill>
+                  <a:latin typeface="SimHei" charset="-122"/>
+                  <a:ea typeface="SimHei" charset="-122"/>
+                  <a:cs typeface="SimHei" charset="-122"/>
+                </a:rPr>
+                <a:t>古㰋哋</a:t>
+              </a:r>
+              <a:r>
+                <a:rPr lang="zh-CN" altLang="en-US" sz="2000" cap="none" spc="0" dirty="0" smtClean="0">
+                  <a:ln w="13462">
+                    <a:noFill/>
+                    <a:prstDash val="solid"/>
+                  </a:ln>
+                  <a:solidFill>
+                    <a:srgbClr val="3F3F3F"/>
+                  </a:solidFill>
+                  <a:latin typeface="SimHei" charset="-122"/>
+                  <a:ea typeface="SimHei" charset="-122"/>
+                  <a:cs typeface="SimHei" charset="-122"/>
+                </a:rPr>
+                <a:t>同学：</a:t>
+              </a:r>
+              <a:endParaRPr lang="zh-CN" altLang="en-US" sz="2000" cap="none" spc="0" dirty="0">
+                <a:ln w="13462">
+                  <a:noFill/>
+                  <a:prstDash val="solid"/>
+                </a:ln>
+                <a:solidFill>
+                  <a:srgbClr val="3F3F3F"/>
+                </a:solidFill>
+                <a:latin typeface="SimHei" charset="-122"/>
+                <a:ea typeface="SimHei" charset="-122"/>
+                <a:cs typeface="SimHei" charset="-122"/>
+              </a:endParaRPr>
+            </a:p>
+          </p:txBody>
+        </p:sp>
+        <p:sp>
+          <p:nvSpPr>
+            <p:cNvPr id="10" name="文本框 9"/>
+            <p:cNvSpPr txBox="1"/>
+            <p:nvPr/>
+          </p:nvSpPr>
+          <p:spPr>
+            <a:xfrm>
+              <a:off x="3438862" y="3225574"/>
+              <a:ext cx="5173597" cy="1292662"/>
+            </a:xfrm>
+            <a:prstGeom prst="rect">
+              <a:avLst/>
+            </a:prstGeom>
+            <a:noFill/>
+          </p:spPr>
+          <p:txBody>
+            <a:bodyPr wrap="square" rtlCol="0">
+              <a:spAutoFit/>
+            </a:bodyPr>
+            <a:lstStyle/>
+            <a:p>
+              <a:r>
+                <a:rPr kumimoji="1" lang="en-US" altLang="zh-CN" dirty="0"/>
+                <a:t> </a:t>
+              </a:r>
+              <a:r>
+                <a:rPr kumimoji="1" lang="en-US" altLang="zh-CN" dirty="0" smtClean="0"/>
+                <a:t>       </a:t>
+              </a:r>
+              <a:r>
+                <a:rPr kumimoji="1" lang="zh-CN" altLang="en-US" sz="1500" dirty="0" smtClean="0"/>
+                <a:t>祝贺你通过层层过滤，成为了考核中为数不多的滤渣，欢迎你即将在</a:t>
+              </a:r>
+              <a:r>
+                <a:rPr kumimoji="1" lang="en-US" altLang="zh-CN" sz="1500" dirty="0" smtClean="0"/>
+                <a:t>NFRLS</a:t>
+              </a:r>
+              <a:r>
+                <a:rPr kumimoji="1" lang="zh-CN" altLang="en-US" sz="1500" dirty="0" smtClean="0"/>
+                <a:t>这个大烧杯里进行新的复合反应。</a:t>
+              </a:r>
+              <a:endParaRPr kumimoji="1" lang="en-US" altLang="zh-CN" sz="1500" dirty="0" smtClean="0"/>
+            </a:p>
+            <a:p>
+              <a:r>
+                <a:rPr kumimoji="1" lang="zh-CN" altLang="en-US" sz="1500" dirty="0" smtClean="0"/>
+                <a:t>        百年栽树，一斧子砍倒，希望你能在今后的学习中贯彻“三个基本点”，“四个发展中心”，努力成长为一棵两斧子才能砍倒的参天大树。</a:t>
+              </a:r>
+              <a:endParaRPr kumimoji="1" lang="zh-CN" altLang="en-US" sz="1500" dirty="0"/>
+            </a:p>
+          </p:txBody>
+        </p:sp>
+        <p:sp>
+          <p:nvSpPr>
+            <p:cNvPr id="11" name="矩形 10"/>
+            <p:cNvSpPr/>
+            <p:nvPr/>
+          </p:nvSpPr>
+          <p:spPr>
+            <a:xfrm rot="20753323">
+              <a:off x="7759343" y="4361440"/>
+              <a:ext cx="1069524" cy="861774"/>
+            </a:xfrm>
+            <a:prstGeom prst="rect">
+              <a:avLst/>
+            </a:prstGeom>
+            <a:noFill/>
+            <a:ln>
+              <a:noFill/>
+            </a:ln>
+            <a:effectLst/>
+          </p:spPr>
+          <p:txBody>
+            <a:bodyPr wrap="none" lIns="91440" tIns="45720" rIns="91440" bIns="45720">
+              <a:spAutoFit/>
+            </a:bodyPr>
+            <a:lstStyle/>
+            <a:p>
+              <a:pPr algn="ctr"/>
+              <a:r>
+                <a:rPr lang="zh-CN" altLang="en-US" sz="5000" b="1" smtClean="0">
+                  <a:ln w="13462">
+                    <a:noFill/>
+                    <a:prstDash val="solid"/>
+                  </a:ln>
+                  <a:solidFill>
+                    <a:srgbClr val="3F3F3F"/>
+                  </a:solidFill>
+                  <a:latin typeface="LingWai SC Medium" charset="-122"/>
+                  <a:ea typeface="LingWai SC Medium" charset="-122"/>
+                  <a:cs typeface="LingWai SC Medium" charset="-122"/>
+                </a:rPr>
+                <a:t>江</a:t>
+              </a:r>
+              <a:r>
+                <a:rPr lang="zh-CN" altLang="en-US" sz="5000" b="1" cap="none" spc="0" smtClean="0">
+                  <a:ln w="13462">
+                    <a:noFill/>
+                    <a:prstDash val="solid"/>
+                  </a:ln>
+                  <a:solidFill>
+                    <a:srgbClr val="3F3F3F"/>
+                  </a:solidFill>
+                  <a:latin typeface="LingWai SC Medium" charset="-122"/>
+                  <a:ea typeface="LingWai SC Medium" charset="-122"/>
+                  <a:cs typeface="LingWai SC Medium" charset="-122"/>
+                </a:rPr>
+                <a:t>正</a:t>
+              </a:r>
+              <a:endParaRPr lang="zh-CN" altLang="en-US" sz="5000" b="1" cap="none" spc="0" dirty="0">
+                <a:ln w="13462">
+                  <a:noFill/>
+                  <a:prstDash val="solid"/>
+                </a:ln>
+                <a:solidFill>
+                  <a:srgbClr val="3F3F3F"/>
+                </a:solidFill>
+                <a:latin typeface="LingWai SC Medium" charset="-122"/>
+                <a:ea typeface="LingWai SC Medium" charset="-122"/>
+                <a:cs typeface="LingWai SC Medium" charset="-122"/>
+              </a:endParaRPr>
+            </a:p>
+          </p:txBody>
+        </p:sp>
+        <p:pic>
+          <p:nvPicPr>
+            <p:cNvPr id="12" name="图片 11"/>
+            <p:cNvPicPr>
+              <a:picLocks noChangeAspect="1"/>
+            </p:cNvPicPr>
+            <p:nvPr/>
+          </p:nvPicPr>
+          <p:blipFill>
+            <a:blip r:embed="rId3">
+              <a:extLst>
+                <a:ext uri="{28A0092B-C50C-407E-A947-70E740481C1C}">
+                  <a14:useLocalDpi xmlns:a14="http://schemas.microsoft.com/office/drawing/2010/main" val="0"/>
+                </a:ext>
+              </a:extLst>
+            </a:blip>
+            <a:stretch>
+              <a:fillRect/>
+            </a:stretch>
+          </p:blipFill>
+          <p:spPr>
+            <a:xfrm>
+              <a:off x="3490333" y="4772105"/>
+              <a:ext cx="735979" cy="734829"/>
+            </a:xfrm>
+            <a:prstGeom prst="rect">
+              <a:avLst/>
+            </a:prstGeom>
+          </p:spPr>
+        </p:pic>
+        <p:sp>
+          <p:nvSpPr>
+            <p:cNvPr id="13" name="矩形 12"/>
+            <p:cNvSpPr/>
+            <p:nvPr/>
+          </p:nvSpPr>
+          <p:spPr>
+            <a:xfrm>
+              <a:off x="7186945" y="4659388"/>
+              <a:ext cx="761747" cy="323165"/>
+            </a:xfrm>
+            <a:prstGeom prst="rect">
+              <a:avLst/>
+            </a:prstGeom>
+            <a:noFill/>
+            <a:ln>
+              <a:noFill/>
+            </a:ln>
+            <a:effectLst/>
+          </p:spPr>
+          <p:txBody>
+            <a:bodyPr wrap="none" lIns="91440" tIns="45720" rIns="91440" bIns="45720">
+              <a:spAutoFit/>
+            </a:bodyPr>
+            <a:lstStyle/>
+            <a:p>
+              <a:pPr algn="ctr"/>
+              <a:r>
+                <a:rPr lang="zh-CN" altLang="en-US" sz="1500" cap="none" spc="0" dirty="0" smtClean="0">
+                  <a:ln w="13462">
+                    <a:noFill/>
+                    <a:prstDash val="solid"/>
+                  </a:ln>
+                  <a:solidFill>
+                    <a:srgbClr val="3F3F3F"/>
+                  </a:solidFill>
+                  <a:latin typeface="STFangsong" charset="-122"/>
+                  <a:ea typeface="STFangsong" charset="-122"/>
+                  <a:cs typeface="STFangsong" charset="-122"/>
+                </a:rPr>
+                <a:t>校长：</a:t>
+              </a:r>
+              <a:endParaRPr lang="zh-CN" altLang="en-US" sz="1500" cap="none" spc="0" dirty="0">
+                <a:ln w="13462">
+                  <a:noFill/>
+                  <a:prstDash val="solid"/>
+                </a:ln>
+                <a:solidFill>
+                  <a:srgbClr val="3F3F3F"/>
+                </a:solidFill>
+                <a:latin typeface="STFangsong" charset="-122"/>
+                <a:ea typeface="STFangsong" charset="-122"/>
+                <a:cs typeface="STFangsong" charset="-122"/>
+              </a:endParaRPr>
+            </a:p>
+          </p:txBody>
+        </p:sp>
+        <p:sp>
+          <p:nvSpPr>
+            <p:cNvPr id="14" name="矩形 13"/>
+            <p:cNvSpPr/>
+            <p:nvPr/>
+          </p:nvSpPr>
+          <p:spPr>
+            <a:xfrm>
+              <a:off x="7206409" y="5139520"/>
+              <a:ext cx="1582486" cy="323165"/>
+            </a:xfrm>
+            <a:prstGeom prst="rect">
+              <a:avLst/>
+            </a:prstGeom>
+            <a:noFill/>
+            <a:ln>
+              <a:noFill/>
+            </a:ln>
+            <a:effectLst/>
+          </p:spPr>
+          <p:txBody>
+            <a:bodyPr wrap="none" lIns="91440" tIns="45720" rIns="91440" bIns="45720">
+              <a:spAutoFit/>
+            </a:bodyPr>
+            <a:lstStyle/>
+            <a:p>
+              <a:pPr algn="ctr"/>
+              <a:r>
+                <a:rPr lang="en-US" altLang="zh-CN" sz="1500" cap="none" spc="0" dirty="0" smtClean="0">
+                  <a:ln w="13462">
+                    <a:noFill/>
+                    <a:prstDash val="solid"/>
+                  </a:ln>
+                  <a:solidFill>
+                    <a:srgbClr val="3F3F3F"/>
+                  </a:solidFill>
+                  <a:latin typeface="STFangsong" charset="-122"/>
+                  <a:ea typeface="STFangsong" charset="-122"/>
+                  <a:cs typeface="STFangsong" charset="-122"/>
+                </a:rPr>
+                <a:t>20</a:t>
+              </a:r>
+              <a:r>
+                <a:rPr lang="en-US" altLang="zh-CN" sz="1500" dirty="0" smtClean="0">
+                  <a:ln w="13462">
+                    <a:noFill/>
+                    <a:prstDash val="solid"/>
+                  </a:ln>
+                  <a:solidFill>
+                    <a:srgbClr val="3F3F3F"/>
+                  </a:solidFill>
+                  <a:latin typeface="STFangsong" charset="-122"/>
+                  <a:ea typeface="STFangsong" charset="-122"/>
+                  <a:cs typeface="STFangsong" charset="-122"/>
+                </a:rPr>
+                <a:t>18</a:t>
+              </a:r>
+              <a:r>
+                <a:rPr lang="zh-CN" altLang="en-US" sz="1500" dirty="0" smtClean="0">
+                  <a:ln w="13462">
+                    <a:noFill/>
+                    <a:prstDash val="solid"/>
+                  </a:ln>
+                  <a:solidFill>
+                    <a:srgbClr val="3F3F3F"/>
+                  </a:solidFill>
+                  <a:latin typeface="STFangsong" charset="-122"/>
+                  <a:ea typeface="STFangsong" charset="-122"/>
+                  <a:cs typeface="STFangsong" charset="-122"/>
+                </a:rPr>
+                <a:t> 年 </a:t>
+              </a:r>
+              <a:r>
+                <a:rPr lang="en-US" altLang="zh-CN" sz="1500" dirty="0" smtClean="0">
+                  <a:ln w="13462">
+                    <a:noFill/>
+                    <a:prstDash val="solid"/>
+                  </a:ln>
+                  <a:solidFill>
+                    <a:srgbClr val="3F3F3F"/>
+                  </a:solidFill>
+                  <a:latin typeface="STFangsong" charset="-122"/>
+                  <a:ea typeface="STFangsong" charset="-122"/>
+                  <a:cs typeface="STFangsong" charset="-122"/>
+                </a:rPr>
+                <a:t>8</a:t>
+              </a:r>
+              <a:r>
+                <a:rPr lang="zh-CN" altLang="en-US" sz="1500" dirty="0" smtClean="0">
+                  <a:ln w="13462">
+                    <a:noFill/>
+                    <a:prstDash val="solid"/>
+                  </a:ln>
+                  <a:solidFill>
+                    <a:srgbClr val="3F3F3F"/>
+                  </a:solidFill>
+                  <a:latin typeface="STFangsong" charset="-122"/>
+                  <a:ea typeface="STFangsong" charset="-122"/>
+                  <a:cs typeface="STFangsong" charset="-122"/>
+                </a:rPr>
+                <a:t> 月</a:t>
+              </a:r>
+              <a:r>
+                <a:rPr lang="en-US" altLang="zh-CN" sz="1500" dirty="0" smtClean="0">
+                  <a:ln w="13462">
+                    <a:noFill/>
+                    <a:prstDash val="solid"/>
+                  </a:ln>
+                  <a:solidFill>
+                    <a:srgbClr val="3F3F3F"/>
+                  </a:solidFill>
+                  <a:latin typeface="STFangsong" charset="-122"/>
+                  <a:ea typeface="STFangsong" charset="-122"/>
+                  <a:cs typeface="STFangsong" charset="-122"/>
+                </a:rPr>
+                <a:t>15</a:t>
+              </a:r>
+              <a:r>
+                <a:rPr lang="zh-CN" altLang="en-US" sz="1500" dirty="0" smtClean="0">
+                  <a:ln w="13462">
+                    <a:noFill/>
+                    <a:prstDash val="solid"/>
+                  </a:ln>
+                  <a:solidFill>
+                    <a:srgbClr val="3F3F3F"/>
+                  </a:solidFill>
+                  <a:latin typeface="STFangsong" charset="-122"/>
+                  <a:ea typeface="STFangsong" charset="-122"/>
+                  <a:cs typeface="STFangsong" charset="-122"/>
+                </a:rPr>
+                <a:t> 日</a:t>
+              </a:r>
+              <a:endParaRPr lang="zh-CN" altLang="en-US" sz="1500" cap="none" spc="0" dirty="0">
+                <a:ln w="13462">
+                  <a:noFill/>
+                  <a:prstDash val="solid"/>
+                </a:ln>
+                <a:solidFill>
+                  <a:srgbClr val="3F3F3F"/>
+                </a:solidFill>
+                <a:latin typeface="STFangsong" charset="-122"/>
+                <a:ea typeface="STFangsong" charset="-122"/>
+                <a:cs typeface="STFangsong" charset="-122"/>
+              </a:endParaRPr>
+            </a:p>
+          </p:txBody>
+        </p:sp>
+      </p:grpSp>
+    </p:spTree>
+    <p:extLst>
+      <p:ext uri="{BB962C8B-B14F-4D97-AF65-F5344CB8AC3E}">
+        <p14:creationId xmlns:p14="http://schemas.microsoft.com/office/powerpoint/2010/main" val="708476162"/>
+      </p:ext>
+    </p:extLst>
+  </p:cSld>
+  <p:clrMapOvr>
+    <a:masterClrMapping/>
+  </p:clrMapOvr>
+</p:sld>
+</file>
+
+<file path=ppt/slides/slide7.xml><?xml version="1.0" encoding="utf-8"?>
+<p:sld xmlns:a="http://schemas.openxmlformats.org/drawingml/2006/main" xmlns:r="http://schemas.openxmlformats.org/officeDocument/2006/relationships" xmlns:p="http://schemas.openxmlformats.org/presentationml/2006/main">
+  <p:cSld>
+    <p:spTree>
+      <p:nvGrpSpPr>
+        <p:cNvPr id="1" name=""/>
+        <p:cNvGrpSpPr/>
+        <p:nvPr/>
+      </p:nvGrpSpPr>
+      <p:grpSpPr>
+        <a:xfrm>
+          <a:off x="0" y="0"/>
+          <a:ext cx="0" cy="0"/>
+          <a:chOff x="0" y="0"/>
+          <a:chExt cx="0" cy="0"/>
+        </a:xfrm>
+      </p:grpSpPr>
+      <p:pic>
+        <p:nvPicPr>
+          <p:cNvPr id="6" name="图片 5"/>
+          <p:cNvPicPr>
+            <a:picLocks noChangeAspect="1"/>
+          </p:cNvPicPr>
+          <p:nvPr/>
+        </p:nvPicPr>
+        <p:blipFill>
+          <a:blip r:embed="rId2">
+            <a:extLst>
+              <a:ext uri="{28A0092B-C50C-407E-A947-70E740481C1C}">
+                <a14:useLocalDpi xmlns:a14="http://schemas.microsoft.com/office/drawing/2010/main" val="0"/>
+              </a:ext>
+            </a:extLst>
+          </a:blip>
+          <a:stretch>
+            <a:fillRect/>
+          </a:stretch>
+        </p:blipFill>
+        <p:spPr>
+          <a:xfrm>
+            <a:off x="2912326" y="1895707"/>
+            <a:ext cx="4081346" cy="4081346"/>
+          </a:xfrm>
+          <a:prstGeom prst="rect">
+            <a:avLst/>
+          </a:prstGeom>
+        </p:spPr>
+      </p:pic>
+      <p:pic>
+        <p:nvPicPr>
+          <p:cNvPr id="9" name="图片 8"/>
+          <p:cNvPicPr>
+            <a:picLocks noChangeAspect="1"/>
+          </p:cNvPicPr>
+          <p:nvPr/>
+        </p:nvPicPr>
+        <p:blipFill>
+          <a:blip r:embed="rId3">
+            <a:extLst>
+              <a:ext uri="{28A0092B-C50C-407E-A947-70E740481C1C}">
+                <a14:useLocalDpi xmlns:a14="http://schemas.microsoft.com/office/drawing/2010/main" val="0"/>
+              </a:ext>
+            </a:extLst>
+          </a:blip>
+          <a:stretch>
+            <a:fillRect/>
+          </a:stretch>
+        </p:blipFill>
+        <p:spPr>
+          <a:xfrm>
+            <a:off x="3777785" y="2228800"/>
+            <a:ext cx="1329473" cy="1707580"/>
+          </a:xfrm>
+          <a:prstGeom prst="rect">
+            <a:avLst/>
+          </a:prstGeom>
+        </p:spPr>
+      </p:pic>
+    </p:spTree>
+    <p:extLst>
+      <p:ext uri="{BB962C8B-B14F-4D97-AF65-F5344CB8AC3E}">
+        <p14:creationId xmlns:p14="http://schemas.microsoft.com/office/powerpoint/2010/main" val="867176716"/>
+      </p:ext>
+    </p:extLst>
+  </p:cSld>
+  <p:clrMapOvr>
+    <a:masterClrMapping/>
+  </p:clrMapOvr>
+</p:sld>
+</file>
+
+<file path=ppt/slides/slide8.xml><?xml version="1.0" encoding="utf-8"?>
+<p:sld xmlns:a="http://schemas.openxmlformats.org/drawingml/2006/main" xmlns:r="http://schemas.openxmlformats.org/officeDocument/2006/relationships" xmlns:p="http://schemas.openxmlformats.org/presentationml/2006/main">
+  <p:cSld>
+    <p:spTree>
+      <p:nvGrpSpPr>
+        <p:cNvPr id="1" name=""/>
+        <p:cNvGrpSpPr/>
+        <p:nvPr/>
+      </p:nvGrpSpPr>
+      <p:grpSpPr>
+        <a:xfrm>
+          <a:off x="0" y="0"/>
+          <a:ext cx="0" cy="0"/>
+          <a:chOff x="0" y="0"/>
+          <a:chExt cx="0" cy="0"/>
+        </a:xfrm>
+      </p:grpSpPr>
+      <p:pic>
+        <p:nvPicPr>
+          <p:cNvPr id="6" name="图片 5"/>
+          <p:cNvPicPr>
+            <a:picLocks noChangeAspect="1"/>
+          </p:cNvPicPr>
+          <p:nvPr/>
+        </p:nvPicPr>
+        <p:blipFill>
+          <a:blip r:embed="rId2">
+            <a:extLst>
+              <a:ext uri="{28A0092B-C50C-407E-A947-70E740481C1C}">
+                <a14:useLocalDpi xmlns:a14="http://schemas.microsoft.com/office/drawing/2010/main" val="0"/>
+              </a:ext>
+            </a:extLst>
+          </a:blip>
+          <a:stretch>
+            <a:fillRect/>
+          </a:stretch>
+        </p:blipFill>
+        <p:spPr>
+          <a:xfrm>
+            <a:off x="2912326" y="1895707"/>
+            <a:ext cx="4081346" cy="4081346"/>
+          </a:xfrm>
+          <a:prstGeom prst="rect">
+            <a:avLst/>
+          </a:prstGeom>
+        </p:spPr>
+      </p:pic>
+      <p:pic>
+        <p:nvPicPr>
+          <p:cNvPr id="2" name="图片 1"/>
+          <p:cNvPicPr>
+            <a:picLocks noChangeAspect="1"/>
+          </p:cNvPicPr>
+          <p:nvPr/>
+        </p:nvPicPr>
+        <p:blipFill>
+          <a:blip r:embed="rId3">
+            <a:extLst>
+              <a:ext uri="{28A0092B-C50C-407E-A947-70E740481C1C}">
+                <a14:useLocalDpi xmlns:a14="http://schemas.microsoft.com/office/drawing/2010/main" val="0"/>
+              </a:ext>
+            </a:extLst>
+          </a:blip>
+          <a:stretch>
+            <a:fillRect/>
+          </a:stretch>
+        </p:blipFill>
+        <p:spPr>
+          <a:xfrm>
+            <a:off x="3627243" y="2163026"/>
+            <a:ext cx="1859157" cy="2814415"/>
+          </a:xfrm>
+          <a:prstGeom prst="rect">
+            <a:avLst/>
+          </a:prstGeom>
+        </p:spPr>
+      </p:pic>
+    </p:spTree>
+    <p:extLst>
+      <p:ext uri="{BB962C8B-B14F-4D97-AF65-F5344CB8AC3E}">
+        <p14:creationId xmlns:p14="http://schemas.microsoft.com/office/powerpoint/2010/main" val="1918155641"/>
+      </p:ext>
+    </p:extLst>
+  </p:cSld>
+  <p:clrMapOvr>
+    <a:masterClrMapping/>
+  </p:clrMapOvr>
+</p:sld>
+</file>
+
+<file path=ppt/slides/slide9.xml><?xml version="1.0" encoding="utf-8"?>
+<p:sld xmlns:a="http://schemas.openxmlformats.org/drawingml/2006/main" xmlns:r="http://schemas.openxmlformats.org/officeDocument/2006/relationships" xmlns:p="http://schemas.openxmlformats.org/presentationml/2006/main">
+  <p:cSld>
+    <p:spTree>
+      <p:nvGrpSpPr>
+        <p:cNvPr id="1" name=""/>
+        <p:cNvGrpSpPr/>
+        <p:nvPr/>
+      </p:nvGrpSpPr>
+      <p:grpSpPr>
+        <a:xfrm>
+          <a:off x="0" y="0"/>
+          <a:ext cx="0" cy="0"/>
+          <a:chOff x="0" y="0"/>
+          <a:chExt cx="0" cy="0"/>
+        </a:xfrm>
+      </p:grpSpPr>
+      <p:pic>
+        <p:nvPicPr>
+          <p:cNvPr id="6" name="图片 5"/>
+          <p:cNvPicPr>
+            <a:picLocks noChangeAspect="1"/>
+          </p:cNvPicPr>
+          <p:nvPr/>
+        </p:nvPicPr>
+        <p:blipFill>
+          <a:blip r:embed="rId2">
+            <a:extLst>
+              <a:ext uri="{28A0092B-C50C-407E-A947-70E740481C1C}">
+                <a14:useLocalDpi xmlns:a14="http://schemas.microsoft.com/office/drawing/2010/main" val="0"/>
+              </a:ext>
+            </a:extLst>
+          </a:blip>
+          <a:stretch>
+            <a:fillRect/>
+          </a:stretch>
+        </p:blipFill>
+        <p:spPr>
+          <a:xfrm>
+            <a:off x="2912326" y="1895707"/>
+            <a:ext cx="4081346" cy="4081346"/>
+          </a:xfrm>
+          <a:prstGeom prst="rect">
+            <a:avLst/>
+          </a:prstGeom>
+        </p:spPr>
+      </p:pic>
+      <p:pic>
+        <p:nvPicPr>
+          <p:cNvPr id="3" name="图片 2"/>
+          <p:cNvPicPr>
+            <a:picLocks noChangeAspect="1"/>
+          </p:cNvPicPr>
+          <p:nvPr/>
+        </p:nvPicPr>
+        <p:blipFill>
+          <a:blip r:embed="rId3">
+            <a:extLst>
+              <a:ext uri="{28A0092B-C50C-407E-A947-70E740481C1C}">
+                <a14:useLocalDpi xmlns:a14="http://schemas.microsoft.com/office/drawing/2010/main" val="0"/>
+              </a:ext>
+            </a:extLst>
+          </a:blip>
+          <a:stretch>
+            <a:fillRect/>
+          </a:stretch>
+        </p:blipFill>
+        <p:spPr>
+          <a:xfrm>
+            <a:off x="3282176" y="2112420"/>
+            <a:ext cx="2148468" cy="1823960"/>
+          </a:xfrm>
+          <a:prstGeom prst="rect">
+            <a:avLst/>
+          </a:prstGeom>
+        </p:spPr>
+      </p:pic>
+    </p:spTree>
+    <p:extLst>
+      <p:ext uri="{BB962C8B-B14F-4D97-AF65-F5344CB8AC3E}">
+        <p14:creationId xmlns:p14="http://schemas.microsoft.com/office/powerpoint/2010/main" val="2084125639"/>
+      </p:ext>
+    </p:extLst>
+  </p:cSld>
+  <p:clrMapOvr>
+    <a:masterClrMapping/>
+  </p:clrMapOvr>
+</p:sld>
+</file>
+
 <file path=ppt/theme/theme1.xml><?xml version="1.0" encoding="utf-8"?>
 <a:theme xmlns:a="http://schemas.openxmlformats.org/drawingml/2006/main" name="Office 主题">
   <a:themeElements>
